--- a/docs/architecture.pptx
+++ b/docs/architecture.pptx
@@ -5,17 +5,14 @@
     <p:sldMasterId id="2147483672" r:id="rId1"/>
   </p:sldMasterIdLst>
   <p:notesMasterIdLst>
-    <p:notesMasterId r:id="rId7"/>
+    <p:notesMasterId r:id="rId4"/>
   </p:notesMasterIdLst>
   <p:handoutMasterIdLst>
-    <p:handoutMasterId r:id="rId8"/>
+    <p:handoutMasterId r:id="rId5"/>
   </p:handoutMasterIdLst>
   <p:sldIdLst>
     <p:sldId id="952" r:id="rId2"/>
     <p:sldId id="2072" r:id="rId3"/>
-    <p:sldId id="2085" r:id="rId4"/>
-    <p:sldId id="2084" r:id="rId5"/>
-    <p:sldId id="2083" r:id="rId6"/>
   </p:sldIdLst>
   <p:sldSz cx="9906000" cy="6858000" type="A4"/>
   <p:notesSz cx="9939338" cy="6807200"/>
@@ -218,7 +215,7 @@
           <a:p>
             <a:fld id="{71807099-A279-4B3D-8BFC-264853AE5B75}" type="datetimeFigureOut">
               <a:rPr lang="ko-KR" altLang="en-US" smtClean="0"/>
-              <a:t>2022. 2. 10.</a:t>
+              <a:t>2022. 3. 22.</a:t>
             </a:fld>
             <a:endParaRPr lang="ko-KR" altLang="en-US"/>
           </a:p>
@@ -383,7 +380,7 @@
           <a:p>
             <a:fld id="{B357AAB4-F037-DD4F-971B-E553FD689BE8}" type="datetimeFigureOut">
               <a:rPr kumimoji="1" lang="ko-KR" altLang="en-US" smtClean="0"/>
-              <a:t>2022. 2. 10.</a:t>
+              <a:t>2022. 3. 22.</a:t>
             </a:fld>
             <a:endParaRPr kumimoji="1" lang="ko-KR" altLang="en-US"/>
           </a:p>
@@ -809,258 +806,6 @@
     <p:extLst>
       <p:ext uri="{BB962C8B-B14F-4D97-AF65-F5344CB8AC3E}">
         <p14:creationId xmlns:p14="http://schemas.microsoft.com/office/powerpoint/2010/main" val="2032567441"/>
-      </p:ext>
-    </p:extLst>
-  </p:cSld>
-  <p:clrMapOvr>
-    <a:masterClrMapping/>
-  </p:clrMapOvr>
-</p:notes>
-</file>
-
-<file path=ppt/notesSlides/notesSlide3.xml><?xml version="1.0" encoding="utf-8"?>
-<p:notes xmlns:a="http://schemas.openxmlformats.org/drawingml/2006/main" xmlns:r="http://schemas.openxmlformats.org/officeDocument/2006/relationships" xmlns:p="http://schemas.openxmlformats.org/presentationml/2006/main">
-  <p:cSld>
-    <p:spTree>
-      <p:nvGrpSpPr>
-        <p:cNvPr id="1" name=""/>
-        <p:cNvGrpSpPr/>
-        <p:nvPr/>
-      </p:nvGrpSpPr>
-      <p:grpSpPr>
-        <a:xfrm>
-          <a:off x="0" y="0"/>
-          <a:ext cx="0" cy="0"/>
-          <a:chOff x="0" y="0"/>
-          <a:chExt cx="0" cy="0"/>
-        </a:xfrm>
-      </p:grpSpPr>
-      <p:sp>
-        <p:nvSpPr>
-          <p:cNvPr id="2" name="슬라이드 이미지 개체 틀 1"/>
-          <p:cNvSpPr>
-            <a:spLocks noGrp="1" noRot="1" noChangeAspect="1"/>
-          </p:cNvSpPr>
-          <p:nvPr>
-            <p:ph type="sldImg"/>
-          </p:nvPr>
-        </p:nvSpPr>
-        <p:spPr/>
-      </p:sp>
-      <p:sp>
-        <p:nvSpPr>
-          <p:cNvPr id="3" name="슬라이드 노트 개체 틀 2"/>
-          <p:cNvSpPr>
-            <a:spLocks noGrp="1"/>
-          </p:cNvSpPr>
-          <p:nvPr>
-            <p:ph type="body" idx="1"/>
-          </p:nvPr>
-        </p:nvSpPr>
-        <p:spPr/>
-        <p:txBody>
-          <a:bodyPr/>
-          <a:lstStyle/>
-          <a:p>
-            <a:endParaRPr kumimoji="1" lang="ko-Kore-KR" altLang="en-US" dirty="0"/>
-          </a:p>
-        </p:txBody>
-      </p:sp>
-      <p:sp>
-        <p:nvSpPr>
-          <p:cNvPr id="4" name="슬라이드 번호 개체 틀 3"/>
-          <p:cNvSpPr>
-            <a:spLocks noGrp="1"/>
-          </p:cNvSpPr>
-          <p:nvPr>
-            <p:ph type="sldNum" sz="quarter" idx="5"/>
-          </p:nvPr>
-        </p:nvSpPr>
-        <p:spPr/>
-        <p:txBody>
-          <a:bodyPr/>
-          <a:lstStyle/>
-          <a:p>
-            <a:fld id="{9E2BF0B0-CB50-5C4D-B184-CD7800048251}" type="slidenum">
-              <a:rPr kumimoji="1" lang="ko-KR" altLang="en-US" smtClean="0"/>
-              <a:t>2</a:t>
-            </a:fld>
-            <a:endParaRPr kumimoji="1" lang="ko-KR" altLang="en-US"/>
-          </a:p>
-        </p:txBody>
-      </p:sp>
-    </p:spTree>
-    <p:extLst>
-      <p:ext uri="{BB962C8B-B14F-4D97-AF65-F5344CB8AC3E}">
-        <p14:creationId xmlns:p14="http://schemas.microsoft.com/office/powerpoint/2010/main" val="691947958"/>
-      </p:ext>
-    </p:extLst>
-  </p:cSld>
-  <p:clrMapOvr>
-    <a:masterClrMapping/>
-  </p:clrMapOvr>
-</p:notes>
-</file>
-
-<file path=ppt/notesSlides/notesSlide4.xml><?xml version="1.0" encoding="utf-8"?>
-<p:notes xmlns:a="http://schemas.openxmlformats.org/drawingml/2006/main" xmlns:r="http://schemas.openxmlformats.org/officeDocument/2006/relationships" xmlns:p="http://schemas.openxmlformats.org/presentationml/2006/main">
-  <p:cSld>
-    <p:spTree>
-      <p:nvGrpSpPr>
-        <p:cNvPr id="1" name=""/>
-        <p:cNvGrpSpPr/>
-        <p:nvPr/>
-      </p:nvGrpSpPr>
-      <p:grpSpPr>
-        <a:xfrm>
-          <a:off x="0" y="0"/>
-          <a:ext cx="0" cy="0"/>
-          <a:chOff x="0" y="0"/>
-          <a:chExt cx="0" cy="0"/>
-        </a:xfrm>
-      </p:grpSpPr>
-      <p:sp>
-        <p:nvSpPr>
-          <p:cNvPr id="2" name="슬라이드 이미지 개체 틀 1"/>
-          <p:cNvSpPr>
-            <a:spLocks noGrp="1" noRot="1" noChangeAspect="1"/>
-          </p:cNvSpPr>
-          <p:nvPr>
-            <p:ph type="sldImg"/>
-          </p:nvPr>
-        </p:nvSpPr>
-        <p:spPr/>
-      </p:sp>
-      <p:sp>
-        <p:nvSpPr>
-          <p:cNvPr id="3" name="슬라이드 노트 개체 틀 2"/>
-          <p:cNvSpPr>
-            <a:spLocks noGrp="1"/>
-          </p:cNvSpPr>
-          <p:nvPr>
-            <p:ph type="body" idx="1"/>
-          </p:nvPr>
-        </p:nvSpPr>
-        <p:spPr/>
-        <p:txBody>
-          <a:bodyPr/>
-          <a:lstStyle/>
-          <a:p>
-            <a:endParaRPr kumimoji="1" lang="ko-Kore-KR" altLang="en-US" dirty="0"/>
-          </a:p>
-        </p:txBody>
-      </p:sp>
-      <p:sp>
-        <p:nvSpPr>
-          <p:cNvPr id="4" name="슬라이드 번호 개체 틀 3"/>
-          <p:cNvSpPr>
-            <a:spLocks noGrp="1"/>
-          </p:cNvSpPr>
-          <p:nvPr>
-            <p:ph type="sldNum" sz="quarter" idx="5"/>
-          </p:nvPr>
-        </p:nvSpPr>
-        <p:spPr/>
-        <p:txBody>
-          <a:bodyPr/>
-          <a:lstStyle/>
-          <a:p>
-            <a:fld id="{9E2BF0B0-CB50-5C4D-B184-CD7800048251}" type="slidenum">
-              <a:rPr kumimoji="1" lang="ko-KR" altLang="en-US" smtClean="0"/>
-              <a:t>3</a:t>
-            </a:fld>
-            <a:endParaRPr kumimoji="1" lang="ko-KR" altLang="en-US"/>
-          </a:p>
-        </p:txBody>
-      </p:sp>
-    </p:spTree>
-    <p:extLst>
-      <p:ext uri="{BB962C8B-B14F-4D97-AF65-F5344CB8AC3E}">
-        <p14:creationId xmlns:p14="http://schemas.microsoft.com/office/powerpoint/2010/main" val="4268272242"/>
-      </p:ext>
-    </p:extLst>
-  </p:cSld>
-  <p:clrMapOvr>
-    <a:masterClrMapping/>
-  </p:clrMapOvr>
-</p:notes>
-</file>
-
-<file path=ppt/notesSlides/notesSlide5.xml><?xml version="1.0" encoding="utf-8"?>
-<p:notes xmlns:a="http://schemas.openxmlformats.org/drawingml/2006/main" xmlns:r="http://schemas.openxmlformats.org/officeDocument/2006/relationships" xmlns:p="http://schemas.openxmlformats.org/presentationml/2006/main">
-  <p:cSld>
-    <p:spTree>
-      <p:nvGrpSpPr>
-        <p:cNvPr id="1" name=""/>
-        <p:cNvGrpSpPr/>
-        <p:nvPr/>
-      </p:nvGrpSpPr>
-      <p:grpSpPr>
-        <a:xfrm>
-          <a:off x="0" y="0"/>
-          <a:ext cx="0" cy="0"/>
-          <a:chOff x="0" y="0"/>
-          <a:chExt cx="0" cy="0"/>
-        </a:xfrm>
-      </p:grpSpPr>
-      <p:sp>
-        <p:nvSpPr>
-          <p:cNvPr id="2" name="슬라이드 이미지 개체 틀 1"/>
-          <p:cNvSpPr>
-            <a:spLocks noGrp="1" noRot="1" noChangeAspect="1"/>
-          </p:cNvSpPr>
-          <p:nvPr>
-            <p:ph type="sldImg"/>
-          </p:nvPr>
-        </p:nvSpPr>
-        <p:spPr/>
-      </p:sp>
-      <p:sp>
-        <p:nvSpPr>
-          <p:cNvPr id="3" name="슬라이드 노트 개체 틀 2"/>
-          <p:cNvSpPr>
-            <a:spLocks noGrp="1"/>
-          </p:cNvSpPr>
-          <p:nvPr>
-            <p:ph type="body" idx="1"/>
-          </p:nvPr>
-        </p:nvSpPr>
-        <p:spPr/>
-        <p:txBody>
-          <a:bodyPr/>
-          <a:lstStyle/>
-          <a:p>
-            <a:endParaRPr kumimoji="1" lang="ko-Kore-KR" altLang="en-US" dirty="0"/>
-          </a:p>
-        </p:txBody>
-      </p:sp>
-      <p:sp>
-        <p:nvSpPr>
-          <p:cNvPr id="4" name="슬라이드 번호 개체 틀 3"/>
-          <p:cNvSpPr>
-            <a:spLocks noGrp="1"/>
-          </p:cNvSpPr>
-          <p:nvPr>
-            <p:ph type="sldNum" sz="quarter" idx="5"/>
-          </p:nvPr>
-        </p:nvSpPr>
-        <p:spPr/>
-        <p:txBody>
-          <a:bodyPr/>
-          <a:lstStyle/>
-          <a:p>
-            <a:fld id="{9E2BF0B0-CB50-5C4D-B184-CD7800048251}" type="slidenum">
-              <a:rPr kumimoji="1" lang="ko-KR" altLang="en-US" smtClean="0"/>
-              <a:t>4</a:t>
-            </a:fld>
-            <a:endParaRPr kumimoji="1" lang="ko-KR" altLang="en-US"/>
-          </a:p>
-        </p:txBody>
-      </p:sp>
-    </p:spTree>
-    <p:extLst>
-      <p:ext uri="{BB962C8B-B14F-4D97-AF65-F5344CB8AC3E}">
-        <p14:creationId xmlns:p14="http://schemas.microsoft.com/office/powerpoint/2010/main" val="1599233588"/>
       </p:ext>
     </p:extLst>
   </p:cSld>
@@ -8290,7 +8035,7 @@
             <a:pPr algn="r"/>
             <a:r>
               <a:rPr kumimoji="1" lang="en-US" altLang="ko-KR" dirty="0" err="1"/>
-              <a:t>edgectl</a:t>
+              <a:t>koreonctl</a:t>
             </a:r>
             <a:r>
               <a:rPr kumimoji="1" lang="en-US" altLang="ko-KR" dirty="0"/>
@@ -8386,7 +8131,7 @@
           <a:p>
             <a:r>
               <a:rPr kumimoji="1" lang="en-US" altLang="ko-KR" dirty="0" err="1"/>
-              <a:t>EdgeCli</a:t>
+              <a:t>Koreonctl</a:t>
             </a:r>
             <a:endParaRPr kumimoji="1" lang="ko-KR" altLang="en-US" dirty="0"/>
           </a:p>
@@ -8408,7 +8153,7 @@
         </p:nvSpPr>
         <p:spPr bwMode="gray">
           <a:xfrm>
-            <a:off x="438166" y="2659121"/>
+            <a:off x="438166" y="2386030"/>
             <a:ext cx="3627945" cy="1064418"/>
           </a:xfrm>
           <a:prstGeom prst="rect">
@@ -8573,7 +8318,7 @@
         </p:nvSpPr>
         <p:spPr bwMode="gray">
           <a:xfrm>
-            <a:off x="308785" y="2476010"/>
+            <a:off x="308785" y="2202919"/>
             <a:ext cx="3885342" cy="3178871"/>
           </a:xfrm>
           <a:prstGeom prst="rect">
@@ -8743,7 +8488,7 @@
         </p:nvSpPr>
         <p:spPr bwMode="gray">
           <a:xfrm>
-            <a:off x="539437" y="2656070"/>
+            <a:off x="539437" y="2382979"/>
             <a:ext cx="1981338" cy="360362"/>
           </a:xfrm>
           <a:prstGeom prst="rect">
@@ -8903,14 +8648,14 @@
                 <a:latin typeface="Arial" panose="020B0604020202020204" pitchFamily="34" charset="0"/>
                 <a:ea typeface="가는각진제목체" pitchFamily="18" charset="-127"/>
               </a:rPr>
-              <a:t>egde</a:t>
+              <a:t>koreon</a:t>
             </a:r>
             <a:r>
               <a:rPr lang="en-US" altLang="ko-KR" sz="1200" b="1" dirty="0">
                 <a:latin typeface="Arial" panose="020B0604020202020204" pitchFamily="34" charset="0"/>
                 <a:ea typeface="가는각진제목체" pitchFamily="18" charset="-127"/>
               </a:rPr>
-              <a:t>-cube-pack-cluster (docker image)</a:t>
+              <a:t> (docker image)</a:t>
             </a:r>
             <a:endParaRPr lang="ko-KR" altLang="en-US" sz="1200" b="1" dirty="0">
               <a:latin typeface="Arial" panose="020B0604020202020204" pitchFamily="34" charset="0"/>
@@ -8935,7 +8680,7 @@
         </p:nvSpPr>
         <p:spPr bwMode="auto">
           <a:xfrm>
-            <a:off x="1784228" y="3157397"/>
+            <a:off x="1154440" y="2884306"/>
             <a:ext cx="1062764" cy="403210"/>
           </a:xfrm>
           <a:prstGeom prst="rect">
@@ -9105,7 +8850,7 @@
         </p:nvSpPr>
         <p:spPr bwMode="gray">
           <a:xfrm>
-            <a:off x="438166" y="4135818"/>
+            <a:off x="438166" y="3862727"/>
             <a:ext cx="3627945" cy="1427378"/>
           </a:xfrm>
           <a:prstGeom prst="rect">
@@ -9270,7 +9015,7 @@
         </p:nvSpPr>
         <p:spPr bwMode="gray">
           <a:xfrm>
-            <a:off x="539437" y="4132767"/>
+            <a:off x="539437" y="3859676"/>
             <a:ext cx="2429394" cy="360362"/>
           </a:xfrm>
           <a:prstGeom prst="rect">
@@ -9430,7 +9175,7 @@
                 <a:latin typeface="Arial" panose="020B0604020202020204" pitchFamily="34" charset="0"/>
                 <a:ea typeface="가는각진제목체" pitchFamily="18" charset="-127"/>
               </a:rPr>
-              <a:t>edgecli</a:t>
+              <a:t>koreonctl</a:t>
             </a:r>
             <a:r>
               <a:rPr lang="en-US" altLang="ko-KR" sz="1200" b="1" dirty="0">
@@ -9462,7 +9207,7 @@
         </p:nvSpPr>
         <p:spPr bwMode="auto">
           <a:xfrm>
-            <a:off x="539437" y="4623060"/>
+            <a:off x="539437" y="4349969"/>
             <a:ext cx="1062764" cy="403210"/>
           </a:xfrm>
           <a:prstGeom prst="rect">
@@ -9632,7 +9377,7 @@
         </p:nvSpPr>
         <p:spPr bwMode="auto">
           <a:xfrm>
-            <a:off x="1703472" y="4628577"/>
+            <a:off x="1703472" y="4355486"/>
             <a:ext cx="1062764" cy="403210"/>
           </a:xfrm>
           <a:prstGeom prst="rect">
@@ -9810,7 +9555,7 @@
         </p:nvSpPr>
         <p:spPr bwMode="auto">
           <a:xfrm>
-            <a:off x="2867507" y="4634094"/>
+            <a:off x="2867507" y="4361003"/>
             <a:ext cx="1062764" cy="403210"/>
           </a:xfrm>
           <a:prstGeom prst="rect">
@@ -9978,7 +9723,7 @@
         </p:nvSpPr>
         <p:spPr>
           <a:xfrm>
-            <a:off x="2118672" y="3760006"/>
+            <a:off x="2118672" y="3486915"/>
             <a:ext cx="196938" cy="294987"/>
           </a:xfrm>
           <a:prstGeom prst="upDownArrow">
@@ -10024,206 +9769,6 @@
       </p:sp>
       <p:sp>
         <p:nvSpPr>
-          <p:cNvPr id="139" name="Rectangle 34">
-            <a:extLst>
-              <a:ext uri="{FF2B5EF4-FFF2-40B4-BE49-F238E27FC236}">
-                <a16:creationId xmlns:a16="http://schemas.microsoft.com/office/drawing/2014/main" id="{B90858E9-FF3E-8441-A6E1-AE3F473AEB9E}"/>
-              </a:ext>
-            </a:extLst>
-          </p:cNvPr>
-          <p:cNvSpPr>
-            <a:spLocks noChangeArrowheads="1"/>
-          </p:cNvSpPr>
-          <p:nvPr/>
-        </p:nvSpPr>
-        <p:spPr bwMode="auto">
-          <a:xfrm>
-            <a:off x="536389" y="5086356"/>
-            <a:ext cx="1062764" cy="403210"/>
-          </a:xfrm>
-          <a:prstGeom prst="rect">
-            <a:avLst/>
-          </a:prstGeom>
-          <a:solidFill>
-            <a:schemeClr val="bg1"/>
-          </a:solidFill>
-          <a:ln w="12700" algn="ctr">
-            <a:solidFill>
-              <a:schemeClr val="tx1"/>
-            </a:solidFill>
-            <a:miter lim="800000"/>
-            <a:headEnd/>
-            <a:tailEnd/>
-          </a:ln>
-        </p:spPr>
-        <p:txBody>
-          <a:bodyPr wrap="none" lIns="90000" tIns="54000" rIns="90000" bIns="54000" anchor="ctr"/>
-          <a:lstStyle>
-            <a:lvl1pPr marL="93663" indent="-93663">
-              <a:defRPr sz="1000">
-                <a:solidFill>
-                  <a:schemeClr val="tx1"/>
-                </a:solidFill>
-                <a:latin typeface="Lucida Sans Unicode" panose="020B0602030504020204" pitchFamily="34" charset="0"/>
-                <a:ea typeface="돋움" panose="020B0600000101010101" pitchFamily="34" charset="-127"/>
-              </a:defRPr>
-            </a:lvl1pPr>
-            <a:lvl2pPr marL="742950" indent="-285750">
-              <a:defRPr sz="1000">
-                <a:solidFill>
-                  <a:schemeClr val="tx1"/>
-                </a:solidFill>
-                <a:latin typeface="Lucida Sans Unicode" panose="020B0602030504020204" pitchFamily="34" charset="0"/>
-                <a:ea typeface="돋움" panose="020B0600000101010101" pitchFamily="34" charset="-127"/>
-              </a:defRPr>
-            </a:lvl2pPr>
-            <a:lvl3pPr marL="1143000" indent="-228600">
-              <a:defRPr sz="1000">
-                <a:solidFill>
-                  <a:schemeClr val="tx1"/>
-                </a:solidFill>
-                <a:latin typeface="Lucida Sans Unicode" panose="020B0602030504020204" pitchFamily="34" charset="0"/>
-                <a:ea typeface="돋움" panose="020B0600000101010101" pitchFamily="34" charset="-127"/>
-              </a:defRPr>
-            </a:lvl3pPr>
-            <a:lvl4pPr marL="1600200" indent="-228600">
-              <a:defRPr sz="1000">
-                <a:solidFill>
-                  <a:schemeClr val="tx1"/>
-                </a:solidFill>
-                <a:latin typeface="Lucida Sans Unicode" panose="020B0602030504020204" pitchFamily="34" charset="0"/>
-                <a:ea typeface="돋움" panose="020B0600000101010101" pitchFamily="34" charset="-127"/>
-              </a:defRPr>
-            </a:lvl4pPr>
-            <a:lvl5pPr marL="2057400" indent="-228600">
-              <a:defRPr sz="1000">
-                <a:solidFill>
-                  <a:schemeClr val="tx1"/>
-                </a:solidFill>
-                <a:latin typeface="Lucida Sans Unicode" panose="020B0602030504020204" pitchFamily="34" charset="0"/>
-                <a:ea typeface="돋움" panose="020B0600000101010101" pitchFamily="34" charset="-127"/>
-              </a:defRPr>
-            </a:lvl5pPr>
-            <a:lvl6pPr marL="2514600" indent="-228600" eaLnBrk="0" fontAlgn="base" hangingPunct="0">
-              <a:spcBef>
-                <a:spcPct val="0"/>
-              </a:spcBef>
-              <a:spcAft>
-                <a:spcPct val="0"/>
-              </a:spcAft>
-              <a:buFont typeface="Wingdings" pitchFamily="2" charset="2"/>
-              <a:buChar char="§"/>
-              <a:defRPr sz="1000">
-                <a:solidFill>
-                  <a:schemeClr val="tx1"/>
-                </a:solidFill>
-                <a:latin typeface="Lucida Sans Unicode" panose="020B0602030504020204" pitchFamily="34" charset="0"/>
-                <a:ea typeface="돋움" panose="020B0600000101010101" pitchFamily="34" charset="-127"/>
-              </a:defRPr>
-            </a:lvl6pPr>
-            <a:lvl7pPr marL="2971800" indent="-228600" eaLnBrk="0" fontAlgn="base" hangingPunct="0">
-              <a:spcBef>
-                <a:spcPct val="0"/>
-              </a:spcBef>
-              <a:spcAft>
-                <a:spcPct val="0"/>
-              </a:spcAft>
-              <a:buFont typeface="Wingdings" pitchFamily="2" charset="2"/>
-              <a:buChar char="§"/>
-              <a:defRPr sz="1000">
-                <a:solidFill>
-                  <a:schemeClr val="tx1"/>
-                </a:solidFill>
-                <a:latin typeface="Lucida Sans Unicode" panose="020B0602030504020204" pitchFamily="34" charset="0"/>
-                <a:ea typeface="돋움" panose="020B0600000101010101" pitchFamily="34" charset="-127"/>
-              </a:defRPr>
-            </a:lvl7pPr>
-            <a:lvl8pPr marL="3429000" indent="-228600" eaLnBrk="0" fontAlgn="base" hangingPunct="0">
-              <a:spcBef>
-                <a:spcPct val="0"/>
-              </a:spcBef>
-              <a:spcAft>
-                <a:spcPct val="0"/>
-              </a:spcAft>
-              <a:buFont typeface="Wingdings" pitchFamily="2" charset="2"/>
-              <a:buChar char="§"/>
-              <a:defRPr sz="1000">
-                <a:solidFill>
-                  <a:schemeClr val="tx1"/>
-                </a:solidFill>
-                <a:latin typeface="Lucida Sans Unicode" panose="020B0602030504020204" pitchFamily="34" charset="0"/>
-                <a:ea typeface="돋움" panose="020B0600000101010101" pitchFamily="34" charset="-127"/>
-              </a:defRPr>
-            </a:lvl8pPr>
-            <a:lvl9pPr marL="3886200" indent="-228600" eaLnBrk="0" fontAlgn="base" hangingPunct="0">
-              <a:spcBef>
-                <a:spcPct val="0"/>
-              </a:spcBef>
-              <a:spcAft>
-                <a:spcPct val="0"/>
-              </a:spcAft>
-              <a:buFont typeface="Wingdings" pitchFamily="2" charset="2"/>
-              <a:buChar char="§"/>
-              <a:defRPr sz="1000">
-                <a:solidFill>
-                  <a:schemeClr val="tx1"/>
-                </a:solidFill>
-                <a:latin typeface="Lucida Sans Unicode" panose="020B0602030504020204" pitchFamily="34" charset="0"/>
-                <a:ea typeface="돋움" panose="020B0600000101010101" pitchFamily="34" charset="-127"/>
-              </a:defRPr>
-            </a:lvl9pPr>
-          </a:lstStyle>
-          <a:p>
-            <a:pPr algn="ctr">
-              <a:lnSpc>
-                <a:spcPct val="90000"/>
-              </a:lnSpc>
-              <a:buFont typeface="Wingdings" pitchFamily="2" charset="2"/>
-              <a:buNone/>
-            </a:pPr>
-            <a:r>
-              <a:rPr lang="en-US" altLang="ko-KR" sz="1200" dirty="0">
-                <a:latin typeface="Arial" panose="020B0604020202020204" pitchFamily="34" charset="0"/>
-                <a:ea typeface="굴림" panose="020B0600000101010101" pitchFamily="34" charset="-127"/>
-                <a:cs typeface="Arial" panose="020B0604020202020204" pitchFamily="34" charset="0"/>
-              </a:rPr>
-              <a:t>edge-</a:t>
-            </a:r>
-            <a:r>
-              <a:rPr lang="en-US" altLang="ko-KR" sz="1200" dirty="0" err="1">
-                <a:latin typeface="Arial" panose="020B0604020202020204" pitchFamily="34" charset="0"/>
-                <a:ea typeface="굴림" panose="020B0600000101010101" pitchFamily="34" charset="-127"/>
-                <a:cs typeface="Arial" panose="020B0604020202020204" pitchFamily="34" charset="0"/>
-              </a:rPr>
-              <a:t>cubesvc</a:t>
-            </a:r>
-            <a:endParaRPr lang="en-US" altLang="ko-KR" sz="1200" dirty="0">
-              <a:latin typeface="Arial" panose="020B0604020202020204" pitchFamily="34" charset="0"/>
-              <a:ea typeface="굴림" panose="020B0600000101010101" pitchFamily="34" charset="-127"/>
-              <a:cs typeface="Arial" panose="020B0604020202020204" pitchFamily="34" charset="0"/>
-            </a:endParaRPr>
-          </a:p>
-          <a:p>
-            <a:pPr algn="ctr">
-              <a:lnSpc>
-                <a:spcPct val="90000"/>
-              </a:lnSpc>
-              <a:buFont typeface="Wingdings" pitchFamily="2" charset="2"/>
-              <a:buNone/>
-            </a:pPr>
-            <a:r>
-              <a:rPr lang="en-US" altLang="ko-KR" sz="1200" dirty="0">
-                <a:latin typeface="Arial" panose="020B0604020202020204" pitchFamily="34" charset="0"/>
-                <a:ea typeface="굴림" panose="020B0600000101010101" pitchFamily="34" charset="-127"/>
-                <a:cs typeface="Arial" panose="020B0604020202020204" pitchFamily="34" charset="0"/>
-              </a:rPr>
-              <a:t>interface</a:t>
-            </a:r>
-          </a:p>
-        </p:txBody>
-      </p:sp>
-      <p:sp>
-        <p:nvSpPr>
           <p:cNvPr id="141" name="Rectangle 34">
             <a:extLst>
               <a:ext uri="{FF2B5EF4-FFF2-40B4-BE49-F238E27FC236}">
@@ -10238,7 +9783,7 @@
         </p:nvSpPr>
         <p:spPr bwMode="auto">
           <a:xfrm>
-            <a:off x="1703171" y="5091253"/>
+            <a:off x="539136" y="4818162"/>
             <a:ext cx="1062764" cy="403210"/>
           </a:xfrm>
           <a:prstGeom prst="rect">
@@ -10425,8 +9970,8 @@
         </p:nvSpPr>
         <p:spPr bwMode="auto">
           <a:xfrm>
-            <a:off x="5577567" y="2036498"/>
-            <a:ext cx="3739153" cy="1965386"/>
+            <a:off x="5577567" y="1598676"/>
+            <a:ext cx="3739153" cy="1789913"/>
           </a:xfrm>
           <a:prstGeom prst="rect">
             <a:avLst/>
@@ -10592,7 +10137,7 @@
         </p:nvSpPr>
         <p:spPr bwMode="auto">
           <a:xfrm>
-            <a:off x="5676988" y="3587007"/>
+            <a:off x="5676988" y="2975274"/>
             <a:ext cx="3500740" cy="302078"/>
           </a:xfrm>
           <a:prstGeom prst="rect">
@@ -10735,14 +10280,6 @@
               <a:buFont typeface="Wingdings" pitchFamily="2" charset="2"/>
               <a:buNone/>
             </a:pPr>
-            <a:r>
-              <a:rPr lang="en-US" altLang="ko-KR" sz="1200" dirty="0">
-                <a:latin typeface="Arial" panose="020B0604020202020204" pitchFamily="34" charset="0"/>
-                <a:ea typeface="굴림" panose="020B0600000101010101" pitchFamily="34" charset="-127"/>
-                <a:cs typeface="Arial" panose="020B0604020202020204" pitchFamily="34" charset="0"/>
-              </a:rPr>
-              <a:t>centos, </a:t>
-            </a:r>
             <a:r>
               <a:rPr lang="en-US" altLang="ko-KR" sz="1200" dirty="0" err="1">
                 <a:latin typeface="Arial" panose="020B0604020202020204" pitchFamily="34" charset="0"/>
@@ -10778,7 +10315,7 @@
         </p:nvSpPr>
         <p:spPr bwMode="auto">
           <a:xfrm>
-            <a:off x="5585129" y="2060311"/>
+            <a:off x="5585129" y="1622489"/>
             <a:ext cx="683498" cy="293721"/>
           </a:xfrm>
           <a:prstGeom prst="rect">
@@ -10967,7 +10504,7 @@
         </p:nvSpPr>
         <p:spPr bwMode="auto">
           <a:xfrm>
-            <a:off x="7812474" y="3232320"/>
+            <a:off x="7812474" y="2620587"/>
             <a:ext cx="665692" cy="302078"/>
           </a:xfrm>
           <a:prstGeom prst="rect">
@@ -11142,7 +10679,7 @@
         </p:nvSpPr>
         <p:spPr bwMode="auto">
           <a:xfrm>
-            <a:off x="5676987" y="3232320"/>
+            <a:off x="5676987" y="2620587"/>
             <a:ext cx="2090435" cy="302078"/>
           </a:xfrm>
           <a:prstGeom prst="rect">
@@ -11291,7 +10828,7 @@
                 <a:ea typeface="굴림" panose="020B0600000101010101" pitchFamily="34" charset="-127"/>
                 <a:cs typeface="Arial" panose="020B0604020202020204" pitchFamily="34" charset="0"/>
               </a:rPr>
-              <a:t>CRI(docker, </a:t>
+              <a:t>CRI(</a:t>
             </a:r>
             <a:r>
               <a:rPr lang="en-US" altLang="ko-KR" sz="1200" dirty="0" err="1">
@@ -11328,7 +10865,7 @@
         </p:nvSpPr>
         <p:spPr bwMode="auto">
           <a:xfrm>
-            <a:off x="8512036" y="3232320"/>
+            <a:off x="8512036" y="2620587"/>
             <a:ext cx="665692" cy="302078"/>
           </a:xfrm>
           <a:prstGeom prst="rect">
@@ -11503,8 +11040,8 @@
         </p:nvSpPr>
         <p:spPr bwMode="auto">
           <a:xfrm>
-            <a:off x="5676987" y="2875880"/>
-            <a:ext cx="2090435" cy="302078"/>
+            <a:off x="5676987" y="2264147"/>
+            <a:ext cx="3500740" cy="302078"/>
           </a:xfrm>
           <a:prstGeom prst="rect">
             <a:avLst/>
@@ -11652,7 +11189,7 @@
                 <a:ea typeface="굴림" panose="020B0600000101010101" pitchFamily="34" charset="-127"/>
                 <a:cs typeface="Arial" panose="020B0604020202020204" pitchFamily="34" charset="0"/>
               </a:rPr>
-              <a:t>k8s api, </a:t>
+              <a:t>k8s </a:t>
             </a:r>
             <a:r>
               <a:rPr lang="en-US" altLang="ko-KR" sz="1200" dirty="0" err="1">
@@ -11660,7 +11197,7 @@
                 <a:ea typeface="굴림" panose="020B0600000101010101" pitchFamily="34" charset="-127"/>
                 <a:cs typeface="Arial" panose="020B0604020202020204" pitchFamily="34" charset="0"/>
               </a:rPr>
-              <a:t>cont-mgr</a:t>
+              <a:t>apiserver</a:t>
             </a:r>
             <a:r>
               <a:rPr lang="en-US" altLang="ko-KR" sz="1200" dirty="0">
@@ -11668,23 +11205,7 @@
                 <a:ea typeface="굴림" panose="020B0600000101010101" pitchFamily="34" charset="-127"/>
                 <a:cs typeface="Arial" panose="020B0604020202020204" pitchFamily="34" charset="0"/>
               </a:rPr>
-              <a:t>, </a:t>
-            </a:r>
-            <a:r>
-              <a:rPr lang="en-US" altLang="ko-KR" sz="1200" dirty="0" err="1">
-                <a:latin typeface="Arial" panose="020B0604020202020204" pitchFamily="34" charset="0"/>
-                <a:ea typeface="굴림" panose="020B0600000101010101" pitchFamily="34" charset="-127"/>
-                <a:cs typeface="Arial" panose="020B0604020202020204" pitchFamily="34" charset="0"/>
-              </a:rPr>
-              <a:t>schd</a:t>
-            </a:r>
-            <a:r>
-              <a:rPr lang="en-US" altLang="ko-KR" sz="1200" dirty="0">
-                <a:latin typeface="Arial" panose="020B0604020202020204" pitchFamily="34" charset="0"/>
-                <a:ea typeface="굴림" panose="020B0600000101010101" pitchFamily="34" charset="-127"/>
-                <a:cs typeface="Arial" panose="020B0604020202020204" pitchFamily="34" charset="0"/>
-              </a:rPr>
-              <a:t>, proxy</a:t>
+              <a:t>, controller-manager, scheduler, proxy</a:t>
             </a:r>
           </a:p>
         </p:txBody>
@@ -11705,7 +11226,7 @@
         </p:nvSpPr>
         <p:spPr bwMode="auto">
           <a:xfrm>
-            <a:off x="5676987" y="2512574"/>
+            <a:off x="5676987" y="1900841"/>
             <a:ext cx="665692" cy="302078"/>
           </a:xfrm>
           <a:prstGeom prst="rect">
@@ -11875,7 +11396,7 @@
         </p:nvSpPr>
         <p:spPr bwMode="auto">
           <a:xfrm>
-            <a:off x="6389358" y="2512574"/>
+            <a:off x="6389358" y="1900841"/>
             <a:ext cx="665692" cy="302078"/>
           </a:xfrm>
           <a:prstGeom prst="rect">
@@ -12050,8 +11571,8 @@
         </p:nvSpPr>
         <p:spPr bwMode="auto">
           <a:xfrm>
-            <a:off x="5577567" y="4102214"/>
-            <a:ext cx="3739153" cy="1965386"/>
+            <a:off x="5577567" y="3481271"/>
+            <a:ext cx="3739153" cy="1789913"/>
           </a:xfrm>
           <a:prstGeom prst="rect">
             <a:avLst/>
@@ -12217,7 +11738,7 @@
         </p:nvSpPr>
         <p:spPr bwMode="auto">
           <a:xfrm>
-            <a:off x="5676988" y="5652723"/>
+            <a:off x="5676988" y="4877872"/>
             <a:ext cx="3500740" cy="302078"/>
           </a:xfrm>
           <a:prstGeom prst="rect">
@@ -12360,14 +11881,6 @@
               <a:buFont typeface="Wingdings" pitchFamily="2" charset="2"/>
               <a:buNone/>
             </a:pPr>
-            <a:r>
-              <a:rPr lang="en-US" altLang="ko-KR" sz="1200" dirty="0">
-                <a:latin typeface="Arial" panose="020B0604020202020204" pitchFamily="34" charset="0"/>
-                <a:ea typeface="굴림" panose="020B0600000101010101" pitchFamily="34" charset="-127"/>
-                <a:cs typeface="Arial" panose="020B0604020202020204" pitchFamily="34" charset="0"/>
-              </a:rPr>
-              <a:t>centos, </a:t>
-            </a:r>
             <a:r>
               <a:rPr lang="en-US" altLang="ko-KR" sz="1200" dirty="0" err="1">
                 <a:latin typeface="Arial" panose="020B0604020202020204" pitchFamily="34" charset="0"/>
@@ -12403,7 +11916,7 @@
         </p:nvSpPr>
         <p:spPr bwMode="auto">
           <a:xfrm>
-            <a:off x="5585129" y="4126027"/>
+            <a:off x="5585129" y="3505084"/>
             <a:ext cx="685101" cy="293721"/>
           </a:xfrm>
           <a:prstGeom prst="rect">
@@ -12592,7 +12105,7 @@
         </p:nvSpPr>
         <p:spPr bwMode="auto">
           <a:xfrm>
-            <a:off x="5676987" y="5298036"/>
+            <a:off x="5676987" y="4523185"/>
             <a:ext cx="2090435" cy="302078"/>
           </a:xfrm>
           <a:prstGeom prst="rect">
@@ -12739,7 +12252,7 @@
                 <a:ea typeface="굴림" panose="020B0600000101010101" pitchFamily="34" charset="-127"/>
                 <a:cs typeface="Arial" panose="020B0604020202020204" pitchFamily="34" charset="0"/>
               </a:rPr>
-              <a:t>CRI(docker, </a:t>
+              <a:t>CRI(</a:t>
             </a:r>
             <a:r>
               <a:rPr lang="en-US" altLang="ko-KR" sz="1200" dirty="0" err="1">
@@ -12776,8 +12289,8 @@
         </p:nvSpPr>
         <p:spPr bwMode="auto">
           <a:xfrm>
-            <a:off x="8512036" y="5298036"/>
-            <a:ext cx="665692" cy="302078"/>
+            <a:off x="7812474" y="4523185"/>
+            <a:ext cx="1365254" cy="302078"/>
           </a:xfrm>
           <a:prstGeom prst="rect">
             <a:avLst/>
@@ -12951,8 +12464,8 @@
         </p:nvSpPr>
         <p:spPr bwMode="auto">
           <a:xfrm>
-            <a:off x="5676987" y="4941596"/>
-            <a:ext cx="2090435" cy="302078"/>
+            <a:off x="5676987" y="4166745"/>
+            <a:ext cx="3500740" cy="302078"/>
           </a:xfrm>
           <a:prstGeom prst="rect">
             <a:avLst/>
@@ -13119,8 +12632,8 @@
         </p:nvSpPr>
         <p:spPr>
           <a:xfrm>
-            <a:off x="3987933" y="3145761"/>
-            <a:ext cx="1544582" cy="468110"/>
+            <a:off x="4408529" y="3510724"/>
+            <a:ext cx="954635" cy="468110"/>
           </a:xfrm>
           <a:prstGeom prst="rightArrow">
             <a:avLst>
@@ -13154,189 +12667,6 @@
                 <a:prstClr val="black"/>
               </a:solidFill>
               <a:latin typeface="맑은 고딕" panose="020B0503020000020004" pitchFamily="50" charset="-127"/>
-            </a:endParaRPr>
-          </a:p>
-        </p:txBody>
-      </p:sp>
-      <p:sp>
-        <p:nvSpPr>
-          <p:cNvPr id="168" name="Rectangle 34">
-            <a:extLst>
-              <a:ext uri="{FF2B5EF4-FFF2-40B4-BE49-F238E27FC236}">
-                <a16:creationId xmlns:a16="http://schemas.microsoft.com/office/drawing/2014/main" id="{7858AAE3-E889-1F4F-8045-84417D418B5C}"/>
-              </a:ext>
-            </a:extLst>
-          </p:cNvPr>
-          <p:cNvSpPr>
-            <a:spLocks noChangeArrowheads="1"/>
-          </p:cNvSpPr>
-          <p:nvPr/>
-        </p:nvSpPr>
-        <p:spPr bwMode="auto">
-          <a:xfrm>
-            <a:off x="640407" y="3148457"/>
-            <a:ext cx="1062764" cy="403210"/>
-          </a:xfrm>
-          <a:prstGeom prst="rect">
-            <a:avLst/>
-          </a:prstGeom>
-          <a:solidFill>
-            <a:schemeClr val="bg1"/>
-          </a:solidFill>
-          <a:ln w="12700" algn="ctr">
-            <a:solidFill>
-              <a:schemeClr val="tx1"/>
-            </a:solidFill>
-            <a:miter lim="800000"/>
-            <a:headEnd/>
-            <a:tailEnd/>
-          </a:ln>
-        </p:spPr>
-        <p:txBody>
-          <a:bodyPr wrap="none" lIns="90000" tIns="54000" rIns="90000" bIns="54000" anchor="ctr"/>
-          <a:lstStyle>
-            <a:lvl1pPr marL="93663" indent="-93663">
-              <a:defRPr sz="1000">
-                <a:solidFill>
-                  <a:schemeClr val="tx1"/>
-                </a:solidFill>
-                <a:latin typeface="Lucida Sans Unicode" panose="020B0602030504020204" pitchFamily="34" charset="0"/>
-                <a:ea typeface="돋움" panose="020B0600000101010101" pitchFamily="34" charset="-127"/>
-              </a:defRPr>
-            </a:lvl1pPr>
-            <a:lvl2pPr marL="742950" indent="-285750">
-              <a:defRPr sz="1000">
-                <a:solidFill>
-                  <a:schemeClr val="tx1"/>
-                </a:solidFill>
-                <a:latin typeface="Lucida Sans Unicode" panose="020B0602030504020204" pitchFamily="34" charset="0"/>
-                <a:ea typeface="돋움" panose="020B0600000101010101" pitchFamily="34" charset="-127"/>
-              </a:defRPr>
-            </a:lvl2pPr>
-            <a:lvl3pPr marL="1143000" indent="-228600">
-              <a:defRPr sz="1000">
-                <a:solidFill>
-                  <a:schemeClr val="tx1"/>
-                </a:solidFill>
-                <a:latin typeface="Lucida Sans Unicode" panose="020B0602030504020204" pitchFamily="34" charset="0"/>
-                <a:ea typeface="돋움" panose="020B0600000101010101" pitchFamily="34" charset="-127"/>
-              </a:defRPr>
-            </a:lvl3pPr>
-            <a:lvl4pPr marL="1600200" indent="-228600">
-              <a:defRPr sz="1000">
-                <a:solidFill>
-                  <a:schemeClr val="tx1"/>
-                </a:solidFill>
-                <a:latin typeface="Lucida Sans Unicode" panose="020B0602030504020204" pitchFamily="34" charset="0"/>
-                <a:ea typeface="돋움" panose="020B0600000101010101" pitchFamily="34" charset="-127"/>
-              </a:defRPr>
-            </a:lvl4pPr>
-            <a:lvl5pPr marL="2057400" indent="-228600">
-              <a:defRPr sz="1000">
-                <a:solidFill>
-                  <a:schemeClr val="tx1"/>
-                </a:solidFill>
-                <a:latin typeface="Lucida Sans Unicode" panose="020B0602030504020204" pitchFamily="34" charset="0"/>
-                <a:ea typeface="돋움" panose="020B0600000101010101" pitchFamily="34" charset="-127"/>
-              </a:defRPr>
-            </a:lvl5pPr>
-            <a:lvl6pPr marL="2514600" indent="-228600" eaLnBrk="0" fontAlgn="base" hangingPunct="0">
-              <a:spcBef>
-                <a:spcPct val="0"/>
-              </a:spcBef>
-              <a:spcAft>
-                <a:spcPct val="0"/>
-              </a:spcAft>
-              <a:buFont typeface="Wingdings" pitchFamily="2" charset="2"/>
-              <a:buChar char="§"/>
-              <a:defRPr sz="1000">
-                <a:solidFill>
-                  <a:schemeClr val="tx1"/>
-                </a:solidFill>
-                <a:latin typeface="Lucida Sans Unicode" panose="020B0602030504020204" pitchFamily="34" charset="0"/>
-                <a:ea typeface="돋움" panose="020B0600000101010101" pitchFamily="34" charset="-127"/>
-              </a:defRPr>
-            </a:lvl6pPr>
-            <a:lvl7pPr marL="2971800" indent="-228600" eaLnBrk="0" fontAlgn="base" hangingPunct="0">
-              <a:spcBef>
-                <a:spcPct val="0"/>
-              </a:spcBef>
-              <a:spcAft>
-                <a:spcPct val="0"/>
-              </a:spcAft>
-              <a:buFont typeface="Wingdings" pitchFamily="2" charset="2"/>
-              <a:buChar char="§"/>
-              <a:defRPr sz="1000">
-                <a:solidFill>
-                  <a:schemeClr val="tx1"/>
-                </a:solidFill>
-                <a:latin typeface="Lucida Sans Unicode" panose="020B0602030504020204" pitchFamily="34" charset="0"/>
-                <a:ea typeface="돋움" panose="020B0600000101010101" pitchFamily="34" charset="-127"/>
-              </a:defRPr>
-            </a:lvl7pPr>
-            <a:lvl8pPr marL="3429000" indent="-228600" eaLnBrk="0" fontAlgn="base" hangingPunct="0">
-              <a:spcBef>
-                <a:spcPct val="0"/>
-              </a:spcBef>
-              <a:spcAft>
-                <a:spcPct val="0"/>
-              </a:spcAft>
-              <a:buFont typeface="Wingdings" pitchFamily="2" charset="2"/>
-              <a:buChar char="§"/>
-              <a:defRPr sz="1000">
-                <a:solidFill>
-                  <a:schemeClr val="tx1"/>
-                </a:solidFill>
-                <a:latin typeface="Lucida Sans Unicode" panose="020B0602030504020204" pitchFamily="34" charset="0"/>
-                <a:ea typeface="돋움" panose="020B0600000101010101" pitchFamily="34" charset="-127"/>
-              </a:defRPr>
-            </a:lvl8pPr>
-            <a:lvl9pPr marL="3886200" indent="-228600" eaLnBrk="0" fontAlgn="base" hangingPunct="0">
-              <a:spcBef>
-                <a:spcPct val="0"/>
-              </a:spcBef>
-              <a:spcAft>
-                <a:spcPct val="0"/>
-              </a:spcAft>
-              <a:buFont typeface="Wingdings" pitchFamily="2" charset="2"/>
-              <a:buChar char="§"/>
-              <a:defRPr sz="1000">
-                <a:solidFill>
-                  <a:schemeClr val="tx1"/>
-                </a:solidFill>
-                <a:latin typeface="Lucida Sans Unicode" panose="020B0602030504020204" pitchFamily="34" charset="0"/>
-                <a:ea typeface="돋움" panose="020B0600000101010101" pitchFamily="34" charset="-127"/>
-              </a:defRPr>
-            </a:lvl9pPr>
-          </a:lstStyle>
-          <a:p>
-            <a:pPr algn="ctr">
-              <a:lnSpc>
-                <a:spcPct val="90000"/>
-              </a:lnSpc>
-              <a:buFont typeface="Wingdings" pitchFamily="2" charset="2"/>
-              <a:buNone/>
-            </a:pPr>
-            <a:r>
-              <a:rPr lang="en-US" altLang="ko-KR" sz="1200" dirty="0">
-                <a:latin typeface="Arial" panose="020B0604020202020204" pitchFamily="34" charset="0"/>
-                <a:ea typeface="굴림" panose="020B0600000101010101" pitchFamily="34" charset="-127"/>
-                <a:cs typeface="Arial" panose="020B0604020202020204" pitchFamily="34" charset="0"/>
-              </a:rPr>
-              <a:t>edge-</a:t>
-            </a:r>
-            <a:r>
-              <a:rPr lang="en-US" altLang="ko-KR" sz="1200" dirty="0" err="1">
-                <a:latin typeface="Arial" panose="020B0604020202020204" pitchFamily="34" charset="0"/>
-                <a:ea typeface="굴림" panose="020B0600000101010101" pitchFamily="34" charset="-127"/>
-                <a:cs typeface="Arial" panose="020B0604020202020204" pitchFamily="34" charset="0"/>
-              </a:rPr>
-              <a:t>cubesvc</a:t>
-            </a:r>
-            <a:endParaRPr lang="en-US" altLang="ko-KR" sz="1200" dirty="0">
-              <a:latin typeface="Arial" panose="020B0604020202020204" pitchFamily="34" charset="0"/>
-              <a:ea typeface="굴림" panose="020B0600000101010101" pitchFamily="34" charset="-127"/>
-              <a:cs typeface="Arial" panose="020B0604020202020204" pitchFamily="34" charset="0"/>
             </a:endParaRPr>
           </a:p>
         </p:txBody>
@@ -13357,7 +12687,7 @@
         </p:nvSpPr>
         <p:spPr bwMode="auto">
           <a:xfrm>
-            <a:off x="2925169" y="3157716"/>
+            <a:off x="2295381" y="2884625"/>
             <a:ext cx="1062764" cy="403210"/>
           </a:xfrm>
           <a:prstGeom prst="rect">
@@ -13527,7 +12857,7 @@
         </p:nvSpPr>
         <p:spPr bwMode="auto">
           <a:xfrm>
-            <a:off x="5677950" y="4526719"/>
+            <a:off x="5677950" y="3807199"/>
             <a:ext cx="665692" cy="302078"/>
           </a:xfrm>
           <a:prstGeom prst="rect">
@@ -13697,7 +13027,7 @@
         </p:nvSpPr>
         <p:spPr bwMode="auto">
           <a:xfrm>
-            <a:off x="6389358" y="4526719"/>
+            <a:off x="6389358" y="3807199"/>
             <a:ext cx="1206152" cy="302078"/>
           </a:xfrm>
           <a:prstGeom prst="rect">
@@ -13846,182 +13176,15 @@
                 <a:ea typeface="굴림" panose="020B0600000101010101" pitchFamily="34" charset="-127"/>
                 <a:cs typeface="Arial" panose="020B0604020202020204" pitchFamily="34" charset="0"/>
               </a:rPr>
-              <a:t>nfs-provisionder</a:t>
+              <a:t>nfs</a:t>
             </a:r>
-            <a:endParaRPr lang="en-US" altLang="ko-KR" sz="1200" dirty="0">
-              <a:latin typeface="Arial" panose="020B0604020202020204" pitchFamily="34" charset="0"/>
-              <a:ea typeface="굴림" panose="020B0600000101010101" pitchFamily="34" charset="-127"/>
-              <a:cs typeface="Arial" panose="020B0604020202020204" pitchFamily="34" charset="0"/>
-            </a:endParaRPr>
-          </a:p>
-        </p:txBody>
-      </p:sp>
-      <p:sp>
-        <p:nvSpPr>
-          <p:cNvPr id="173" name="Rectangle 33">
-            <a:extLst>
-              <a:ext uri="{FF2B5EF4-FFF2-40B4-BE49-F238E27FC236}">
-                <a16:creationId xmlns:a16="http://schemas.microsoft.com/office/drawing/2014/main" id="{01670234-D26C-8F40-B65A-1A240F14A87B}"/>
-              </a:ext>
-            </a:extLst>
-          </p:cNvPr>
-          <p:cNvSpPr>
-            <a:spLocks noChangeArrowheads="1"/>
-          </p:cNvSpPr>
-          <p:nvPr/>
-        </p:nvSpPr>
-        <p:spPr bwMode="auto">
-          <a:xfrm>
-            <a:off x="7653307" y="4526719"/>
-            <a:ext cx="665692" cy="302078"/>
-          </a:xfrm>
-          <a:prstGeom prst="rect">
-            <a:avLst/>
-          </a:prstGeom>
-          <a:solidFill>
-            <a:schemeClr val="bg1"/>
-          </a:solidFill>
-          <a:ln w="12700" algn="ctr">
-            <a:solidFill>
-              <a:schemeClr val="tx1"/>
-            </a:solidFill>
-            <a:miter lim="800000"/>
-            <a:headEnd/>
-            <a:tailEnd/>
-          </a:ln>
-        </p:spPr>
-        <p:txBody>
-          <a:bodyPr wrap="none" lIns="90000" tIns="54000" rIns="90000" bIns="54000" anchor="ctr"/>
-          <a:lstStyle>
-            <a:lvl1pPr marL="93663" indent="-93663">
-              <a:defRPr sz="1000">
-                <a:solidFill>
-                  <a:schemeClr val="tx1"/>
-                </a:solidFill>
-                <a:latin typeface="Lucida Sans Unicode" panose="020B0602030504020204" pitchFamily="34" charset="0"/>
-                <a:ea typeface="돋움" panose="020B0600000101010101" pitchFamily="34" charset="-127"/>
-              </a:defRPr>
-            </a:lvl1pPr>
-            <a:lvl2pPr marL="742950" indent="-285750">
-              <a:defRPr sz="1000">
-                <a:solidFill>
-                  <a:schemeClr val="tx1"/>
-                </a:solidFill>
-                <a:latin typeface="Lucida Sans Unicode" panose="020B0602030504020204" pitchFamily="34" charset="0"/>
-                <a:ea typeface="돋움" panose="020B0600000101010101" pitchFamily="34" charset="-127"/>
-              </a:defRPr>
-            </a:lvl2pPr>
-            <a:lvl3pPr marL="1143000" indent="-228600">
-              <a:defRPr sz="1000">
-                <a:solidFill>
-                  <a:schemeClr val="tx1"/>
-                </a:solidFill>
-                <a:latin typeface="Lucida Sans Unicode" panose="020B0602030504020204" pitchFamily="34" charset="0"/>
-                <a:ea typeface="돋움" panose="020B0600000101010101" pitchFamily="34" charset="-127"/>
-              </a:defRPr>
-            </a:lvl3pPr>
-            <a:lvl4pPr marL="1600200" indent="-228600">
-              <a:defRPr sz="1000">
-                <a:solidFill>
-                  <a:schemeClr val="tx1"/>
-                </a:solidFill>
-                <a:latin typeface="Lucida Sans Unicode" panose="020B0602030504020204" pitchFamily="34" charset="0"/>
-                <a:ea typeface="돋움" panose="020B0600000101010101" pitchFamily="34" charset="-127"/>
-              </a:defRPr>
-            </a:lvl4pPr>
-            <a:lvl5pPr marL="2057400" indent="-228600">
-              <a:defRPr sz="1000">
-                <a:solidFill>
-                  <a:schemeClr val="tx1"/>
-                </a:solidFill>
-                <a:latin typeface="Lucida Sans Unicode" panose="020B0602030504020204" pitchFamily="34" charset="0"/>
-                <a:ea typeface="돋움" panose="020B0600000101010101" pitchFamily="34" charset="-127"/>
-              </a:defRPr>
-            </a:lvl5pPr>
-            <a:lvl6pPr marL="2514600" indent="-228600" eaLnBrk="0" fontAlgn="base" hangingPunct="0">
-              <a:spcBef>
-                <a:spcPct val="0"/>
-              </a:spcBef>
-              <a:spcAft>
-                <a:spcPct val="0"/>
-              </a:spcAft>
-              <a:buFont typeface="Wingdings" pitchFamily="2" charset="2"/>
-              <a:buChar char="§"/>
-              <a:defRPr sz="1000">
-                <a:solidFill>
-                  <a:schemeClr val="tx1"/>
-                </a:solidFill>
-                <a:latin typeface="Lucida Sans Unicode" panose="020B0602030504020204" pitchFamily="34" charset="0"/>
-                <a:ea typeface="돋움" panose="020B0600000101010101" pitchFamily="34" charset="-127"/>
-              </a:defRPr>
-            </a:lvl6pPr>
-            <a:lvl7pPr marL="2971800" indent="-228600" eaLnBrk="0" fontAlgn="base" hangingPunct="0">
-              <a:spcBef>
-                <a:spcPct val="0"/>
-              </a:spcBef>
-              <a:spcAft>
-                <a:spcPct val="0"/>
-              </a:spcAft>
-              <a:buFont typeface="Wingdings" pitchFamily="2" charset="2"/>
-              <a:buChar char="§"/>
-              <a:defRPr sz="1000">
-                <a:solidFill>
-                  <a:schemeClr val="tx1"/>
-                </a:solidFill>
-                <a:latin typeface="Lucida Sans Unicode" panose="020B0602030504020204" pitchFamily="34" charset="0"/>
-                <a:ea typeface="돋움" panose="020B0600000101010101" pitchFamily="34" charset="-127"/>
-              </a:defRPr>
-            </a:lvl7pPr>
-            <a:lvl8pPr marL="3429000" indent="-228600" eaLnBrk="0" fontAlgn="base" hangingPunct="0">
-              <a:spcBef>
-                <a:spcPct val="0"/>
-              </a:spcBef>
-              <a:spcAft>
-                <a:spcPct val="0"/>
-              </a:spcAft>
-              <a:buFont typeface="Wingdings" pitchFamily="2" charset="2"/>
-              <a:buChar char="§"/>
-              <a:defRPr sz="1000">
-                <a:solidFill>
-                  <a:schemeClr val="tx1"/>
-                </a:solidFill>
-                <a:latin typeface="Lucida Sans Unicode" panose="020B0602030504020204" pitchFamily="34" charset="0"/>
-                <a:ea typeface="돋움" panose="020B0600000101010101" pitchFamily="34" charset="-127"/>
-              </a:defRPr>
-            </a:lvl8pPr>
-            <a:lvl9pPr marL="3886200" indent="-228600" eaLnBrk="0" fontAlgn="base" hangingPunct="0">
-              <a:spcBef>
-                <a:spcPct val="0"/>
-              </a:spcBef>
-              <a:spcAft>
-                <a:spcPct val="0"/>
-              </a:spcAft>
-              <a:buFont typeface="Wingdings" pitchFamily="2" charset="2"/>
-              <a:buChar char="§"/>
-              <a:defRPr sz="1000">
-                <a:solidFill>
-                  <a:schemeClr val="tx1"/>
-                </a:solidFill>
-                <a:latin typeface="Lucida Sans Unicode" panose="020B0602030504020204" pitchFamily="34" charset="0"/>
-                <a:ea typeface="돋움" panose="020B0600000101010101" pitchFamily="34" charset="-127"/>
-              </a:defRPr>
-            </a:lvl9pPr>
-          </a:lstStyle>
-          <a:p>
-            <a:pPr algn="ctr">
-              <a:lnSpc>
-                <a:spcPct val="90000"/>
-              </a:lnSpc>
-              <a:buFont typeface="Wingdings" pitchFamily="2" charset="2"/>
-              <a:buNone/>
-            </a:pPr>
             <a:r>
               <a:rPr lang="en-US" altLang="ko-KR" sz="1200" dirty="0">
                 <a:latin typeface="Arial" panose="020B0604020202020204" pitchFamily="34" charset="0"/>
                 <a:ea typeface="굴림" panose="020B0600000101010101" pitchFamily="34" charset="-127"/>
                 <a:cs typeface="Arial" panose="020B0604020202020204" pitchFamily="34" charset="0"/>
               </a:rPr>
-              <a:t>helm</a:t>
+              <a:t>-provisioner</a:t>
             </a:r>
           </a:p>
         </p:txBody>
@@ -14040,7 +13203,7 @@
         </p:nvSpPr>
         <p:spPr>
           <a:xfrm>
-            <a:off x="2315610" y="3759937"/>
+            <a:off x="2315610" y="3486846"/>
             <a:ext cx="2246509" cy="276999"/>
           </a:xfrm>
           <a:prstGeom prst="rect">
@@ -14101,7 +13264,7 @@
         </p:nvSpPr>
         <p:spPr>
           <a:xfrm>
-            <a:off x="4305238" y="2977068"/>
+            <a:off x="4497686" y="3364945"/>
             <a:ext cx="776321" cy="276999"/>
           </a:xfrm>
           <a:prstGeom prst="rect">
@@ -14140,7 +13303,7 @@
         </p:nvSpPr>
         <p:spPr bwMode="auto">
           <a:xfrm>
-            <a:off x="2867507" y="5099894"/>
+            <a:off x="1703472" y="4826803"/>
             <a:ext cx="1062764" cy="403210"/>
           </a:xfrm>
           <a:prstGeom prst="rect">
@@ -14385,7 +13548,7 @@
                 <a:latin typeface="+mn-ea"/>
                 <a:ea typeface="+mn-ea"/>
               </a:rPr>
-              <a:t>edgecli</a:t>
+              <a:t>koreonctl</a:t>
             </a:r>
             <a:r>
               <a:rPr kumimoji="1" lang="ko-KR" altLang="en-US" sz="1400" kern="0" dirty="0">
@@ -14525,36 +13688,6 @@
                 <a:latin typeface="+mn-ea"/>
                 <a:ea typeface="+mn-ea"/>
               </a:rPr>
-              <a:t>edge-</a:t>
-            </a:r>
-            <a:r>
-              <a:rPr kumimoji="1" lang="en-US" altLang="ko-KR" sz="1400" kern="0" dirty="0" err="1">
-                <a:solidFill>
-                  <a:schemeClr val="tx1"/>
-                </a:solidFill>
-                <a:latin typeface="+mn-ea"/>
-                <a:ea typeface="+mn-ea"/>
-              </a:rPr>
-              <a:t>cubesvc</a:t>
-            </a:r>
-            <a:r>
-              <a:rPr kumimoji="1" lang="ko-KR" altLang="en-US" sz="1400" kern="0" dirty="0">
-                <a:solidFill>
-                  <a:schemeClr val="tx1"/>
-                </a:solidFill>
-                <a:latin typeface="+mn-ea"/>
-                <a:ea typeface="+mn-ea"/>
-              </a:rPr>
-              <a:t>에서 </a:t>
-            </a:r>
-            <a:r>
-              <a:rPr kumimoji="1" lang="en-US" altLang="ko-KR" sz="1400" kern="0" dirty="0">
-                <a:solidFill>
-                  <a:schemeClr val="tx1"/>
-                </a:solidFill>
-                <a:latin typeface="+mn-ea"/>
-                <a:ea typeface="+mn-ea"/>
-              </a:rPr>
               <a:t>ansible script</a:t>
             </a:r>
             <a:r>
@@ -14575,17 +13708,67 @@
                 <a:latin typeface="+mn-ea"/>
                 <a:ea typeface="+mn-ea"/>
               </a:rPr>
+              <a:t> 실행하는 방법으로 수행된다</a:t>
+            </a:r>
+            <a:r>
+              <a:rPr kumimoji="1" lang="en-US" altLang="ko-KR" sz="1400" kern="0" dirty="0">
+                <a:solidFill>
+                  <a:schemeClr val="tx1"/>
+                </a:solidFill>
+                <a:latin typeface="+mn-ea"/>
+                <a:ea typeface="+mn-ea"/>
+              </a:rPr>
+              <a:t>. </a:t>
+            </a:r>
+            <a:r>
+              <a:rPr kumimoji="1" lang="en-US" altLang="ko-KR" sz="1400" kern="0" dirty="0" err="1">
+                <a:solidFill>
+                  <a:schemeClr val="tx1"/>
+                </a:solidFill>
+                <a:latin typeface="+mn-ea"/>
+                <a:ea typeface="+mn-ea"/>
+              </a:rPr>
+              <a:t>koreonctl</a:t>
+            </a:r>
+            <a:r>
+              <a:rPr kumimoji="1" lang="ko-KR" altLang="en-US" sz="1400" kern="0" dirty="0">
+                <a:solidFill>
+                  <a:schemeClr val="tx1"/>
+                </a:solidFill>
+                <a:latin typeface="+mn-ea"/>
+                <a:ea typeface="+mn-ea"/>
+              </a:rPr>
+              <a:t>은</a:t>
+            </a:r>
+            <a:r>
+              <a:rPr kumimoji="1" lang="en-US" altLang="ko-KR" sz="1400" kern="0" dirty="0">
+                <a:solidFill>
+                  <a:schemeClr val="tx1"/>
+                </a:solidFill>
+                <a:latin typeface="+mn-ea"/>
+                <a:ea typeface="+mn-ea"/>
+              </a:rPr>
               <a:t> </a:t>
             </a:r>
             <a:r>
-              <a:rPr kumimoji="1" lang="en-US" altLang="ko-KR" sz="1400" kern="0" dirty="0">
+              <a:rPr kumimoji="1" lang="ko-KR" altLang="en-US" sz="1400" kern="0" dirty="0">
                 <a:solidFill>
                   <a:schemeClr val="tx1"/>
                 </a:solidFill>
                 <a:latin typeface="+mn-ea"/>
                 <a:ea typeface="+mn-ea"/>
               </a:rPr>
-              <a:t>exec</a:t>
+              <a:t>현재 </a:t>
+            </a:r>
+            <a:r>
+              <a:rPr kumimoji="1" lang="en-US" altLang="ko-KR" sz="1400" kern="0" dirty="0" err="1">
+                <a:solidFill>
+                  <a:schemeClr val="tx1"/>
+                </a:solidFill>
+                <a:latin typeface="+mn-ea"/>
+                <a:ea typeface="+mn-ea"/>
+              </a:rPr>
+              <a:t>linux</a:t>
             </a:r>
             <a:r>
               <a:rPr kumimoji="1" lang="ko-KR" altLang="en-US" sz="1400" kern="0" dirty="0">
@@ -14595,7 +13778,7 @@
                 <a:latin typeface="+mn-ea"/>
                 <a:ea typeface="+mn-ea"/>
               </a:rPr>
-              <a:t>하는 방법으로 수행된다</a:t>
+              <a:t>와</a:t>
             </a:r>
             <a:r>
               <a:rPr kumimoji="1" lang="en-US" altLang="ko-KR" sz="1400" kern="0" dirty="0">
@@ -14605,17 +13788,34 @@
                 <a:latin typeface="+mn-ea"/>
                 <a:ea typeface="+mn-ea"/>
               </a:rPr>
-              <a:t>.</a:t>
+              <a:t> mac</a:t>
             </a:r>
-          </a:p>
-        </p:txBody>
-      </p:sp>
-      <p:sp>
-        <p:nvSpPr>
-          <p:cNvPr id="179" name="Rectangle 33">
+            <a:r>
+              <a:rPr kumimoji="1" lang="ko-KR" altLang="en-US" sz="1400" kern="0" dirty="0">
+                <a:solidFill>
+                  <a:schemeClr val="tx1"/>
+                </a:solidFill>
+                <a:latin typeface="+mn-ea"/>
+                <a:ea typeface="+mn-ea"/>
+              </a:rPr>
+              <a:t>에서 사용가능하다</a:t>
+            </a:r>
+            <a:endParaRPr kumimoji="1" lang="en-US" altLang="ko-KR" sz="1400" kern="0" dirty="0">
+              <a:solidFill>
+                <a:schemeClr val="tx1"/>
+              </a:solidFill>
+              <a:latin typeface="+mn-ea"/>
+              <a:ea typeface="+mn-ea"/>
+            </a:endParaRPr>
+          </a:p>
+        </p:txBody>
+      </p:sp>
+      <p:sp>
+        <p:nvSpPr>
+          <p:cNvPr id="43" name="Rectangle 33">
             <a:extLst>
               <a:ext uri="{FF2B5EF4-FFF2-40B4-BE49-F238E27FC236}">
-                <a16:creationId xmlns:a16="http://schemas.microsoft.com/office/drawing/2014/main" id="{074EE06F-32B3-B349-887A-48272FC007F9}"/>
+                <a16:creationId xmlns:a16="http://schemas.microsoft.com/office/drawing/2014/main" id="{4105425B-3735-CB47-9CE8-6AD7E0700128}"/>
               </a:ext>
             </a:extLst>
           </p:cNvPr>
@@ -14626,8 +13826,8 @@
         </p:nvSpPr>
         <p:spPr bwMode="auto">
           <a:xfrm>
-            <a:off x="7111290" y="2512574"/>
-            <a:ext cx="1206152" cy="302078"/>
+            <a:off x="7114296" y="1900841"/>
+            <a:ext cx="1139527" cy="302078"/>
           </a:xfrm>
           <a:prstGeom prst="rect">
             <a:avLst/>
@@ -14770,27 +13970,22 @@
               <a:buNone/>
             </a:pPr>
             <a:r>
-              <a:rPr lang="en-US" altLang="ko-KR" sz="1200" dirty="0" err="1">
+              <a:rPr lang="en-US" altLang="ko-KR" sz="1200" dirty="0">
                 <a:latin typeface="Arial" panose="020B0604020202020204" pitchFamily="34" charset="0"/>
                 <a:ea typeface="굴림" panose="020B0600000101010101" pitchFamily="34" charset="-127"/>
                 <a:cs typeface="Arial" panose="020B0604020202020204" pitchFamily="34" charset="0"/>
               </a:rPr>
-              <a:t>nfs-provisionder</a:t>
+              <a:t>metrics-server</a:t>
             </a:r>
-            <a:endParaRPr lang="en-US" altLang="ko-KR" sz="1200" dirty="0">
-              <a:latin typeface="Arial" panose="020B0604020202020204" pitchFamily="34" charset="0"/>
-              <a:ea typeface="굴림" panose="020B0600000101010101" pitchFamily="34" charset="-127"/>
-              <a:cs typeface="Arial" panose="020B0604020202020204" pitchFamily="34" charset="0"/>
-            </a:endParaRPr>
-          </a:p>
-        </p:txBody>
-      </p:sp>
-      <p:sp>
-        <p:nvSpPr>
-          <p:cNvPr id="180" name="Rectangle 33">
+          </a:p>
+        </p:txBody>
+      </p:sp>
+      <p:sp>
+        <p:nvSpPr>
+          <p:cNvPr id="45" name="Rectangle 32">
             <a:extLst>
               <a:ext uri="{FF2B5EF4-FFF2-40B4-BE49-F238E27FC236}">
-                <a16:creationId xmlns:a16="http://schemas.microsoft.com/office/drawing/2014/main" id="{89CB1A4C-97E8-4F49-AB0E-F8E83C3B2683}"/>
+                <a16:creationId xmlns:a16="http://schemas.microsoft.com/office/drawing/2014/main" id="{D737982A-5F02-6446-B773-245F47ECC837}"/>
               </a:ext>
             </a:extLst>
           </p:cNvPr>
@@ -14801,8 +13996,175 @@
         </p:nvSpPr>
         <p:spPr bwMode="auto">
           <a:xfrm>
-            <a:off x="8375239" y="2512574"/>
-            <a:ext cx="665692" cy="302078"/>
+            <a:off x="5028011" y="5358415"/>
+            <a:ext cx="2384079" cy="1436001"/>
+          </a:xfrm>
+          <a:prstGeom prst="rect">
+            <a:avLst/>
+          </a:prstGeom>
+          <a:solidFill>
+            <a:srgbClr val="EAEAEA"/>
+          </a:solidFill>
+          <a:ln w="12700" algn="ctr">
+            <a:solidFill>
+              <a:schemeClr val="tx1"/>
+            </a:solidFill>
+            <a:miter lim="800000"/>
+            <a:headEnd/>
+            <a:tailEnd/>
+          </a:ln>
+        </p:spPr>
+        <p:txBody>
+          <a:bodyPr wrap="none" lIns="90000" tIns="54000" rIns="90000" bIns="54000" anchor="ctr"/>
+          <a:lstStyle>
+            <a:lvl1pPr marL="93663" indent="-93663">
+              <a:defRPr sz="1000">
+                <a:solidFill>
+                  <a:schemeClr val="tx1"/>
+                </a:solidFill>
+                <a:latin typeface="Lucida Sans Unicode" panose="020B0602030504020204" pitchFamily="34" charset="0"/>
+                <a:ea typeface="돋움" panose="020B0600000101010101" pitchFamily="34" charset="-127"/>
+              </a:defRPr>
+            </a:lvl1pPr>
+            <a:lvl2pPr marL="742950" indent="-285750">
+              <a:defRPr sz="1000">
+                <a:solidFill>
+                  <a:schemeClr val="tx1"/>
+                </a:solidFill>
+                <a:latin typeface="Lucida Sans Unicode" panose="020B0602030504020204" pitchFamily="34" charset="0"/>
+                <a:ea typeface="돋움" panose="020B0600000101010101" pitchFamily="34" charset="-127"/>
+              </a:defRPr>
+            </a:lvl2pPr>
+            <a:lvl3pPr marL="1143000" indent="-228600">
+              <a:defRPr sz="1000">
+                <a:solidFill>
+                  <a:schemeClr val="tx1"/>
+                </a:solidFill>
+                <a:latin typeface="Lucida Sans Unicode" panose="020B0602030504020204" pitchFamily="34" charset="0"/>
+                <a:ea typeface="돋움" panose="020B0600000101010101" pitchFamily="34" charset="-127"/>
+              </a:defRPr>
+            </a:lvl3pPr>
+            <a:lvl4pPr marL="1600200" indent="-228600">
+              <a:defRPr sz="1000">
+                <a:solidFill>
+                  <a:schemeClr val="tx1"/>
+                </a:solidFill>
+                <a:latin typeface="Lucida Sans Unicode" panose="020B0602030504020204" pitchFamily="34" charset="0"/>
+                <a:ea typeface="돋움" panose="020B0600000101010101" pitchFamily="34" charset="-127"/>
+              </a:defRPr>
+            </a:lvl4pPr>
+            <a:lvl5pPr marL="2057400" indent="-228600">
+              <a:defRPr sz="1000">
+                <a:solidFill>
+                  <a:schemeClr val="tx1"/>
+                </a:solidFill>
+                <a:latin typeface="Lucida Sans Unicode" panose="020B0602030504020204" pitchFamily="34" charset="0"/>
+                <a:ea typeface="돋움" panose="020B0600000101010101" pitchFamily="34" charset="-127"/>
+              </a:defRPr>
+            </a:lvl5pPr>
+            <a:lvl6pPr marL="2514600" indent="-228600" eaLnBrk="0" fontAlgn="base" hangingPunct="0">
+              <a:spcBef>
+                <a:spcPct val="0"/>
+              </a:spcBef>
+              <a:spcAft>
+                <a:spcPct val="0"/>
+              </a:spcAft>
+              <a:buFont typeface="Wingdings" pitchFamily="2" charset="2"/>
+              <a:buChar char="§"/>
+              <a:defRPr sz="1000">
+                <a:solidFill>
+                  <a:schemeClr val="tx1"/>
+                </a:solidFill>
+                <a:latin typeface="Lucida Sans Unicode" panose="020B0602030504020204" pitchFamily="34" charset="0"/>
+                <a:ea typeface="돋움" panose="020B0600000101010101" pitchFamily="34" charset="-127"/>
+              </a:defRPr>
+            </a:lvl6pPr>
+            <a:lvl7pPr marL="2971800" indent="-228600" eaLnBrk="0" fontAlgn="base" hangingPunct="0">
+              <a:spcBef>
+                <a:spcPct val="0"/>
+              </a:spcBef>
+              <a:spcAft>
+                <a:spcPct val="0"/>
+              </a:spcAft>
+              <a:buFont typeface="Wingdings" pitchFamily="2" charset="2"/>
+              <a:buChar char="§"/>
+              <a:defRPr sz="1000">
+                <a:solidFill>
+                  <a:schemeClr val="tx1"/>
+                </a:solidFill>
+                <a:latin typeface="Lucida Sans Unicode" panose="020B0602030504020204" pitchFamily="34" charset="0"/>
+                <a:ea typeface="돋움" panose="020B0600000101010101" pitchFamily="34" charset="-127"/>
+              </a:defRPr>
+            </a:lvl7pPr>
+            <a:lvl8pPr marL="3429000" indent="-228600" eaLnBrk="0" fontAlgn="base" hangingPunct="0">
+              <a:spcBef>
+                <a:spcPct val="0"/>
+              </a:spcBef>
+              <a:spcAft>
+                <a:spcPct val="0"/>
+              </a:spcAft>
+              <a:buFont typeface="Wingdings" pitchFamily="2" charset="2"/>
+              <a:buChar char="§"/>
+              <a:defRPr sz="1000">
+                <a:solidFill>
+                  <a:schemeClr val="tx1"/>
+                </a:solidFill>
+                <a:latin typeface="Lucida Sans Unicode" panose="020B0602030504020204" pitchFamily="34" charset="0"/>
+                <a:ea typeface="돋움" panose="020B0600000101010101" pitchFamily="34" charset="-127"/>
+              </a:defRPr>
+            </a:lvl8pPr>
+            <a:lvl9pPr marL="3886200" indent="-228600" eaLnBrk="0" fontAlgn="base" hangingPunct="0">
+              <a:spcBef>
+                <a:spcPct val="0"/>
+              </a:spcBef>
+              <a:spcAft>
+                <a:spcPct val="0"/>
+              </a:spcAft>
+              <a:buFont typeface="Wingdings" pitchFamily="2" charset="2"/>
+              <a:buChar char="§"/>
+              <a:defRPr sz="1000">
+                <a:solidFill>
+                  <a:schemeClr val="tx1"/>
+                </a:solidFill>
+                <a:latin typeface="Lucida Sans Unicode" panose="020B0602030504020204" pitchFamily="34" charset="0"/>
+                <a:ea typeface="돋움" panose="020B0600000101010101" pitchFamily="34" charset="-127"/>
+              </a:defRPr>
+            </a:lvl9pPr>
+          </a:lstStyle>
+          <a:p>
+            <a:pPr algn="ctr">
+              <a:lnSpc>
+                <a:spcPct val="90000"/>
+              </a:lnSpc>
+              <a:buFont typeface="Wingdings" pitchFamily="2" charset="2"/>
+              <a:buNone/>
+            </a:pPr>
+            <a:endParaRPr lang="en-US" altLang="ko-KR" sz="1200">
+              <a:latin typeface="Arial" panose="020B0604020202020204" pitchFamily="34" charset="0"/>
+              <a:ea typeface="굴림" panose="020B0600000101010101" pitchFamily="34" charset="-127"/>
+              <a:cs typeface="Arial" panose="020B0604020202020204" pitchFamily="34" charset="0"/>
+            </a:endParaRPr>
+          </a:p>
+        </p:txBody>
+      </p:sp>
+      <p:sp>
+        <p:nvSpPr>
+          <p:cNvPr id="46" name="Rectangle 33">
+            <a:extLst>
+              <a:ext uri="{FF2B5EF4-FFF2-40B4-BE49-F238E27FC236}">
+                <a16:creationId xmlns:a16="http://schemas.microsoft.com/office/drawing/2014/main" id="{EBA154D5-D06D-FA45-B592-3E01E4458516}"/>
+              </a:ext>
+            </a:extLst>
+          </p:cNvPr>
+          <p:cNvSpPr>
+            <a:spLocks noChangeArrowheads="1"/>
+          </p:cNvSpPr>
+          <p:nvPr/>
+        </p:nvSpPr>
+        <p:spPr bwMode="auto">
+          <a:xfrm>
+            <a:off x="5127432" y="6409817"/>
+            <a:ext cx="2181712" cy="302078"/>
           </a:xfrm>
           <a:prstGeom prst="rect">
             <a:avLst/>
@@ -14945,12 +14307,1427 @@
               <a:buNone/>
             </a:pPr>
             <a:r>
+              <a:rPr lang="en-US" altLang="ko-KR" sz="1200" dirty="0" err="1">
+                <a:latin typeface="Arial" panose="020B0604020202020204" pitchFamily="34" charset="0"/>
+                <a:ea typeface="굴림" panose="020B0600000101010101" pitchFamily="34" charset="-127"/>
+                <a:cs typeface="Arial" panose="020B0604020202020204" pitchFamily="34" charset="0"/>
+              </a:rPr>
+              <a:t>rhel</a:t>
+            </a:r>
+            <a:r>
               <a:rPr lang="en-US" altLang="ko-KR" sz="1200" dirty="0">
                 <a:latin typeface="Arial" panose="020B0604020202020204" pitchFamily="34" charset="0"/>
                 <a:ea typeface="굴림" panose="020B0600000101010101" pitchFamily="34" charset="-127"/>
                 <a:cs typeface="Arial" panose="020B0604020202020204" pitchFamily="34" charset="0"/>
               </a:rPr>
-              <a:t>helm</a:t>
+              <a:t>, ubuntu</a:t>
+            </a:r>
+          </a:p>
+        </p:txBody>
+      </p:sp>
+      <p:sp>
+        <p:nvSpPr>
+          <p:cNvPr id="47" name="Text Box 116">
+            <a:extLst>
+              <a:ext uri="{FF2B5EF4-FFF2-40B4-BE49-F238E27FC236}">
+                <a16:creationId xmlns:a16="http://schemas.microsoft.com/office/drawing/2014/main" id="{904C9D9C-7327-5E4A-B3F3-55C133EE2660}"/>
+              </a:ext>
+            </a:extLst>
+          </p:cNvPr>
+          <p:cNvSpPr txBox="1">
+            <a:spLocks noChangeArrowheads="1"/>
+          </p:cNvSpPr>
+          <p:nvPr/>
+        </p:nvSpPr>
+        <p:spPr bwMode="auto">
+          <a:xfrm>
+            <a:off x="5035573" y="5382228"/>
+            <a:ext cx="744412" cy="293721"/>
+          </a:xfrm>
+          <a:prstGeom prst="rect">
+            <a:avLst/>
+          </a:prstGeom>
+          <a:noFill/>
+          <a:ln>
+            <a:noFill/>
+          </a:ln>
+          <a:effectLst>
+            <a:prstShdw prst="shdw17" dist="17961" dir="2700000">
+              <a:schemeClr val="bg1">
+                <a:gamma/>
+                <a:shade val="60000"/>
+                <a:invGamma/>
+              </a:schemeClr>
+            </a:prstShdw>
+          </a:effectLst>
+          <a:extLst>
+            <a:ext uri="{909E8E84-426E-40DD-AFC4-6F175D3DCCD1}">
+              <a14:hiddenFill xmlns:a14="http://schemas.microsoft.com/office/drawing/2010/main">
+                <a:solidFill>
+                  <a:schemeClr val="bg1"/>
+                </a:solidFill>
+              </a14:hiddenFill>
+            </a:ext>
+            <a:ext uri="{91240B29-F687-4F45-9708-019B960494DF}">
+              <a14:hiddenLine xmlns:a14="http://schemas.microsoft.com/office/drawing/2010/main" w="12700" algn="ctr">
+                <a:solidFill>
+                  <a:schemeClr val="accent2"/>
+                </a:solidFill>
+                <a:miter lim="800000"/>
+                <a:headEnd/>
+                <a:tailEnd/>
+              </a14:hiddenLine>
+            </a:ext>
+          </a:extLst>
+        </p:spPr>
+        <p:txBody>
+          <a:bodyPr wrap="none" lIns="90000" tIns="54000" rIns="90000" bIns="54000">
+            <a:spAutoFit/>
+          </a:bodyPr>
+          <a:lstStyle>
+            <a:lvl1pPr marL="93663" indent="-93663">
+              <a:defRPr sz="1000">
+                <a:solidFill>
+                  <a:schemeClr val="tx1"/>
+                </a:solidFill>
+                <a:latin typeface="Lucida Sans Unicode" panose="020B0602030504020204" pitchFamily="34" charset="0"/>
+                <a:ea typeface="돋움" panose="020B0600000101010101" pitchFamily="34" charset="-127"/>
+              </a:defRPr>
+            </a:lvl1pPr>
+            <a:lvl2pPr>
+              <a:defRPr sz="1000">
+                <a:solidFill>
+                  <a:schemeClr val="tx1"/>
+                </a:solidFill>
+                <a:latin typeface="Lucida Sans Unicode" panose="020B0602030504020204" pitchFamily="34" charset="0"/>
+                <a:ea typeface="돋움" panose="020B0600000101010101" pitchFamily="34" charset="-127"/>
+              </a:defRPr>
+            </a:lvl2pPr>
+            <a:lvl3pPr>
+              <a:defRPr sz="1000">
+                <a:solidFill>
+                  <a:schemeClr val="tx1"/>
+                </a:solidFill>
+                <a:latin typeface="Lucida Sans Unicode" panose="020B0602030504020204" pitchFamily="34" charset="0"/>
+                <a:ea typeface="돋움" panose="020B0600000101010101" pitchFamily="34" charset="-127"/>
+              </a:defRPr>
+            </a:lvl3pPr>
+            <a:lvl4pPr>
+              <a:defRPr sz="1000">
+                <a:solidFill>
+                  <a:schemeClr val="tx1"/>
+                </a:solidFill>
+                <a:latin typeface="Lucida Sans Unicode" panose="020B0602030504020204" pitchFamily="34" charset="0"/>
+                <a:ea typeface="돋움" panose="020B0600000101010101" pitchFamily="34" charset="-127"/>
+              </a:defRPr>
+            </a:lvl4pPr>
+            <a:lvl5pPr>
+              <a:defRPr sz="1000">
+                <a:solidFill>
+                  <a:schemeClr val="tx1"/>
+                </a:solidFill>
+                <a:latin typeface="Lucida Sans Unicode" panose="020B0602030504020204" pitchFamily="34" charset="0"/>
+                <a:ea typeface="돋움" panose="020B0600000101010101" pitchFamily="34" charset="-127"/>
+              </a:defRPr>
+            </a:lvl5pPr>
+            <a:lvl6pPr eaLnBrk="0" fontAlgn="base" hangingPunct="0">
+              <a:spcBef>
+                <a:spcPct val="0"/>
+              </a:spcBef>
+              <a:spcAft>
+                <a:spcPct val="0"/>
+              </a:spcAft>
+              <a:buFont typeface="Wingdings" pitchFamily="2" charset="2"/>
+              <a:buChar char="§"/>
+              <a:defRPr sz="1000">
+                <a:solidFill>
+                  <a:schemeClr val="tx1"/>
+                </a:solidFill>
+                <a:latin typeface="Lucida Sans Unicode" panose="020B0602030504020204" pitchFamily="34" charset="0"/>
+                <a:ea typeface="돋움" panose="020B0600000101010101" pitchFamily="34" charset="-127"/>
+              </a:defRPr>
+            </a:lvl6pPr>
+            <a:lvl7pPr eaLnBrk="0" fontAlgn="base" hangingPunct="0">
+              <a:spcBef>
+                <a:spcPct val="0"/>
+              </a:spcBef>
+              <a:spcAft>
+                <a:spcPct val="0"/>
+              </a:spcAft>
+              <a:buFont typeface="Wingdings" pitchFamily="2" charset="2"/>
+              <a:buChar char="§"/>
+              <a:defRPr sz="1000">
+                <a:solidFill>
+                  <a:schemeClr val="tx1"/>
+                </a:solidFill>
+                <a:latin typeface="Lucida Sans Unicode" panose="020B0602030504020204" pitchFamily="34" charset="0"/>
+                <a:ea typeface="돋움" panose="020B0600000101010101" pitchFamily="34" charset="-127"/>
+              </a:defRPr>
+            </a:lvl7pPr>
+            <a:lvl8pPr eaLnBrk="0" fontAlgn="base" hangingPunct="0">
+              <a:spcBef>
+                <a:spcPct val="0"/>
+              </a:spcBef>
+              <a:spcAft>
+                <a:spcPct val="0"/>
+              </a:spcAft>
+              <a:buFont typeface="Wingdings" pitchFamily="2" charset="2"/>
+              <a:buChar char="§"/>
+              <a:defRPr sz="1000">
+                <a:solidFill>
+                  <a:schemeClr val="tx1"/>
+                </a:solidFill>
+                <a:latin typeface="Lucida Sans Unicode" panose="020B0602030504020204" pitchFamily="34" charset="0"/>
+                <a:ea typeface="돋움" panose="020B0600000101010101" pitchFamily="34" charset="-127"/>
+              </a:defRPr>
+            </a:lvl8pPr>
+            <a:lvl9pPr eaLnBrk="0" fontAlgn="base" hangingPunct="0">
+              <a:spcBef>
+                <a:spcPct val="0"/>
+              </a:spcBef>
+              <a:spcAft>
+                <a:spcPct val="0"/>
+              </a:spcAft>
+              <a:buFont typeface="Wingdings" pitchFamily="2" charset="2"/>
+              <a:buChar char="§"/>
+              <a:defRPr sz="1000">
+                <a:solidFill>
+                  <a:schemeClr val="tx1"/>
+                </a:solidFill>
+                <a:latin typeface="Lucida Sans Unicode" panose="020B0602030504020204" pitchFamily="34" charset="0"/>
+                <a:ea typeface="돋움" panose="020B0600000101010101" pitchFamily="34" charset="-127"/>
+              </a:defRPr>
+            </a:lvl9pPr>
+          </a:lstStyle>
+          <a:p>
+            <a:pPr>
+              <a:buFont typeface="Wingdings" pitchFamily="2" charset="2"/>
+              <a:buNone/>
+            </a:pPr>
+            <a:r>
+              <a:rPr lang="en-US" altLang="ko-KR" sz="1200" b="1" dirty="0">
+                <a:latin typeface="Arial" panose="020B0604020202020204" pitchFamily="34" charset="0"/>
+                <a:cs typeface="Arial" panose="020B0604020202020204" pitchFamily="34" charset="0"/>
+              </a:rPr>
+              <a:t>registry</a:t>
+            </a:r>
+          </a:p>
+        </p:txBody>
+      </p:sp>
+      <p:sp>
+        <p:nvSpPr>
+          <p:cNvPr id="48" name="Rectangle 33">
+            <a:extLst>
+              <a:ext uri="{FF2B5EF4-FFF2-40B4-BE49-F238E27FC236}">
+                <a16:creationId xmlns:a16="http://schemas.microsoft.com/office/drawing/2014/main" id="{96EF13A8-33D3-294E-8501-F4246E516029}"/>
+              </a:ext>
+            </a:extLst>
+          </p:cNvPr>
+          <p:cNvSpPr>
+            <a:spLocks noChangeArrowheads="1"/>
+          </p:cNvSpPr>
+          <p:nvPr/>
+        </p:nvSpPr>
+        <p:spPr bwMode="auto">
+          <a:xfrm>
+            <a:off x="5127432" y="6055130"/>
+            <a:ext cx="879752" cy="302078"/>
+          </a:xfrm>
+          <a:prstGeom prst="rect">
+            <a:avLst/>
+          </a:prstGeom>
+          <a:solidFill>
+            <a:schemeClr val="bg1"/>
+          </a:solidFill>
+          <a:ln w="12700" algn="ctr">
+            <a:solidFill>
+              <a:schemeClr val="tx1"/>
+            </a:solidFill>
+            <a:miter lim="800000"/>
+            <a:headEnd/>
+            <a:tailEnd/>
+          </a:ln>
+        </p:spPr>
+        <p:txBody>
+          <a:bodyPr wrap="none" lIns="90000" tIns="54000" rIns="90000" bIns="54000" anchor="ctr"/>
+          <a:lstStyle>
+            <a:lvl1pPr marL="93663" indent="-93663">
+              <a:defRPr sz="1000">
+                <a:solidFill>
+                  <a:schemeClr val="tx1"/>
+                </a:solidFill>
+                <a:latin typeface="Lucida Sans Unicode" panose="020B0602030504020204" pitchFamily="34" charset="0"/>
+                <a:ea typeface="돋움" panose="020B0600000101010101" pitchFamily="34" charset="-127"/>
+              </a:defRPr>
+            </a:lvl1pPr>
+            <a:lvl2pPr marL="742950" indent="-285750">
+              <a:defRPr sz="1000">
+                <a:solidFill>
+                  <a:schemeClr val="tx1"/>
+                </a:solidFill>
+                <a:latin typeface="Lucida Sans Unicode" panose="020B0602030504020204" pitchFamily="34" charset="0"/>
+                <a:ea typeface="돋움" panose="020B0600000101010101" pitchFamily="34" charset="-127"/>
+              </a:defRPr>
+            </a:lvl2pPr>
+            <a:lvl3pPr marL="1143000" indent="-228600">
+              <a:defRPr sz="1000">
+                <a:solidFill>
+                  <a:schemeClr val="tx1"/>
+                </a:solidFill>
+                <a:latin typeface="Lucida Sans Unicode" panose="020B0602030504020204" pitchFamily="34" charset="0"/>
+                <a:ea typeface="돋움" panose="020B0600000101010101" pitchFamily="34" charset="-127"/>
+              </a:defRPr>
+            </a:lvl3pPr>
+            <a:lvl4pPr marL="1600200" indent="-228600">
+              <a:defRPr sz="1000">
+                <a:solidFill>
+                  <a:schemeClr val="tx1"/>
+                </a:solidFill>
+                <a:latin typeface="Lucida Sans Unicode" panose="020B0602030504020204" pitchFamily="34" charset="0"/>
+                <a:ea typeface="돋움" panose="020B0600000101010101" pitchFamily="34" charset="-127"/>
+              </a:defRPr>
+            </a:lvl4pPr>
+            <a:lvl5pPr marL="2057400" indent="-228600">
+              <a:defRPr sz="1000">
+                <a:solidFill>
+                  <a:schemeClr val="tx1"/>
+                </a:solidFill>
+                <a:latin typeface="Lucida Sans Unicode" panose="020B0602030504020204" pitchFamily="34" charset="0"/>
+                <a:ea typeface="돋움" panose="020B0600000101010101" pitchFamily="34" charset="-127"/>
+              </a:defRPr>
+            </a:lvl5pPr>
+            <a:lvl6pPr marL="2514600" indent="-228600" eaLnBrk="0" fontAlgn="base" hangingPunct="0">
+              <a:spcBef>
+                <a:spcPct val="0"/>
+              </a:spcBef>
+              <a:spcAft>
+                <a:spcPct val="0"/>
+              </a:spcAft>
+              <a:buFont typeface="Wingdings" pitchFamily="2" charset="2"/>
+              <a:buChar char="§"/>
+              <a:defRPr sz="1000">
+                <a:solidFill>
+                  <a:schemeClr val="tx1"/>
+                </a:solidFill>
+                <a:latin typeface="Lucida Sans Unicode" panose="020B0602030504020204" pitchFamily="34" charset="0"/>
+                <a:ea typeface="돋움" panose="020B0600000101010101" pitchFamily="34" charset="-127"/>
+              </a:defRPr>
+            </a:lvl6pPr>
+            <a:lvl7pPr marL="2971800" indent="-228600" eaLnBrk="0" fontAlgn="base" hangingPunct="0">
+              <a:spcBef>
+                <a:spcPct val="0"/>
+              </a:spcBef>
+              <a:spcAft>
+                <a:spcPct val="0"/>
+              </a:spcAft>
+              <a:buFont typeface="Wingdings" pitchFamily="2" charset="2"/>
+              <a:buChar char="§"/>
+              <a:defRPr sz="1000">
+                <a:solidFill>
+                  <a:schemeClr val="tx1"/>
+                </a:solidFill>
+                <a:latin typeface="Lucida Sans Unicode" panose="020B0602030504020204" pitchFamily="34" charset="0"/>
+                <a:ea typeface="돋움" panose="020B0600000101010101" pitchFamily="34" charset="-127"/>
+              </a:defRPr>
+            </a:lvl7pPr>
+            <a:lvl8pPr marL="3429000" indent="-228600" eaLnBrk="0" fontAlgn="base" hangingPunct="0">
+              <a:spcBef>
+                <a:spcPct val="0"/>
+              </a:spcBef>
+              <a:spcAft>
+                <a:spcPct val="0"/>
+              </a:spcAft>
+              <a:buFont typeface="Wingdings" pitchFamily="2" charset="2"/>
+              <a:buChar char="§"/>
+              <a:defRPr sz="1000">
+                <a:solidFill>
+                  <a:schemeClr val="tx1"/>
+                </a:solidFill>
+                <a:latin typeface="Lucida Sans Unicode" panose="020B0602030504020204" pitchFamily="34" charset="0"/>
+                <a:ea typeface="돋움" panose="020B0600000101010101" pitchFamily="34" charset="-127"/>
+              </a:defRPr>
+            </a:lvl8pPr>
+            <a:lvl9pPr marL="3886200" indent="-228600" eaLnBrk="0" fontAlgn="base" hangingPunct="0">
+              <a:spcBef>
+                <a:spcPct val="0"/>
+              </a:spcBef>
+              <a:spcAft>
+                <a:spcPct val="0"/>
+              </a:spcAft>
+              <a:buFont typeface="Wingdings" pitchFamily="2" charset="2"/>
+              <a:buChar char="§"/>
+              <a:defRPr sz="1000">
+                <a:solidFill>
+                  <a:schemeClr val="tx1"/>
+                </a:solidFill>
+                <a:latin typeface="Lucida Sans Unicode" panose="020B0602030504020204" pitchFamily="34" charset="0"/>
+                <a:ea typeface="돋움" panose="020B0600000101010101" pitchFamily="34" charset="-127"/>
+              </a:defRPr>
+            </a:lvl9pPr>
+          </a:lstStyle>
+          <a:p>
+            <a:pPr algn="ctr">
+              <a:lnSpc>
+                <a:spcPct val="90000"/>
+              </a:lnSpc>
+            </a:pPr>
+            <a:r>
+              <a:rPr lang="en-US" altLang="ko-KR" sz="1200" dirty="0">
+                <a:latin typeface="Arial" panose="020B0604020202020204" pitchFamily="34" charset="0"/>
+                <a:ea typeface="굴림" panose="020B0600000101010101" pitchFamily="34" charset="-127"/>
+                <a:cs typeface="Arial" panose="020B0604020202020204" pitchFamily="34" charset="0"/>
+              </a:rPr>
+              <a:t>docker</a:t>
+            </a:r>
+          </a:p>
+        </p:txBody>
+      </p:sp>
+      <p:sp>
+        <p:nvSpPr>
+          <p:cNvPr id="49" name="Rectangle 33">
+            <a:extLst>
+              <a:ext uri="{FF2B5EF4-FFF2-40B4-BE49-F238E27FC236}">
+                <a16:creationId xmlns:a16="http://schemas.microsoft.com/office/drawing/2014/main" id="{90E81BF1-6E24-EA40-952F-77F19346D171}"/>
+              </a:ext>
+            </a:extLst>
+          </p:cNvPr>
+          <p:cNvSpPr>
+            <a:spLocks noChangeArrowheads="1"/>
+          </p:cNvSpPr>
+          <p:nvPr/>
+        </p:nvSpPr>
+        <p:spPr bwMode="auto">
+          <a:xfrm>
+            <a:off x="6055629" y="6055130"/>
+            <a:ext cx="1253515" cy="302078"/>
+          </a:xfrm>
+          <a:prstGeom prst="rect">
+            <a:avLst/>
+          </a:prstGeom>
+          <a:solidFill>
+            <a:schemeClr val="bg1"/>
+          </a:solidFill>
+          <a:ln w="12700" algn="ctr">
+            <a:solidFill>
+              <a:schemeClr val="tx1"/>
+            </a:solidFill>
+            <a:miter lim="800000"/>
+            <a:headEnd/>
+            <a:tailEnd/>
+          </a:ln>
+        </p:spPr>
+        <p:txBody>
+          <a:bodyPr wrap="none" lIns="90000" tIns="54000" rIns="90000" bIns="54000" anchor="ctr"/>
+          <a:lstStyle>
+            <a:lvl1pPr marL="93663" indent="-93663">
+              <a:defRPr sz="1000">
+                <a:solidFill>
+                  <a:schemeClr val="tx1"/>
+                </a:solidFill>
+                <a:latin typeface="Lucida Sans Unicode" panose="020B0602030504020204" pitchFamily="34" charset="0"/>
+                <a:ea typeface="돋움" panose="020B0600000101010101" pitchFamily="34" charset="-127"/>
+              </a:defRPr>
+            </a:lvl1pPr>
+            <a:lvl2pPr marL="742950" indent="-285750">
+              <a:defRPr sz="1000">
+                <a:solidFill>
+                  <a:schemeClr val="tx1"/>
+                </a:solidFill>
+                <a:latin typeface="Lucida Sans Unicode" panose="020B0602030504020204" pitchFamily="34" charset="0"/>
+                <a:ea typeface="돋움" panose="020B0600000101010101" pitchFamily="34" charset="-127"/>
+              </a:defRPr>
+            </a:lvl2pPr>
+            <a:lvl3pPr marL="1143000" indent="-228600">
+              <a:defRPr sz="1000">
+                <a:solidFill>
+                  <a:schemeClr val="tx1"/>
+                </a:solidFill>
+                <a:latin typeface="Lucida Sans Unicode" panose="020B0602030504020204" pitchFamily="34" charset="0"/>
+                <a:ea typeface="돋움" panose="020B0600000101010101" pitchFamily="34" charset="-127"/>
+              </a:defRPr>
+            </a:lvl3pPr>
+            <a:lvl4pPr marL="1600200" indent="-228600">
+              <a:defRPr sz="1000">
+                <a:solidFill>
+                  <a:schemeClr val="tx1"/>
+                </a:solidFill>
+                <a:latin typeface="Lucida Sans Unicode" panose="020B0602030504020204" pitchFamily="34" charset="0"/>
+                <a:ea typeface="돋움" panose="020B0600000101010101" pitchFamily="34" charset="-127"/>
+              </a:defRPr>
+            </a:lvl4pPr>
+            <a:lvl5pPr marL="2057400" indent="-228600">
+              <a:defRPr sz="1000">
+                <a:solidFill>
+                  <a:schemeClr val="tx1"/>
+                </a:solidFill>
+                <a:latin typeface="Lucida Sans Unicode" panose="020B0602030504020204" pitchFamily="34" charset="0"/>
+                <a:ea typeface="돋움" panose="020B0600000101010101" pitchFamily="34" charset="-127"/>
+              </a:defRPr>
+            </a:lvl5pPr>
+            <a:lvl6pPr marL="2514600" indent="-228600" eaLnBrk="0" fontAlgn="base" hangingPunct="0">
+              <a:spcBef>
+                <a:spcPct val="0"/>
+              </a:spcBef>
+              <a:spcAft>
+                <a:spcPct val="0"/>
+              </a:spcAft>
+              <a:buFont typeface="Wingdings" pitchFamily="2" charset="2"/>
+              <a:buChar char="§"/>
+              <a:defRPr sz="1000">
+                <a:solidFill>
+                  <a:schemeClr val="tx1"/>
+                </a:solidFill>
+                <a:latin typeface="Lucida Sans Unicode" panose="020B0602030504020204" pitchFamily="34" charset="0"/>
+                <a:ea typeface="돋움" panose="020B0600000101010101" pitchFamily="34" charset="-127"/>
+              </a:defRPr>
+            </a:lvl6pPr>
+            <a:lvl7pPr marL="2971800" indent="-228600" eaLnBrk="0" fontAlgn="base" hangingPunct="0">
+              <a:spcBef>
+                <a:spcPct val="0"/>
+              </a:spcBef>
+              <a:spcAft>
+                <a:spcPct val="0"/>
+              </a:spcAft>
+              <a:buFont typeface="Wingdings" pitchFamily="2" charset="2"/>
+              <a:buChar char="§"/>
+              <a:defRPr sz="1000">
+                <a:solidFill>
+                  <a:schemeClr val="tx1"/>
+                </a:solidFill>
+                <a:latin typeface="Lucida Sans Unicode" panose="020B0602030504020204" pitchFamily="34" charset="0"/>
+                <a:ea typeface="돋움" panose="020B0600000101010101" pitchFamily="34" charset="-127"/>
+              </a:defRPr>
+            </a:lvl7pPr>
+            <a:lvl8pPr marL="3429000" indent="-228600" eaLnBrk="0" fontAlgn="base" hangingPunct="0">
+              <a:spcBef>
+                <a:spcPct val="0"/>
+              </a:spcBef>
+              <a:spcAft>
+                <a:spcPct val="0"/>
+              </a:spcAft>
+              <a:buFont typeface="Wingdings" pitchFamily="2" charset="2"/>
+              <a:buChar char="§"/>
+              <a:defRPr sz="1000">
+                <a:solidFill>
+                  <a:schemeClr val="tx1"/>
+                </a:solidFill>
+                <a:latin typeface="Lucida Sans Unicode" panose="020B0602030504020204" pitchFamily="34" charset="0"/>
+                <a:ea typeface="돋움" panose="020B0600000101010101" pitchFamily="34" charset="-127"/>
+              </a:defRPr>
+            </a:lvl8pPr>
+            <a:lvl9pPr marL="3886200" indent="-228600" eaLnBrk="0" fontAlgn="base" hangingPunct="0">
+              <a:spcBef>
+                <a:spcPct val="0"/>
+              </a:spcBef>
+              <a:spcAft>
+                <a:spcPct val="0"/>
+              </a:spcAft>
+              <a:buFont typeface="Wingdings" pitchFamily="2" charset="2"/>
+              <a:buChar char="§"/>
+              <a:defRPr sz="1000">
+                <a:solidFill>
+                  <a:schemeClr val="tx1"/>
+                </a:solidFill>
+                <a:latin typeface="Lucida Sans Unicode" panose="020B0602030504020204" pitchFamily="34" charset="0"/>
+                <a:ea typeface="돋움" panose="020B0600000101010101" pitchFamily="34" charset="-127"/>
+              </a:defRPr>
+            </a:lvl9pPr>
+          </a:lstStyle>
+          <a:p>
+            <a:pPr algn="ctr">
+              <a:lnSpc>
+                <a:spcPct val="90000"/>
+              </a:lnSpc>
+              <a:buFont typeface="Wingdings" pitchFamily="2" charset="2"/>
+              <a:buNone/>
+            </a:pPr>
+            <a:r>
+              <a:rPr lang="en-US" altLang="ko-KR" sz="1200" dirty="0">
+                <a:latin typeface="Arial" panose="020B0604020202020204" pitchFamily="34" charset="0"/>
+                <a:ea typeface="굴림" panose="020B0600000101010101" pitchFamily="34" charset="-127"/>
+                <a:cs typeface="Arial" panose="020B0604020202020204" pitchFamily="34" charset="0"/>
+              </a:rPr>
+              <a:t>docker-compose</a:t>
+            </a:r>
+          </a:p>
+        </p:txBody>
+      </p:sp>
+      <p:sp>
+        <p:nvSpPr>
+          <p:cNvPr id="50" name="Rectangle 33">
+            <a:extLst>
+              <a:ext uri="{FF2B5EF4-FFF2-40B4-BE49-F238E27FC236}">
+                <a16:creationId xmlns:a16="http://schemas.microsoft.com/office/drawing/2014/main" id="{2162C5B8-882D-FE49-860D-C456417847B1}"/>
+              </a:ext>
+            </a:extLst>
+          </p:cNvPr>
+          <p:cNvSpPr>
+            <a:spLocks noChangeArrowheads="1"/>
+          </p:cNvSpPr>
+          <p:nvPr/>
+        </p:nvSpPr>
+        <p:spPr bwMode="auto">
+          <a:xfrm>
+            <a:off x="5127431" y="5698690"/>
+            <a:ext cx="2181713" cy="302078"/>
+          </a:xfrm>
+          <a:prstGeom prst="rect">
+            <a:avLst/>
+          </a:prstGeom>
+          <a:solidFill>
+            <a:schemeClr val="bg1"/>
+          </a:solidFill>
+          <a:ln w="12700" algn="ctr">
+            <a:solidFill>
+              <a:schemeClr val="tx1"/>
+            </a:solidFill>
+            <a:miter lim="800000"/>
+            <a:headEnd/>
+            <a:tailEnd/>
+          </a:ln>
+        </p:spPr>
+        <p:txBody>
+          <a:bodyPr wrap="none" lIns="90000" tIns="54000" rIns="90000" bIns="54000" anchor="ctr"/>
+          <a:lstStyle>
+            <a:lvl1pPr marL="93663" indent="-93663">
+              <a:defRPr sz="1000">
+                <a:solidFill>
+                  <a:schemeClr val="tx1"/>
+                </a:solidFill>
+                <a:latin typeface="Lucida Sans Unicode" panose="020B0602030504020204" pitchFamily="34" charset="0"/>
+                <a:ea typeface="돋움" panose="020B0600000101010101" pitchFamily="34" charset="-127"/>
+              </a:defRPr>
+            </a:lvl1pPr>
+            <a:lvl2pPr marL="742950" indent="-285750">
+              <a:defRPr sz="1000">
+                <a:solidFill>
+                  <a:schemeClr val="tx1"/>
+                </a:solidFill>
+                <a:latin typeface="Lucida Sans Unicode" panose="020B0602030504020204" pitchFamily="34" charset="0"/>
+                <a:ea typeface="돋움" panose="020B0600000101010101" pitchFamily="34" charset="-127"/>
+              </a:defRPr>
+            </a:lvl2pPr>
+            <a:lvl3pPr marL="1143000" indent="-228600">
+              <a:defRPr sz="1000">
+                <a:solidFill>
+                  <a:schemeClr val="tx1"/>
+                </a:solidFill>
+                <a:latin typeface="Lucida Sans Unicode" panose="020B0602030504020204" pitchFamily="34" charset="0"/>
+                <a:ea typeface="돋움" panose="020B0600000101010101" pitchFamily="34" charset="-127"/>
+              </a:defRPr>
+            </a:lvl3pPr>
+            <a:lvl4pPr marL="1600200" indent="-228600">
+              <a:defRPr sz="1000">
+                <a:solidFill>
+                  <a:schemeClr val="tx1"/>
+                </a:solidFill>
+                <a:latin typeface="Lucida Sans Unicode" panose="020B0602030504020204" pitchFamily="34" charset="0"/>
+                <a:ea typeface="돋움" panose="020B0600000101010101" pitchFamily="34" charset="-127"/>
+              </a:defRPr>
+            </a:lvl4pPr>
+            <a:lvl5pPr marL="2057400" indent="-228600">
+              <a:defRPr sz="1000">
+                <a:solidFill>
+                  <a:schemeClr val="tx1"/>
+                </a:solidFill>
+                <a:latin typeface="Lucida Sans Unicode" panose="020B0602030504020204" pitchFamily="34" charset="0"/>
+                <a:ea typeface="돋움" panose="020B0600000101010101" pitchFamily="34" charset="-127"/>
+              </a:defRPr>
+            </a:lvl5pPr>
+            <a:lvl6pPr marL="2514600" indent="-228600" eaLnBrk="0" fontAlgn="base" hangingPunct="0">
+              <a:spcBef>
+                <a:spcPct val="0"/>
+              </a:spcBef>
+              <a:spcAft>
+                <a:spcPct val="0"/>
+              </a:spcAft>
+              <a:buFont typeface="Wingdings" pitchFamily="2" charset="2"/>
+              <a:buChar char="§"/>
+              <a:defRPr sz="1000">
+                <a:solidFill>
+                  <a:schemeClr val="tx1"/>
+                </a:solidFill>
+                <a:latin typeface="Lucida Sans Unicode" panose="020B0602030504020204" pitchFamily="34" charset="0"/>
+                <a:ea typeface="돋움" panose="020B0600000101010101" pitchFamily="34" charset="-127"/>
+              </a:defRPr>
+            </a:lvl6pPr>
+            <a:lvl7pPr marL="2971800" indent="-228600" eaLnBrk="0" fontAlgn="base" hangingPunct="0">
+              <a:spcBef>
+                <a:spcPct val="0"/>
+              </a:spcBef>
+              <a:spcAft>
+                <a:spcPct val="0"/>
+              </a:spcAft>
+              <a:buFont typeface="Wingdings" pitchFamily="2" charset="2"/>
+              <a:buChar char="§"/>
+              <a:defRPr sz="1000">
+                <a:solidFill>
+                  <a:schemeClr val="tx1"/>
+                </a:solidFill>
+                <a:latin typeface="Lucida Sans Unicode" panose="020B0602030504020204" pitchFamily="34" charset="0"/>
+                <a:ea typeface="돋움" panose="020B0600000101010101" pitchFamily="34" charset="-127"/>
+              </a:defRPr>
+            </a:lvl7pPr>
+            <a:lvl8pPr marL="3429000" indent="-228600" eaLnBrk="0" fontAlgn="base" hangingPunct="0">
+              <a:spcBef>
+                <a:spcPct val="0"/>
+              </a:spcBef>
+              <a:spcAft>
+                <a:spcPct val="0"/>
+              </a:spcAft>
+              <a:buFont typeface="Wingdings" pitchFamily="2" charset="2"/>
+              <a:buChar char="§"/>
+              <a:defRPr sz="1000">
+                <a:solidFill>
+                  <a:schemeClr val="tx1"/>
+                </a:solidFill>
+                <a:latin typeface="Lucida Sans Unicode" panose="020B0602030504020204" pitchFamily="34" charset="0"/>
+                <a:ea typeface="돋움" panose="020B0600000101010101" pitchFamily="34" charset="-127"/>
+              </a:defRPr>
+            </a:lvl8pPr>
+            <a:lvl9pPr marL="3886200" indent="-228600" eaLnBrk="0" fontAlgn="base" hangingPunct="0">
+              <a:spcBef>
+                <a:spcPct val="0"/>
+              </a:spcBef>
+              <a:spcAft>
+                <a:spcPct val="0"/>
+              </a:spcAft>
+              <a:buFont typeface="Wingdings" pitchFamily="2" charset="2"/>
+              <a:buChar char="§"/>
+              <a:defRPr sz="1000">
+                <a:solidFill>
+                  <a:schemeClr val="tx1"/>
+                </a:solidFill>
+                <a:latin typeface="Lucida Sans Unicode" panose="020B0602030504020204" pitchFamily="34" charset="0"/>
+                <a:ea typeface="돋움" panose="020B0600000101010101" pitchFamily="34" charset="-127"/>
+              </a:defRPr>
+            </a:lvl9pPr>
+          </a:lstStyle>
+          <a:p>
+            <a:pPr algn="ctr">
+              <a:lnSpc>
+                <a:spcPct val="90000"/>
+              </a:lnSpc>
+              <a:buFont typeface="Wingdings" pitchFamily="2" charset="2"/>
+              <a:buNone/>
+            </a:pPr>
+            <a:r>
+              <a:rPr lang="en-US" altLang="ko-KR" sz="1200" dirty="0">
+                <a:latin typeface="Arial" panose="020B0604020202020204" pitchFamily="34" charset="0"/>
+                <a:ea typeface="굴림" panose="020B0600000101010101" pitchFamily="34" charset="-127"/>
+                <a:cs typeface="Arial" panose="020B0604020202020204" pitchFamily="34" charset="0"/>
+              </a:rPr>
+              <a:t>harbor</a:t>
+            </a:r>
+          </a:p>
+        </p:txBody>
+      </p:sp>
+      <p:sp>
+        <p:nvSpPr>
+          <p:cNvPr id="53" name="Rectangle 32">
+            <a:extLst>
+              <a:ext uri="{FF2B5EF4-FFF2-40B4-BE49-F238E27FC236}">
+                <a16:creationId xmlns:a16="http://schemas.microsoft.com/office/drawing/2014/main" id="{0AEC3F25-8417-0C4A-BBDD-39DF73187C74}"/>
+              </a:ext>
+            </a:extLst>
+          </p:cNvPr>
+          <p:cNvSpPr>
+            <a:spLocks noChangeArrowheads="1"/>
+          </p:cNvSpPr>
+          <p:nvPr/>
+        </p:nvSpPr>
+        <p:spPr bwMode="auto">
+          <a:xfrm>
+            <a:off x="7460535" y="5358607"/>
+            <a:ext cx="2384079" cy="1436001"/>
+          </a:xfrm>
+          <a:prstGeom prst="rect">
+            <a:avLst/>
+          </a:prstGeom>
+          <a:solidFill>
+            <a:srgbClr val="EAEAEA"/>
+          </a:solidFill>
+          <a:ln w="12700" algn="ctr">
+            <a:solidFill>
+              <a:schemeClr val="tx1"/>
+            </a:solidFill>
+            <a:miter lim="800000"/>
+            <a:headEnd/>
+            <a:tailEnd/>
+          </a:ln>
+        </p:spPr>
+        <p:txBody>
+          <a:bodyPr wrap="none" lIns="90000" tIns="54000" rIns="90000" bIns="54000" anchor="ctr"/>
+          <a:lstStyle>
+            <a:lvl1pPr marL="93663" indent="-93663">
+              <a:defRPr sz="1000">
+                <a:solidFill>
+                  <a:schemeClr val="tx1"/>
+                </a:solidFill>
+                <a:latin typeface="Lucida Sans Unicode" panose="020B0602030504020204" pitchFamily="34" charset="0"/>
+                <a:ea typeface="돋움" panose="020B0600000101010101" pitchFamily="34" charset="-127"/>
+              </a:defRPr>
+            </a:lvl1pPr>
+            <a:lvl2pPr marL="742950" indent="-285750">
+              <a:defRPr sz="1000">
+                <a:solidFill>
+                  <a:schemeClr val="tx1"/>
+                </a:solidFill>
+                <a:latin typeface="Lucida Sans Unicode" panose="020B0602030504020204" pitchFamily="34" charset="0"/>
+                <a:ea typeface="돋움" panose="020B0600000101010101" pitchFamily="34" charset="-127"/>
+              </a:defRPr>
+            </a:lvl2pPr>
+            <a:lvl3pPr marL="1143000" indent="-228600">
+              <a:defRPr sz="1000">
+                <a:solidFill>
+                  <a:schemeClr val="tx1"/>
+                </a:solidFill>
+                <a:latin typeface="Lucida Sans Unicode" panose="020B0602030504020204" pitchFamily="34" charset="0"/>
+                <a:ea typeface="돋움" panose="020B0600000101010101" pitchFamily="34" charset="-127"/>
+              </a:defRPr>
+            </a:lvl3pPr>
+            <a:lvl4pPr marL="1600200" indent="-228600">
+              <a:defRPr sz="1000">
+                <a:solidFill>
+                  <a:schemeClr val="tx1"/>
+                </a:solidFill>
+                <a:latin typeface="Lucida Sans Unicode" panose="020B0602030504020204" pitchFamily="34" charset="0"/>
+                <a:ea typeface="돋움" panose="020B0600000101010101" pitchFamily="34" charset="-127"/>
+              </a:defRPr>
+            </a:lvl4pPr>
+            <a:lvl5pPr marL="2057400" indent="-228600">
+              <a:defRPr sz="1000">
+                <a:solidFill>
+                  <a:schemeClr val="tx1"/>
+                </a:solidFill>
+                <a:latin typeface="Lucida Sans Unicode" panose="020B0602030504020204" pitchFamily="34" charset="0"/>
+                <a:ea typeface="돋움" panose="020B0600000101010101" pitchFamily="34" charset="-127"/>
+              </a:defRPr>
+            </a:lvl5pPr>
+            <a:lvl6pPr marL="2514600" indent="-228600" eaLnBrk="0" fontAlgn="base" hangingPunct="0">
+              <a:spcBef>
+                <a:spcPct val="0"/>
+              </a:spcBef>
+              <a:spcAft>
+                <a:spcPct val="0"/>
+              </a:spcAft>
+              <a:buFont typeface="Wingdings" pitchFamily="2" charset="2"/>
+              <a:buChar char="§"/>
+              <a:defRPr sz="1000">
+                <a:solidFill>
+                  <a:schemeClr val="tx1"/>
+                </a:solidFill>
+                <a:latin typeface="Lucida Sans Unicode" panose="020B0602030504020204" pitchFamily="34" charset="0"/>
+                <a:ea typeface="돋움" panose="020B0600000101010101" pitchFamily="34" charset="-127"/>
+              </a:defRPr>
+            </a:lvl6pPr>
+            <a:lvl7pPr marL="2971800" indent="-228600" eaLnBrk="0" fontAlgn="base" hangingPunct="0">
+              <a:spcBef>
+                <a:spcPct val="0"/>
+              </a:spcBef>
+              <a:spcAft>
+                <a:spcPct val="0"/>
+              </a:spcAft>
+              <a:buFont typeface="Wingdings" pitchFamily="2" charset="2"/>
+              <a:buChar char="§"/>
+              <a:defRPr sz="1000">
+                <a:solidFill>
+                  <a:schemeClr val="tx1"/>
+                </a:solidFill>
+                <a:latin typeface="Lucida Sans Unicode" panose="020B0602030504020204" pitchFamily="34" charset="0"/>
+                <a:ea typeface="돋움" panose="020B0600000101010101" pitchFamily="34" charset="-127"/>
+              </a:defRPr>
+            </a:lvl7pPr>
+            <a:lvl8pPr marL="3429000" indent="-228600" eaLnBrk="0" fontAlgn="base" hangingPunct="0">
+              <a:spcBef>
+                <a:spcPct val="0"/>
+              </a:spcBef>
+              <a:spcAft>
+                <a:spcPct val="0"/>
+              </a:spcAft>
+              <a:buFont typeface="Wingdings" pitchFamily="2" charset="2"/>
+              <a:buChar char="§"/>
+              <a:defRPr sz="1000">
+                <a:solidFill>
+                  <a:schemeClr val="tx1"/>
+                </a:solidFill>
+                <a:latin typeface="Lucida Sans Unicode" panose="020B0602030504020204" pitchFamily="34" charset="0"/>
+                <a:ea typeface="돋움" panose="020B0600000101010101" pitchFamily="34" charset="-127"/>
+              </a:defRPr>
+            </a:lvl8pPr>
+            <a:lvl9pPr marL="3886200" indent="-228600" eaLnBrk="0" fontAlgn="base" hangingPunct="0">
+              <a:spcBef>
+                <a:spcPct val="0"/>
+              </a:spcBef>
+              <a:spcAft>
+                <a:spcPct val="0"/>
+              </a:spcAft>
+              <a:buFont typeface="Wingdings" pitchFamily="2" charset="2"/>
+              <a:buChar char="§"/>
+              <a:defRPr sz="1000">
+                <a:solidFill>
+                  <a:schemeClr val="tx1"/>
+                </a:solidFill>
+                <a:latin typeface="Lucida Sans Unicode" panose="020B0602030504020204" pitchFamily="34" charset="0"/>
+                <a:ea typeface="돋움" panose="020B0600000101010101" pitchFamily="34" charset="-127"/>
+              </a:defRPr>
+            </a:lvl9pPr>
+          </a:lstStyle>
+          <a:p>
+            <a:pPr algn="ctr">
+              <a:lnSpc>
+                <a:spcPct val="90000"/>
+              </a:lnSpc>
+              <a:buFont typeface="Wingdings" pitchFamily="2" charset="2"/>
+              <a:buNone/>
+            </a:pPr>
+            <a:endParaRPr lang="en-US" altLang="ko-KR" sz="1200">
+              <a:latin typeface="Arial" panose="020B0604020202020204" pitchFamily="34" charset="0"/>
+              <a:ea typeface="굴림" panose="020B0600000101010101" pitchFamily="34" charset="-127"/>
+              <a:cs typeface="Arial" panose="020B0604020202020204" pitchFamily="34" charset="0"/>
+            </a:endParaRPr>
+          </a:p>
+        </p:txBody>
+      </p:sp>
+      <p:sp>
+        <p:nvSpPr>
+          <p:cNvPr id="54" name="Rectangle 33">
+            <a:extLst>
+              <a:ext uri="{FF2B5EF4-FFF2-40B4-BE49-F238E27FC236}">
+                <a16:creationId xmlns:a16="http://schemas.microsoft.com/office/drawing/2014/main" id="{5F0E4401-E4C9-9D46-8D41-7B31558BF128}"/>
+              </a:ext>
+            </a:extLst>
+          </p:cNvPr>
+          <p:cNvSpPr>
+            <a:spLocks noChangeArrowheads="1"/>
+          </p:cNvSpPr>
+          <p:nvPr/>
+        </p:nvSpPr>
+        <p:spPr bwMode="auto">
+          <a:xfrm>
+            <a:off x="7559956" y="6410009"/>
+            <a:ext cx="2181712" cy="302078"/>
+          </a:xfrm>
+          <a:prstGeom prst="rect">
+            <a:avLst/>
+          </a:prstGeom>
+          <a:solidFill>
+            <a:schemeClr val="bg1"/>
+          </a:solidFill>
+          <a:ln w="12700" algn="ctr">
+            <a:solidFill>
+              <a:schemeClr val="tx1"/>
+            </a:solidFill>
+            <a:miter lim="800000"/>
+            <a:headEnd/>
+            <a:tailEnd/>
+          </a:ln>
+        </p:spPr>
+        <p:txBody>
+          <a:bodyPr wrap="none" lIns="90000" tIns="54000" rIns="90000" bIns="54000" anchor="ctr"/>
+          <a:lstStyle>
+            <a:lvl1pPr marL="93663" indent="-93663">
+              <a:defRPr sz="1000">
+                <a:solidFill>
+                  <a:schemeClr val="tx1"/>
+                </a:solidFill>
+                <a:latin typeface="Lucida Sans Unicode" panose="020B0602030504020204" pitchFamily="34" charset="0"/>
+                <a:ea typeface="돋움" panose="020B0600000101010101" pitchFamily="34" charset="-127"/>
+              </a:defRPr>
+            </a:lvl1pPr>
+            <a:lvl2pPr marL="742950" indent="-285750">
+              <a:defRPr sz="1000">
+                <a:solidFill>
+                  <a:schemeClr val="tx1"/>
+                </a:solidFill>
+                <a:latin typeface="Lucida Sans Unicode" panose="020B0602030504020204" pitchFamily="34" charset="0"/>
+                <a:ea typeface="돋움" panose="020B0600000101010101" pitchFamily="34" charset="-127"/>
+              </a:defRPr>
+            </a:lvl2pPr>
+            <a:lvl3pPr marL="1143000" indent="-228600">
+              <a:defRPr sz="1000">
+                <a:solidFill>
+                  <a:schemeClr val="tx1"/>
+                </a:solidFill>
+                <a:latin typeface="Lucida Sans Unicode" panose="020B0602030504020204" pitchFamily="34" charset="0"/>
+                <a:ea typeface="돋움" panose="020B0600000101010101" pitchFamily="34" charset="-127"/>
+              </a:defRPr>
+            </a:lvl3pPr>
+            <a:lvl4pPr marL="1600200" indent="-228600">
+              <a:defRPr sz="1000">
+                <a:solidFill>
+                  <a:schemeClr val="tx1"/>
+                </a:solidFill>
+                <a:latin typeface="Lucida Sans Unicode" panose="020B0602030504020204" pitchFamily="34" charset="0"/>
+                <a:ea typeface="돋움" panose="020B0600000101010101" pitchFamily="34" charset="-127"/>
+              </a:defRPr>
+            </a:lvl4pPr>
+            <a:lvl5pPr marL="2057400" indent="-228600">
+              <a:defRPr sz="1000">
+                <a:solidFill>
+                  <a:schemeClr val="tx1"/>
+                </a:solidFill>
+                <a:latin typeface="Lucida Sans Unicode" panose="020B0602030504020204" pitchFamily="34" charset="0"/>
+                <a:ea typeface="돋움" panose="020B0600000101010101" pitchFamily="34" charset="-127"/>
+              </a:defRPr>
+            </a:lvl5pPr>
+            <a:lvl6pPr marL="2514600" indent="-228600" eaLnBrk="0" fontAlgn="base" hangingPunct="0">
+              <a:spcBef>
+                <a:spcPct val="0"/>
+              </a:spcBef>
+              <a:spcAft>
+                <a:spcPct val="0"/>
+              </a:spcAft>
+              <a:buFont typeface="Wingdings" pitchFamily="2" charset="2"/>
+              <a:buChar char="§"/>
+              <a:defRPr sz="1000">
+                <a:solidFill>
+                  <a:schemeClr val="tx1"/>
+                </a:solidFill>
+                <a:latin typeface="Lucida Sans Unicode" panose="020B0602030504020204" pitchFamily="34" charset="0"/>
+                <a:ea typeface="돋움" panose="020B0600000101010101" pitchFamily="34" charset="-127"/>
+              </a:defRPr>
+            </a:lvl6pPr>
+            <a:lvl7pPr marL="2971800" indent="-228600" eaLnBrk="0" fontAlgn="base" hangingPunct="0">
+              <a:spcBef>
+                <a:spcPct val="0"/>
+              </a:spcBef>
+              <a:spcAft>
+                <a:spcPct val="0"/>
+              </a:spcAft>
+              <a:buFont typeface="Wingdings" pitchFamily="2" charset="2"/>
+              <a:buChar char="§"/>
+              <a:defRPr sz="1000">
+                <a:solidFill>
+                  <a:schemeClr val="tx1"/>
+                </a:solidFill>
+                <a:latin typeface="Lucida Sans Unicode" panose="020B0602030504020204" pitchFamily="34" charset="0"/>
+                <a:ea typeface="돋움" panose="020B0600000101010101" pitchFamily="34" charset="-127"/>
+              </a:defRPr>
+            </a:lvl7pPr>
+            <a:lvl8pPr marL="3429000" indent="-228600" eaLnBrk="0" fontAlgn="base" hangingPunct="0">
+              <a:spcBef>
+                <a:spcPct val="0"/>
+              </a:spcBef>
+              <a:spcAft>
+                <a:spcPct val="0"/>
+              </a:spcAft>
+              <a:buFont typeface="Wingdings" pitchFamily="2" charset="2"/>
+              <a:buChar char="§"/>
+              <a:defRPr sz="1000">
+                <a:solidFill>
+                  <a:schemeClr val="tx1"/>
+                </a:solidFill>
+                <a:latin typeface="Lucida Sans Unicode" panose="020B0602030504020204" pitchFamily="34" charset="0"/>
+                <a:ea typeface="돋움" panose="020B0600000101010101" pitchFamily="34" charset="-127"/>
+              </a:defRPr>
+            </a:lvl8pPr>
+            <a:lvl9pPr marL="3886200" indent="-228600" eaLnBrk="0" fontAlgn="base" hangingPunct="0">
+              <a:spcBef>
+                <a:spcPct val="0"/>
+              </a:spcBef>
+              <a:spcAft>
+                <a:spcPct val="0"/>
+              </a:spcAft>
+              <a:buFont typeface="Wingdings" pitchFamily="2" charset="2"/>
+              <a:buChar char="§"/>
+              <a:defRPr sz="1000">
+                <a:solidFill>
+                  <a:schemeClr val="tx1"/>
+                </a:solidFill>
+                <a:latin typeface="Lucida Sans Unicode" panose="020B0602030504020204" pitchFamily="34" charset="0"/>
+                <a:ea typeface="돋움" panose="020B0600000101010101" pitchFamily="34" charset="-127"/>
+              </a:defRPr>
+            </a:lvl9pPr>
+          </a:lstStyle>
+          <a:p>
+            <a:pPr algn="ctr">
+              <a:lnSpc>
+                <a:spcPct val="90000"/>
+              </a:lnSpc>
+              <a:buFont typeface="Wingdings" pitchFamily="2" charset="2"/>
+              <a:buNone/>
+            </a:pPr>
+            <a:r>
+              <a:rPr lang="en-US" altLang="ko-KR" sz="1200" dirty="0" err="1">
+                <a:latin typeface="Arial" panose="020B0604020202020204" pitchFamily="34" charset="0"/>
+                <a:ea typeface="굴림" panose="020B0600000101010101" pitchFamily="34" charset="-127"/>
+                <a:cs typeface="Arial" panose="020B0604020202020204" pitchFamily="34" charset="0"/>
+              </a:rPr>
+              <a:t>rhel</a:t>
+            </a:r>
+            <a:r>
+              <a:rPr lang="en-US" altLang="ko-KR" sz="1200" dirty="0">
+                <a:latin typeface="Arial" panose="020B0604020202020204" pitchFamily="34" charset="0"/>
+                <a:ea typeface="굴림" panose="020B0600000101010101" pitchFamily="34" charset="-127"/>
+                <a:cs typeface="Arial" panose="020B0604020202020204" pitchFamily="34" charset="0"/>
+              </a:rPr>
+              <a:t>, ubuntu</a:t>
+            </a:r>
+          </a:p>
+        </p:txBody>
+      </p:sp>
+      <p:sp>
+        <p:nvSpPr>
+          <p:cNvPr id="55" name="Text Box 116">
+            <a:extLst>
+              <a:ext uri="{FF2B5EF4-FFF2-40B4-BE49-F238E27FC236}">
+                <a16:creationId xmlns:a16="http://schemas.microsoft.com/office/drawing/2014/main" id="{66F1320F-1E8A-AF42-B147-40AC4F161D74}"/>
+              </a:ext>
+            </a:extLst>
+          </p:cNvPr>
+          <p:cNvSpPr txBox="1">
+            <a:spLocks noChangeArrowheads="1"/>
+          </p:cNvSpPr>
+          <p:nvPr/>
+        </p:nvSpPr>
+        <p:spPr bwMode="auto">
+          <a:xfrm>
+            <a:off x="7468097" y="5382420"/>
+            <a:ext cx="736397" cy="293721"/>
+          </a:xfrm>
+          <a:prstGeom prst="rect">
+            <a:avLst/>
+          </a:prstGeom>
+          <a:noFill/>
+          <a:ln>
+            <a:noFill/>
+          </a:ln>
+          <a:effectLst>
+            <a:prstShdw prst="shdw17" dist="17961" dir="2700000">
+              <a:schemeClr val="bg1">
+                <a:gamma/>
+                <a:shade val="60000"/>
+                <a:invGamma/>
+              </a:schemeClr>
+            </a:prstShdw>
+          </a:effectLst>
+          <a:extLst>
+            <a:ext uri="{909E8E84-426E-40DD-AFC4-6F175D3DCCD1}">
+              <a14:hiddenFill xmlns:a14="http://schemas.microsoft.com/office/drawing/2010/main">
+                <a:solidFill>
+                  <a:schemeClr val="bg1"/>
+                </a:solidFill>
+              </a14:hiddenFill>
+            </a:ext>
+            <a:ext uri="{91240B29-F687-4F45-9708-019B960494DF}">
+              <a14:hiddenLine xmlns:a14="http://schemas.microsoft.com/office/drawing/2010/main" w="12700" algn="ctr">
+                <a:solidFill>
+                  <a:schemeClr val="accent2"/>
+                </a:solidFill>
+                <a:miter lim="800000"/>
+                <a:headEnd/>
+                <a:tailEnd/>
+              </a14:hiddenLine>
+            </a:ext>
+          </a:extLst>
+        </p:spPr>
+        <p:txBody>
+          <a:bodyPr wrap="none" lIns="90000" tIns="54000" rIns="90000" bIns="54000">
+            <a:spAutoFit/>
+          </a:bodyPr>
+          <a:lstStyle>
+            <a:lvl1pPr marL="93663" indent="-93663">
+              <a:defRPr sz="1000">
+                <a:solidFill>
+                  <a:schemeClr val="tx1"/>
+                </a:solidFill>
+                <a:latin typeface="Lucida Sans Unicode" panose="020B0602030504020204" pitchFamily="34" charset="0"/>
+                <a:ea typeface="돋움" panose="020B0600000101010101" pitchFamily="34" charset="-127"/>
+              </a:defRPr>
+            </a:lvl1pPr>
+            <a:lvl2pPr>
+              <a:defRPr sz="1000">
+                <a:solidFill>
+                  <a:schemeClr val="tx1"/>
+                </a:solidFill>
+                <a:latin typeface="Lucida Sans Unicode" panose="020B0602030504020204" pitchFamily="34" charset="0"/>
+                <a:ea typeface="돋움" panose="020B0600000101010101" pitchFamily="34" charset="-127"/>
+              </a:defRPr>
+            </a:lvl2pPr>
+            <a:lvl3pPr>
+              <a:defRPr sz="1000">
+                <a:solidFill>
+                  <a:schemeClr val="tx1"/>
+                </a:solidFill>
+                <a:latin typeface="Lucida Sans Unicode" panose="020B0602030504020204" pitchFamily="34" charset="0"/>
+                <a:ea typeface="돋움" panose="020B0600000101010101" pitchFamily="34" charset="-127"/>
+              </a:defRPr>
+            </a:lvl3pPr>
+            <a:lvl4pPr>
+              <a:defRPr sz="1000">
+                <a:solidFill>
+                  <a:schemeClr val="tx1"/>
+                </a:solidFill>
+                <a:latin typeface="Lucida Sans Unicode" panose="020B0602030504020204" pitchFamily="34" charset="0"/>
+                <a:ea typeface="돋움" panose="020B0600000101010101" pitchFamily="34" charset="-127"/>
+              </a:defRPr>
+            </a:lvl4pPr>
+            <a:lvl5pPr>
+              <a:defRPr sz="1000">
+                <a:solidFill>
+                  <a:schemeClr val="tx1"/>
+                </a:solidFill>
+                <a:latin typeface="Lucida Sans Unicode" panose="020B0602030504020204" pitchFamily="34" charset="0"/>
+                <a:ea typeface="돋움" panose="020B0600000101010101" pitchFamily="34" charset="-127"/>
+              </a:defRPr>
+            </a:lvl5pPr>
+            <a:lvl6pPr eaLnBrk="0" fontAlgn="base" hangingPunct="0">
+              <a:spcBef>
+                <a:spcPct val="0"/>
+              </a:spcBef>
+              <a:spcAft>
+                <a:spcPct val="0"/>
+              </a:spcAft>
+              <a:buFont typeface="Wingdings" pitchFamily="2" charset="2"/>
+              <a:buChar char="§"/>
+              <a:defRPr sz="1000">
+                <a:solidFill>
+                  <a:schemeClr val="tx1"/>
+                </a:solidFill>
+                <a:latin typeface="Lucida Sans Unicode" panose="020B0602030504020204" pitchFamily="34" charset="0"/>
+                <a:ea typeface="돋움" panose="020B0600000101010101" pitchFamily="34" charset="-127"/>
+              </a:defRPr>
+            </a:lvl6pPr>
+            <a:lvl7pPr eaLnBrk="0" fontAlgn="base" hangingPunct="0">
+              <a:spcBef>
+                <a:spcPct val="0"/>
+              </a:spcBef>
+              <a:spcAft>
+                <a:spcPct val="0"/>
+              </a:spcAft>
+              <a:buFont typeface="Wingdings" pitchFamily="2" charset="2"/>
+              <a:buChar char="§"/>
+              <a:defRPr sz="1000">
+                <a:solidFill>
+                  <a:schemeClr val="tx1"/>
+                </a:solidFill>
+                <a:latin typeface="Lucida Sans Unicode" panose="020B0602030504020204" pitchFamily="34" charset="0"/>
+                <a:ea typeface="돋움" panose="020B0600000101010101" pitchFamily="34" charset="-127"/>
+              </a:defRPr>
+            </a:lvl7pPr>
+            <a:lvl8pPr eaLnBrk="0" fontAlgn="base" hangingPunct="0">
+              <a:spcBef>
+                <a:spcPct val="0"/>
+              </a:spcBef>
+              <a:spcAft>
+                <a:spcPct val="0"/>
+              </a:spcAft>
+              <a:buFont typeface="Wingdings" pitchFamily="2" charset="2"/>
+              <a:buChar char="§"/>
+              <a:defRPr sz="1000">
+                <a:solidFill>
+                  <a:schemeClr val="tx1"/>
+                </a:solidFill>
+                <a:latin typeface="Lucida Sans Unicode" panose="020B0602030504020204" pitchFamily="34" charset="0"/>
+                <a:ea typeface="돋움" panose="020B0600000101010101" pitchFamily="34" charset="-127"/>
+              </a:defRPr>
+            </a:lvl8pPr>
+            <a:lvl9pPr eaLnBrk="0" fontAlgn="base" hangingPunct="0">
+              <a:spcBef>
+                <a:spcPct val="0"/>
+              </a:spcBef>
+              <a:spcAft>
+                <a:spcPct val="0"/>
+              </a:spcAft>
+              <a:buFont typeface="Wingdings" pitchFamily="2" charset="2"/>
+              <a:buChar char="§"/>
+              <a:defRPr sz="1000">
+                <a:solidFill>
+                  <a:schemeClr val="tx1"/>
+                </a:solidFill>
+                <a:latin typeface="Lucida Sans Unicode" panose="020B0602030504020204" pitchFamily="34" charset="0"/>
+                <a:ea typeface="돋움" panose="020B0600000101010101" pitchFamily="34" charset="-127"/>
+              </a:defRPr>
+            </a:lvl9pPr>
+          </a:lstStyle>
+          <a:p>
+            <a:pPr>
+              <a:buFont typeface="Wingdings" pitchFamily="2" charset="2"/>
+              <a:buNone/>
+            </a:pPr>
+            <a:r>
+              <a:rPr lang="en-US" altLang="ko-KR" sz="1200" b="1" dirty="0">
+                <a:latin typeface="Arial" panose="020B0604020202020204" pitchFamily="34" charset="0"/>
+                <a:cs typeface="Arial" panose="020B0604020202020204" pitchFamily="34" charset="0"/>
+              </a:rPr>
+              <a:t>storage</a:t>
+            </a:r>
+          </a:p>
+        </p:txBody>
+      </p:sp>
+      <p:sp>
+        <p:nvSpPr>
+          <p:cNvPr id="56" name="Rectangle 33">
+            <a:extLst>
+              <a:ext uri="{FF2B5EF4-FFF2-40B4-BE49-F238E27FC236}">
+                <a16:creationId xmlns:a16="http://schemas.microsoft.com/office/drawing/2014/main" id="{12BF71B7-B52A-ED4D-BC8F-38AB7AE11442}"/>
+              </a:ext>
+            </a:extLst>
+          </p:cNvPr>
+          <p:cNvSpPr>
+            <a:spLocks noChangeArrowheads="1"/>
+          </p:cNvSpPr>
+          <p:nvPr/>
+        </p:nvSpPr>
+        <p:spPr bwMode="auto">
+          <a:xfrm>
+            <a:off x="7559956" y="6055322"/>
+            <a:ext cx="2181712" cy="302078"/>
+          </a:xfrm>
+          <a:prstGeom prst="rect">
+            <a:avLst/>
+          </a:prstGeom>
+          <a:solidFill>
+            <a:schemeClr val="bg1"/>
+          </a:solidFill>
+          <a:ln w="12700" algn="ctr">
+            <a:solidFill>
+              <a:schemeClr val="tx1"/>
+            </a:solidFill>
+            <a:miter lim="800000"/>
+            <a:headEnd/>
+            <a:tailEnd/>
+          </a:ln>
+        </p:spPr>
+        <p:txBody>
+          <a:bodyPr wrap="none" lIns="90000" tIns="54000" rIns="90000" bIns="54000" anchor="ctr"/>
+          <a:lstStyle>
+            <a:lvl1pPr marL="93663" indent="-93663">
+              <a:defRPr sz="1000">
+                <a:solidFill>
+                  <a:schemeClr val="tx1"/>
+                </a:solidFill>
+                <a:latin typeface="Lucida Sans Unicode" panose="020B0602030504020204" pitchFamily="34" charset="0"/>
+                <a:ea typeface="돋움" panose="020B0600000101010101" pitchFamily="34" charset="-127"/>
+              </a:defRPr>
+            </a:lvl1pPr>
+            <a:lvl2pPr marL="742950" indent="-285750">
+              <a:defRPr sz="1000">
+                <a:solidFill>
+                  <a:schemeClr val="tx1"/>
+                </a:solidFill>
+                <a:latin typeface="Lucida Sans Unicode" panose="020B0602030504020204" pitchFamily="34" charset="0"/>
+                <a:ea typeface="돋움" panose="020B0600000101010101" pitchFamily="34" charset="-127"/>
+              </a:defRPr>
+            </a:lvl2pPr>
+            <a:lvl3pPr marL="1143000" indent="-228600">
+              <a:defRPr sz="1000">
+                <a:solidFill>
+                  <a:schemeClr val="tx1"/>
+                </a:solidFill>
+                <a:latin typeface="Lucida Sans Unicode" panose="020B0602030504020204" pitchFamily="34" charset="0"/>
+                <a:ea typeface="돋움" panose="020B0600000101010101" pitchFamily="34" charset="-127"/>
+              </a:defRPr>
+            </a:lvl3pPr>
+            <a:lvl4pPr marL="1600200" indent="-228600">
+              <a:defRPr sz="1000">
+                <a:solidFill>
+                  <a:schemeClr val="tx1"/>
+                </a:solidFill>
+                <a:latin typeface="Lucida Sans Unicode" panose="020B0602030504020204" pitchFamily="34" charset="0"/>
+                <a:ea typeface="돋움" panose="020B0600000101010101" pitchFamily="34" charset="-127"/>
+              </a:defRPr>
+            </a:lvl4pPr>
+            <a:lvl5pPr marL="2057400" indent="-228600">
+              <a:defRPr sz="1000">
+                <a:solidFill>
+                  <a:schemeClr val="tx1"/>
+                </a:solidFill>
+                <a:latin typeface="Lucida Sans Unicode" panose="020B0602030504020204" pitchFamily="34" charset="0"/>
+                <a:ea typeface="돋움" panose="020B0600000101010101" pitchFamily="34" charset="-127"/>
+              </a:defRPr>
+            </a:lvl5pPr>
+            <a:lvl6pPr marL="2514600" indent="-228600" eaLnBrk="0" fontAlgn="base" hangingPunct="0">
+              <a:spcBef>
+                <a:spcPct val="0"/>
+              </a:spcBef>
+              <a:spcAft>
+                <a:spcPct val="0"/>
+              </a:spcAft>
+              <a:buFont typeface="Wingdings" pitchFamily="2" charset="2"/>
+              <a:buChar char="§"/>
+              <a:defRPr sz="1000">
+                <a:solidFill>
+                  <a:schemeClr val="tx1"/>
+                </a:solidFill>
+                <a:latin typeface="Lucida Sans Unicode" panose="020B0602030504020204" pitchFamily="34" charset="0"/>
+                <a:ea typeface="돋움" panose="020B0600000101010101" pitchFamily="34" charset="-127"/>
+              </a:defRPr>
+            </a:lvl6pPr>
+            <a:lvl7pPr marL="2971800" indent="-228600" eaLnBrk="0" fontAlgn="base" hangingPunct="0">
+              <a:spcBef>
+                <a:spcPct val="0"/>
+              </a:spcBef>
+              <a:spcAft>
+                <a:spcPct val="0"/>
+              </a:spcAft>
+              <a:buFont typeface="Wingdings" pitchFamily="2" charset="2"/>
+              <a:buChar char="§"/>
+              <a:defRPr sz="1000">
+                <a:solidFill>
+                  <a:schemeClr val="tx1"/>
+                </a:solidFill>
+                <a:latin typeface="Lucida Sans Unicode" panose="020B0602030504020204" pitchFamily="34" charset="0"/>
+                <a:ea typeface="돋움" panose="020B0600000101010101" pitchFamily="34" charset="-127"/>
+              </a:defRPr>
+            </a:lvl7pPr>
+            <a:lvl8pPr marL="3429000" indent="-228600" eaLnBrk="0" fontAlgn="base" hangingPunct="0">
+              <a:spcBef>
+                <a:spcPct val="0"/>
+              </a:spcBef>
+              <a:spcAft>
+                <a:spcPct val="0"/>
+              </a:spcAft>
+              <a:buFont typeface="Wingdings" pitchFamily="2" charset="2"/>
+              <a:buChar char="§"/>
+              <a:defRPr sz="1000">
+                <a:solidFill>
+                  <a:schemeClr val="tx1"/>
+                </a:solidFill>
+                <a:latin typeface="Lucida Sans Unicode" panose="020B0602030504020204" pitchFamily="34" charset="0"/>
+                <a:ea typeface="돋움" panose="020B0600000101010101" pitchFamily="34" charset="-127"/>
+              </a:defRPr>
+            </a:lvl8pPr>
+            <a:lvl9pPr marL="3886200" indent="-228600" eaLnBrk="0" fontAlgn="base" hangingPunct="0">
+              <a:spcBef>
+                <a:spcPct val="0"/>
+              </a:spcBef>
+              <a:spcAft>
+                <a:spcPct val="0"/>
+              </a:spcAft>
+              <a:buFont typeface="Wingdings" pitchFamily="2" charset="2"/>
+              <a:buChar char="§"/>
+              <a:defRPr sz="1000">
+                <a:solidFill>
+                  <a:schemeClr val="tx1"/>
+                </a:solidFill>
+                <a:latin typeface="Lucida Sans Unicode" panose="020B0602030504020204" pitchFamily="34" charset="0"/>
+                <a:ea typeface="돋움" panose="020B0600000101010101" pitchFamily="34" charset="-127"/>
+              </a:defRPr>
+            </a:lvl9pPr>
+          </a:lstStyle>
+          <a:p>
+            <a:pPr algn="ctr">
+              <a:lnSpc>
+                <a:spcPct val="90000"/>
+              </a:lnSpc>
+            </a:pPr>
+            <a:r>
+              <a:rPr lang="en-US" altLang="ko-KR" sz="1200" dirty="0" err="1">
+                <a:latin typeface="Arial" panose="020B0604020202020204" pitchFamily="34" charset="0"/>
+                <a:ea typeface="굴림" panose="020B0600000101010101" pitchFamily="34" charset="-127"/>
+                <a:cs typeface="Arial" panose="020B0604020202020204" pitchFamily="34" charset="0"/>
+              </a:rPr>
+              <a:t>nfs</a:t>
+            </a:r>
+            <a:r>
+              <a:rPr lang="en-US" altLang="ko-KR" sz="1200" dirty="0">
+                <a:latin typeface="Arial" panose="020B0604020202020204" pitchFamily="34" charset="0"/>
+                <a:ea typeface="굴림" panose="020B0600000101010101" pitchFamily="34" charset="-127"/>
+                <a:cs typeface="Arial" panose="020B0604020202020204" pitchFamily="34" charset="0"/>
+              </a:rPr>
+              <a:t>-server</a:t>
             </a:r>
           </a:p>
         </p:txBody>
@@ -14959,3049 +15736,6 @@
     <p:extLst>
       <p:ext uri="{BB962C8B-B14F-4D97-AF65-F5344CB8AC3E}">
         <p14:creationId xmlns:p14="http://schemas.microsoft.com/office/powerpoint/2010/main" val="332488891"/>
-      </p:ext>
-    </p:extLst>
-  </p:cSld>
-  <p:clrMapOvr>
-    <a:masterClrMapping/>
-  </p:clrMapOvr>
-  <p:transition/>
-</p:sld>
-</file>
-
-<file path=ppt/slides/slide3.xml><?xml version="1.0" encoding="utf-8"?>
-<p:sld xmlns:a="http://schemas.openxmlformats.org/drawingml/2006/main" xmlns:r="http://schemas.openxmlformats.org/officeDocument/2006/relationships" xmlns:p="http://schemas.openxmlformats.org/presentationml/2006/main">
-  <p:cSld>
-    <p:spTree>
-      <p:nvGrpSpPr>
-        <p:cNvPr id="1" name=""/>
-        <p:cNvGrpSpPr/>
-        <p:nvPr/>
-      </p:nvGrpSpPr>
-      <p:grpSpPr>
-        <a:xfrm>
-          <a:off x="0" y="0"/>
-          <a:ext cx="0" cy="0"/>
-          <a:chOff x="0" y="0"/>
-          <a:chExt cx="0" cy="0"/>
-        </a:xfrm>
-      </p:grpSpPr>
-      <p:sp>
-        <p:nvSpPr>
-          <p:cNvPr id="2" name="제목 1">
-            <a:extLst>
-              <a:ext uri="{FF2B5EF4-FFF2-40B4-BE49-F238E27FC236}">
-                <a16:creationId xmlns:a16="http://schemas.microsoft.com/office/drawing/2014/main" id="{71AD2D92-4BF1-F248-8EA6-039E6B17E1EC}"/>
-              </a:ext>
-            </a:extLst>
-          </p:cNvPr>
-          <p:cNvSpPr>
-            <a:spLocks noGrp="1"/>
-          </p:cNvSpPr>
-          <p:nvPr>
-            <p:ph type="title"/>
-          </p:nvPr>
-        </p:nvSpPr>
-        <p:spPr>
-          <a:xfrm>
-            <a:off x="576146" y="0"/>
-            <a:ext cx="7604468" cy="695577"/>
-          </a:xfrm>
-        </p:spPr>
-        <p:txBody>
-          <a:bodyPr>
-            <a:normAutofit/>
-          </a:bodyPr>
-          <a:lstStyle/>
-          <a:p>
-            <a:r>
-              <a:rPr kumimoji="1" lang="en-US" altLang="ko-KR" dirty="0" err="1"/>
-              <a:t>cube.toml</a:t>
-            </a:r>
-            <a:r>
-              <a:rPr kumimoji="1" lang="ko-KR" altLang="en-US" dirty="0"/>
-              <a:t> </a:t>
-            </a:r>
-            <a:r>
-              <a:rPr kumimoji="1" lang="en-US" altLang="ko-KR" dirty="0"/>
-              <a:t>-&gt;</a:t>
-            </a:r>
-            <a:r>
-              <a:rPr kumimoji="1" lang="ko-KR" altLang="en-US" dirty="0"/>
-              <a:t> </a:t>
-            </a:r>
-            <a:r>
-              <a:rPr kumimoji="1" lang="en-US" altLang="ko-KR" dirty="0"/>
-              <a:t>ansible variable</a:t>
-            </a:r>
-            <a:r>
-              <a:rPr kumimoji="1" lang="ko-KR" altLang="en-US" dirty="0"/>
-              <a:t>로 </a:t>
-            </a:r>
-            <a:r>
-              <a:rPr kumimoji="1" lang="en-US" altLang="ko-KR" dirty="0"/>
-              <a:t>mapping</a:t>
-            </a:r>
-            <a:endParaRPr kumimoji="1" lang="ko-KR" altLang="en-US" dirty="0"/>
-          </a:p>
-        </p:txBody>
-      </p:sp>
-      <p:sp>
-        <p:nvSpPr>
-          <p:cNvPr id="44" name="TextBox 43">
-            <a:extLst>
-              <a:ext uri="{FF2B5EF4-FFF2-40B4-BE49-F238E27FC236}">
-                <a16:creationId xmlns:a16="http://schemas.microsoft.com/office/drawing/2014/main" id="{02C072C6-7CB0-1641-A5DA-EE5013DA90C1}"/>
-              </a:ext>
-            </a:extLst>
-          </p:cNvPr>
-          <p:cNvSpPr txBox="1"/>
-          <p:nvPr/>
-        </p:nvSpPr>
-        <p:spPr>
-          <a:xfrm>
-            <a:off x="331713" y="1045930"/>
-            <a:ext cx="3825847" cy="5755422"/>
-          </a:xfrm>
-          <a:prstGeom prst="rect">
-            <a:avLst/>
-          </a:prstGeom>
-          <a:noFill/>
-          <a:ln>
-            <a:solidFill>
-              <a:schemeClr val="tx1"/>
-            </a:solidFill>
-          </a:ln>
-        </p:spPr>
-        <p:txBody>
-          <a:bodyPr wrap="square">
-            <a:spAutoFit/>
-          </a:bodyPr>
-          <a:lstStyle/>
-          <a:p>
-            <a:r>
-              <a:rPr lang="en-US" altLang="ko-Kore-KR" sz="800" b="0" dirty="0">
-                <a:effectLst/>
-                <a:latin typeface="Menlo" panose="020B0609030804020204" pitchFamily="49" charset="0"/>
-              </a:rPr>
-              <a:t>[cube]</a:t>
-            </a:r>
-          </a:p>
-          <a:p>
-            <a:r>
-              <a:rPr lang="en-US" altLang="ko-Kore-KR" sz="800" b="0" dirty="0">
-                <a:effectLst/>
-                <a:latin typeface="Menlo" panose="020B0609030804020204" pitchFamily="49" charset="0"/>
-              </a:rPr>
-              <a:t>version = "1.0.0"</a:t>
-            </a:r>
-          </a:p>
-          <a:p>
-            <a:r>
-              <a:rPr lang="en-US" altLang="ko-Kore-KR" sz="800" b="0" dirty="0">
-                <a:effectLst/>
-                <a:latin typeface="Menlo" panose="020B0609030804020204" pitchFamily="49" charset="0"/>
-              </a:rPr>
-              <a:t>provider = false</a:t>
-            </a:r>
-          </a:p>
-          <a:p>
-            <a:r>
-              <a:rPr lang="en-US" altLang="ko-Kore-KR" sz="800" b="0" dirty="0">
-                <a:effectLst/>
-                <a:latin typeface="Menlo" panose="020B0609030804020204" pitchFamily="49" charset="0"/>
-              </a:rPr>
-              <a:t>cluster-name = "lab01-cluster"</a:t>
-            </a:r>
-          </a:p>
-          <a:p>
-            <a:r>
-              <a:rPr lang="en-US" altLang="ko-Kore-KR" sz="800" b="0" dirty="0">
-                <a:effectLst/>
-                <a:latin typeface="Menlo" panose="020B0609030804020204" pitchFamily="49" charset="0"/>
-              </a:rPr>
-              <a:t>cluster-description = "Cube cluster lab01 on centos 8.0"</a:t>
-            </a:r>
-          </a:p>
-          <a:p>
-            <a:r>
-              <a:rPr lang="en-US" altLang="ko-Kore-KR" sz="800" b="0" dirty="0">
-                <a:effectLst/>
-                <a:latin typeface="Menlo" panose="020B0609030804020204" pitchFamily="49" charset="0"/>
-              </a:rPr>
-              <a:t>cluster-type = "small"</a:t>
-            </a:r>
-          </a:p>
-          <a:p>
-            <a:r>
-              <a:rPr lang="en-US" altLang="ko-Kore-KR" sz="800" b="0" dirty="0">
-                <a:effectLst/>
-                <a:latin typeface="Menlo" panose="020B0609030804020204" pitchFamily="49" charset="0"/>
-              </a:rPr>
-              <a:t>cluster-id = "lab01-cluster"</a:t>
-            </a:r>
-          </a:p>
-          <a:p>
-            <a:r>
-              <a:rPr lang="en-US" altLang="ko-Kore-KR" sz="800" b="0" dirty="0">
-                <a:effectLst/>
-                <a:latin typeface="Menlo" panose="020B0609030804020204" pitchFamily="49" charset="0"/>
-              </a:rPr>
-              <a:t>alert-language = "ko"</a:t>
-            </a:r>
-          </a:p>
-          <a:p>
-            <a:r>
-              <a:rPr lang="en-US" altLang="ko-Kore-KR" sz="800" b="0" dirty="0">
-                <a:effectLst/>
-                <a:latin typeface="Menlo" panose="020B0609030804020204" pitchFamily="49" charset="0"/>
-              </a:rPr>
-              <a:t>closed-network = true</a:t>
-            </a:r>
-          </a:p>
-          <a:p>
-            <a:r>
-              <a:rPr lang="en-US" altLang="ko-Kore-KR" sz="800" b="0" dirty="0">
-                <a:effectLst/>
-                <a:latin typeface="Menlo" panose="020B0609030804020204" pitchFamily="49" charset="0"/>
-              </a:rPr>
-              <a:t>local-repository = "http://192.168.1.246:8080"</a:t>
-            </a:r>
-          </a:p>
-          <a:p>
-            <a:br>
-              <a:rPr lang="en-US" altLang="ko-Kore-KR" sz="800" b="0" dirty="0">
-                <a:effectLst/>
-                <a:latin typeface="Menlo" panose="020B0609030804020204" pitchFamily="49" charset="0"/>
-              </a:rPr>
-            </a:br>
-            <a:r>
-              <a:rPr lang="en-US" altLang="ko-Kore-KR" sz="800" b="0" dirty="0">
-                <a:effectLst/>
-                <a:latin typeface="Menlo" panose="020B0609030804020204" pitchFamily="49" charset="0"/>
-              </a:rPr>
-              <a:t>[</a:t>
-            </a:r>
-            <a:r>
-              <a:rPr lang="en-US" altLang="ko-Kore-KR" sz="800" b="0" dirty="0" err="1">
-                <a:effectLst/>
-                <a:latin typeface="Menlo" panose="020B0609030804020204" pitchFamily="49" charset="0"/>
-              </a:rPr>
-              <a:t>kubernetes</a:t>
-            </a:r>
-            <a:r>
-              <a:rPr lang="en-US" altLang="ko-Kore-KR" sz="800" b="0" dirty="0">
-                <a:effectLst/>
-                <a:latin typeface="Menlo" panose="020B0609030804020204" pitchFamily="49" charset="0"/>
-              </a:rPr>
-              <a:t>]</a:t>
-            </a:r>
-          </a:p>
-          <a:p>
-            <a:r>
-              <a:rPr lang="en-US" altLang="ko-Kore-KR" sz="800" b="0" dirty="0">
-                <a:effectLst/>
-                <a:latin typeface="Menlo" panose="020B0609030804020204" pitchFamily="49" charset="0"/>
-              </a:rPr>
-              <a:t>version ="1.18.4"</a:t>
-            </a:r>
-          </a:p>
-          <a:p>
-            <a:r>
-              <a:rPr lang="en-US" altLang="ko-Kore-KR" sz="800" b="0" dirty="0">
-                <a:effectLst/>
-                <a:latin typeface="Menlo" panose="020B0609030804020204" pitchFamily="49" charset="0"/>
-              </a:rPr>
-              <a:t>audit-log-enable = true</a:t>
-            </a:r>
-          </a:p>
-          <a:p>
-            <a:r>
-              <a:rPr lang="en-US" altLang="ko-Kore-KR" sz="800" b="0" dirty="0">
-                <a:effectLst/>
-                <a:latin typeface="Menlo" panose="020B0609030804020204" pitchFamily="49" charset="0"/>
-              </a:rPr>
-              <a:t>container-runtime = "docker"</a:t>
-            </a:r>
-          </a:p>
-          <a:p>
-            <a:r>
-              <a:rPr lang="en-US" altLang="ko-Kore-KR" sz="800" b="0" dirty="0" err="1">
-                <a:effectLst/>
-                <a:latin typeface="Menlo" panose="020B0609030804020204" pitchFamily="49" charset="0"/>
-              </a:rPr>
-              <a:t>kube</a:t>
-            </a:r>
-            <a:r>
-              <a:rPr lang="en-US" altLang="ko-Kore-KR" sz="800" b="0" dirty="0">
-                <a:effectLst/>
-                <a:latin typeface="Menlo" panose="020B0609030804020204" pitchFamily="49" charset="0"/>
-              </a:rPr>
-              <a:t>-proxy-mode = "iptables"</a:t>
-            </a:r>
-          </a:p>
-          <a:p>
-            <a:br>
-              <a:rPr lang="en-US" altLang="ko-Kore-KR" sz="800" b="0" dirty="0">
-                <a:effectLst/>
-                <a:latin typeface="Menlo" panose="020B0609030804020204" pitchFamily="49" charset="0"/>
-              </a:rPr>
-            </a:br>
-            <a:r>
-              <a:rPr lang="en-US" altLang="ko-Kore-KR" sz="800" b="0" dirty="0">
-                <a:effectLst/>
-                <a:latin typeface="Menlo" panose="020B0609030804020204" pitchFamily="49" charset="0"/>
-              </a:rPr>
-              <a:t>[</a:t>
-            </a:r>
-            <a:r>
-              <a:rPr lang="en-US" altLang="ko-Kore-KR" sz="800" b="0" dirty="0" err="1">
-                <a:effectLst/>
-                <a:latin typeface="Menlo" panose="020B0609030804020204" pitchFamily="49" charset="0"/>
-              </a:rPr>
-              <a:t>kubernetes.etcd</a:t>
-            </a:r>
-            <a:r>
-              <a:rPr lang="en-US" altLang="ko-Kore-KR" sz="800" b="0" dirty="0">
-                <a:effectLst/>
-                <a:latin typeface="Menlo" panose="020B0609030804020204" pitchFamily="49" charset="0"/>
-              </a:rPr>
-              <a:t>]</a:t>
-            </a:r>
-          </a:p>
-          <a:p>
-            <a:r>
-              <a:rPr lang="en-US" altLang="ko-Kore-KR" sz="800" b="0" dirty="0" err="1">
-                <a:effectLst/>
-                <a:latin typeface="Menlo" panose="020B0609030804020204" pitchFamily="49" charset="0"/>
-              </a:rPr>
-              <a:t>ip</a:t>
-            </a:r>
-            <a:r>
-              <a:rPr lang="en-US" altLang="ko-Kore-KR" sz="800" b="0" dirty="0">
-                <a:effectLst/>
-                <a:latin typeface="Menlo" panose="020B0609030804020204" pitchFamily="49" charset="0"/>
-              </a:rPr>
-              <a:t> = ["192.168.1.244"]</a:t>
-            </a:r>
-          </a:p>
-          <a:p>
-            <a:br>
-              <a:rPr lang="en-US" altLang="ko-Kore-KR" sz="800" b="0" dirty="0">
-                <a:effectLst/>
-                <a:latin typeface="Menlo" panose="020B0609030804020204" pitchFamily="49" charset="0"/>
-              </a:rPr>
-            </a:br>
-            <a:r>
-              <a:rPr lang="en-US" altLang="ko-Kore-KR" sz="800" b="0" dirty="0">
-                <a:effectLst/>
-                <a:latin typeface="Menlo" panose="020B0609030804020204" pitchFamily="49" charset="0"/>
-              </a:rPr>
-              <a:t>[node-pool]</a:t>
-            </a:r>
-          </a:p>
-          <a:p>
-            <a:r>
-              <a:rPr lang="en-US" altLang="ko-Kore-KR" sz="800" b="0" dirty="0">
-                <a:effectLst/>
-                <a:latin typeface="Menlo" panose="020B0609030804020204" pitchFamily="49" charset="0"/>
-              </a:rPr>
-              <a:t>data-</a:t>
-            </a:r>
-            <a:r>
-              <a:rPr lang="en-US" altLang="ko-Kore-KR" sz="800" b="0" dirty="0" err="1">
-                <a:effectLst/>
-                <a:latin typeface="Menlo" panose="020B0609030804020204" pitchFamily="49" charset="0"/>
-              </a:rPr>
-              <a:t>dir</a:t>
-            </a:r>
-            <a:r>
-              <a:rPr lang="en-US" altLang="ko-Kore-KR" sz="800" b="0" dirty="0">
-                <a:effectLst/>
-                <a:latin typeface="Menlo" panose="020B0609030804020204" pitchFamily="49" charset="0"/>
-              </a:rPr>
-              <a:t> = "/data"</a:t>
-            </a:r>
-          </a:p>
-          <a:p>
-            <a:br>
-              <a:rPr lang="en-US" altLang="ko-Kore-KR" sz="800" b="0" dirty="0">
-                <a:effectLst/>
-                <a:latin typeface="Menlo" panose="020B0609030804020204" pitchFamily="49" charset="0"/>
-              </a:rPr>
-            </a:br>
-            <a:r>
-              <a:rPr lang="en-US" altLang="ko-Kore-KR" sz="800" b="0" dirty="0">
-                <a:effectLst/>
-                <a:latin typeface="Menlo" panose="020B0609030804020204" pitchFamily="49" charset="0"/>
-              </a:rPr>
-              <a:t>[node-</a:t>
-            </a:r>
-            <a:r>
-              <a:rPr lang="en-US" altLang="ko-Kore-KR" sz="800" b="0" dirty="0" err="1">
-                <a:effectLst/>
-                <a:latin typeface="Menlo" panose="020B0609030804020204" pitchFamily="49" charset="0"/>
-              </a:rPr>
-              <a:t>pool.provider</a:t>
-            </a:r>
-            <a:r>
-              <a:rPr lang="en-US" altLang="ko-Kore-KR" sz="800" b="0" dirty="0">
-                <a:effectLst/>
-                <a:latin typeface="Menlo" panose="020B0609030804020204" pitchFamily="49" charset="0"/>
-              </a:rPr>
-              <a:t>]</a:t>
-            </a:r>
-          </a:p>
-          <a:p>
-            <a:r>
-              <a:rPr lang="en-US" altLang="ko-Kore-KR" sz="800" b="0" dirty="0">
-                <a:effectLst/>
-                <a:latin typeface="Menlo" panose="020B0609030804020204" pitchFamily="49" charset="0"/>
-              </a:rPr>
-              <a:t>name = "</a:t>
-            </a:r>
-            <a:r>
-              <a:rPr lang="en-US" altLang="ko-Kore-KR" sz="800" b="0" dirty="0" err="1">
-                <a:effectLst/>
-                <a:latin typeface="Menlo" panose="020B0609030804020204" pitchFamily="49" charset="0"/>
-              </a:rPr>
-              <a:t>onpremise</a:t>
-            </a:r>
-            <a:r>
-              <a:rPr lang="en-US" altLang="ko-Kore-KR" sz="800" b="0" dirty="0">
-                <a:effectLst/>
-                <a:latin typeface="Menlo" panose="020B0609030804020204" pitchFamily="49" charset="0"/>
-              </a:rPr>
-              <a:t>"</a:t>
-            </a:r>
-          </a:p>
-          <a:p>
-            <a:r>
-              <a:rPr lang="en-US" altLang="ko-Kore-KR" sz="800" b="0" dirty="0">
-                <a:effectLst/>
-                <a:latin typeface="Menlo" panose="020B0609030804020204" pitchFamily="49" charset="0"/>
-              </a:rPr>
-              <a:t>location = "default"</a:t>
-            </a:r>
-          </a:p>
-          <a:p>
-            <a:br>
-              <a:rPr lang="en-US" altLang="ko-Kore-KR" sz="800" b="0" dirty="0">
-                <a:effectLst/>
-                <a:latin typeface="Menlo" panose="020B0609030804020204" pitchFamily="49" charset="0"/>
-              </a:rPr>
-            </a:br>
-            <a:r>
-              <a:rPr lang="en-US" altLang="ko-Kore-KR" sz="800" b="0" dirty="0">
-                <a:effectLst/>
-                <a:latin typeface="Menlo" panose="020B0609030804020204" pitchFamily="49" charset="0"/>
-              </a:rPr>
-              <a:t>[node-</a:t>
-            </a:r>
-            <a:r>
-              <a:rPr lang="en-US" altLang="ko-Kore-KR" sz="800" b="0" dirty="0" err="1">
-                <a:effectLst/>
-                <a:latin typeface="Menlo" panose="020B0609030804020204" pitchFamily="49" charset="0"/>
-              </a:rPr>
-              <a:t>pool.security</a:t>
-            </a:r>
-            <a:r>
-              <a:rPr lang="en-US" altLang="ko-Kore-KR" sz="800" b="0" dirty="0">
-                <a:effectLst/>
-                <a:latin typeface="Menlo" panose="020B0609030804020204" pitchFamily="49" charset="0"/>
-              </a:rPr>
-              <a:t>]</a:t>
-            </a:r>
-          </a:p>
-          <a:p>
-            <a:r>
-              <a:rPr lang="en-US" altLang="ko-Kore-KR" sz="800" b="0" dirty="0" err="1">
-                <a:effectLst/>
-                <a:latin typeface="Menlo" panose="020B0609030804020204" pitchFamily="49" charset="0"/>
-              </a:rPr>
-              <a:t>ssh</a:t>
-            </a:r>
-            <a:r>
-              <a:rPr lang="en-US" altLang="ko-Kore-KR" sz="800" b="0" dirty="0">
-                <a:effectLst/>
-                <a:latin typeface="Menlo" panose="020B0609030804020204" pitchFamily="49" charset="0"/>
-              </a:rPr>
-              <a:t>-user-id = "root"</a:t>
-            </a:r>
-          </a:p>
-          <a:p>
-            <a:r>
-              <a:rPr lang="en-US" altLang="ko-Kore-KR" sz="800" b="0" dirty="0">
-                <a:effectLst/>
-                <a:latin typeface="Menlo" panose="020B0609030804020204" pitchFamily="49" charset="0"/>
-              </a:rPr>
-              <a:t>private-key-path = "</a:t>
-            </a:r>
-            <a:r>
-              <a:rPr lang="en-US" altLang="ko-Kore-KR" sz="800" b="0" dirty="0" err="1">
-                <a:effectLst/>
-                <a:latin typeface="Menlo" panose="020B0609030804020204" pitchFamily="49" charset="0"/>
-              </a:rPr>
-              <a:t>id_rsa</a:t>
-            </a:r>
-            <a:r>
-              <a:rPr lang="en-US" altLang="ko-Kore-KR" sz="800" b="0" dirty="0">
-                <a:effectLst/>
-                <a:latin typeface="Menlo" panose="020B0609030804020204" pitchFamily="49" charset="0"/>
-              </a:rPr>
-              <a:t>"</a:t>
-            </a:r>
-          </a:p>
-          <a:p>
-            <a:br>
-              <a:rPr lang="en-US" altLang="ko-Kore-KR" sz="800" b="0" dirty="0">
-                <a:effectLst/>
-                <a:latin typeface="Menlo" panose="020B0609030804020204" pitchFamily="49" charset="0"/>
-              </a:rPr>
-            </a:br>
-            <a:r>
-              <a:rPr lang="en-US" altLang="ko-Kore-KR" sz="800" b="0" dirty="0">
-                <a:effectLst/>
-                <a:latin typeface="Menlo" panose="020B0609030804020204" pitchFamily="49" charset="0"/>
-              </a:rPr>
-              <a:t>[node-</a:t>
-            </a:r>
-            <a:r>
-              <a:rPr lang="en-US" altLang="ko-Kore-KR" sz="800" b="0" dirty="0" err="1">
-                <a:effectLst/>
-                <a:latin typeface="Menlo" panose="020B0609030804020204" pitchFamily="49" charset="0"/>
-              </a:rPr>
-              <a:t>pool.master</a:t>
-            </a:r>
-            <a:r>
-              <a:rPr lang="en-US" altLang="ko-Kore-KR" sz="800" b="0" dirty="0">
-                <a:effectLst/>
-                <a:latin typeface="Menlo" panose="020B0609030804020204" pitchFamily="49" charset="0"/>
-              </a:rPr>
-              <a:t>]</a:t>
-            </a:r>
-          </a:p>
-          <a:p>
-            <a:r>
-              <a:rPr lang="en-US" altLang="ko-Kore-KR" sz="800" b="0" dirty="0" err="1">
-                <a:effectLst/>
-                <a:latin typeface="Menlo" panose="020B0609030804020204" pitchFamily="49" charset="0"/>
-              </a:rPr>
-              <a:t>ip</a:t>
-            </a:r>
-            <a:r>
-              <a:rPr lang="en-US" altLang="ko-Kore-KR" sz="800" b="0" dirty="0">
-                <a:effectLst/>
-                <a:latin typeface="Menlo" panose="020B0609030804020204" pitchFamily="49" charset="0"/>
-              </a:rPr>
-              <a:t> = ["192.168.1.244"]</a:t>
-            </a:r>
-          </a:p>
-          <a:p>
-            <a:r>
-              <a:rPr lang="en-US" altLang="ko-Kore-KR" sz="800" b="0" dirty="0">
-                <a:effectLst/>
-                <a:latin typeface="Menlo" panose="020B0609030804020204" pitchFamily="49" charset="0"/>
-              </a:rPr>
-              <a:t>internal-</a:t>
-            </a:r>
-            <a:r>
-              <a:rPr lang="en-US" altLang="ko-Kore-KR" sz="800" b="0" dirty="0" err="1">
-                <a:effectLst/>
-                <a:latin typeface="Menlo" panose="020B0609030804020204" pitchFamily="49" charset="0"/>
-              </a:rPr>
-              <a:t>lb</a:t>
-            </a:r>
-            <a:r>
-              <a:rPr lang="en-US" altLang="ko-Kore-KR" sz="800" b="0" dirty="0">
-                <a:effectLst/>
-                <a:latin typeface="Menlo" panose="020B0609030804020204" pitchFamily="49" charset="0"/>
-              </a:rPr>
-              <a:t> = "192.168.1.244"</a:t>
-            </a:r>
-          </a:p>
-          <a:p>
-            <a:r>
-              <a:rPr lang="en-US" altLang="ko-Kore-KR" sz="800" b="0" dirty="0">
-                <a:effectLst/>
-                <a:latin typeface="Menlo" panose="020B0609030804020204" pitchFamily="49" charset="0"/>
-              </a:rPr>
-              <a:t>external-</a:t>
-            </a:r>
-            <a:r>
-              <a:rPr lang="en-US" altLang="ko-Kore-KR" sz="800" b="0" dirty="0" err="1">
-                <a:effectLst/>
-                <a:latin typeface="Menlo" panose="020B0609030804020204" pitchFamily="49" charset="0"/>
-              </a:rPr>
-              <a:t>lb</a:t>
-            </a:r>
-            <a:r>
-              <a:rPr lang="en-US" altLang="ko-Kore-KR" sz="800" b="0" dirty="0">
-                <a:effectLst/>
-                <a:latin typeface="Menlo" panose="020B0609030804020204" pitchFamily="49" charset="0"/>
-              </a:rPr>
-              <a:t> = "192.168.1.244"</a:t>
-            </a:r>
-          </a:p>
-          <a:p>
-            <a:r>
-              <a:rPr lang="en-US" altLang="ko-Kore-KR" sz="800" b="0" dirty="0">
-                <a:effectLst/>
-                <a:latin typeface="Menlo" panose="020B0609030804020204" pitchFamily="49" charset="0"/>
-              </a:rPr>
-              <a:t>node-port-</a:t>
-            </a:r>
-            <a:r>
-              <a:rPr lang="en-US" altLang="ko-Kore-KR" sz="800" b="0" dirty="0" err="1">
-                <a:effectLst/>
-                <a:latin typeface="Menlo" panose="020B0609030804020204" pitchFamily="49" charset="0"/>
-              </a:rPr>
-              <a:t>url</a:t>
-            </a:r>
-            <a:r>
-              <a:rPr lang="en-US" altLang="ko-Kore-KR" sz="800" b="0" dirty="0">
-                <a:effectLst/>
-                <a:latin typeface="Menlo" panose="020B0609030804020204" pitchFamily="49" charset="0"/>
-              </a:rPr>
-              <a:t> = "192.168.1.244"</a:t>
-            </a:r>
-          </a:p>
-          <a:p>
-            <a:r>
-              <a:rPr lang="en-US" altLang="ko-Kore-KR" sz="800" b="0" dirty="0">
-                <a:effectLst/>
-                <a:latin typeface="Menlo" panose="020B0609030804020204" pitchFamily="49" charset="0"/>
-              </a:rPr>
-              <a:t>node-</a:t>
-            </a:r>
-            <a:r>
-              <a:rPr lang="en-US" altLang="ko-Kore-KR" sz="800" b="0" dirty="0" err="1">
-                <a:effectLst/>
-                <a:latin typeface="Menlo" panose="020B0609030804020204" pitchFamily="49" charset="0"/>
-              </a:rPr>
-              <a:t>portrange</a:t>
-            </a:r>
-            <a:r>
-              <a:rPr lang="en-US" altLang="ko-Kore-KR" sz="800" b="0" dirty="0">
-                <a:effectLst/>
-                <a:latin typeface="Menlo" panose="020B0609030804020204" pitchFamily="49" charset="0"/>
-              </a:rPr>
-              <a:t> = "30000-32767"</a:t>
-            </a:r>
-          </a:p>
-          <a:p>
-            <a:r>
-              <a:rPr lang="en-US" altLang="ko-Kore-KR" sz="800" b="0" dirty="0">
-                <a:effectLst/>
-                <a:latin typeface="Menlo" panose="020B0609030804020204" pitchFamily="49" charset="0"/>
-              </a:rPr>
-              <a:t>isolated = true </a:t>
-            </a:r>
-          </a:p>
-          <a:p>
-            <a:r>
-              <a:rPr lang="en-US" altLang="ko-Kore-KR" sz="800" b="0" dirty="0" err="1">
-                <a:effectLst/>
-                <a:latin typeface="Menlo" panose="020B0609030804020204" pitchFamily="49" charset="0"/>
-              </a:rPr>
-              <a:t>haproxy</a:t>
-            </a:r>
-            <a:r>
-              <a:rPr lang="en-US" altLang="ko-Kore-KR" sz="800" b="0" dirty="0">
-                <a:effectLst/>
-                <a:latin typeface="Menlo" panose="020B0609030804020204" pitchFamily="49" charset="0"/>
-              </a:rPr>
-              <a:t>-install = false </a:t>
-            </a:r>
-          </a:p>
-          <a:p>
-            <a:r>
-              <a:rPr lang="en-US" altLang="ko-Kore-KR" sz="800" b="0" dirty="0">
-                <a:effectLst/>
-                <a:latin typeface="Menlo" panose="020B0609030804020204" pitchFamily="49" charset="0"/>
-              </a:rPr>
-              <a:t>edge-install = true</a:t>
-            </a:r>
-          </a:p>
-          <a:p>
-            <a:br>
-              <a:rPr lang="en-US" altLang="ko-Kore-KR" sz="800" b="0" dirty="0">
-                <a:effectLst/>
-                <a:latin typeface="Menlo" panose="020B0609030804020204" pitchFamily="49" charset="0"/>
-              </a:rPr>
-            </a:br>
-            <a:r>
-              <a:rPr lang="en-US" altLang="ko-Kore-KR" sz="800" b="0" dirty="0">
-                <a:effectLst/>
-                <a:latin typeface="Menlo" panose="020B0609030804020204" pitchFamily="49" charset="0"/>
-              </a:rPr>
-              <a:t>[[node-</a:t>
-            </a:r>
-            <a:r>
-              <a:rPr lang="en-US" altLang="ko-Kore-KR" sz="800" b="0" dirty="0" err="1">
-                <a:effectLst/>
-                <a:latin typeface="Menlo" panose="020B0609030804020204" pitchFamily="49" charset="0"/>
-              </a:rPr>
-              <a:t>pool.nodes</a:t>
-            </a:r>
-            <a:r>
-              <a:rPr lang="en-US" altLang="ko-Kore-KR" sz="800" b="0" dirty="0">
-                <a:effectLst/>
-                <a:latin typeface="Menlo" panose="020B0609030804020204" pitchFamily="49" charset="0"/>
-              </a:rPr>
-              <a:t>]]</a:t>
-            </a:r>
-          </a:p>
-          <a:p>
-            <a:r>
-              <a:rPr lang="en-US" altLang="ko-Kore-KR" sz="800" b="0" dirty="0" err="1">
-                <a:effectLst/>
-                <a:latin typeface="Menlo" panose="020B0609030804020204" pitchFamily="49" charset="0"/>
-              </a:rPr>
-              <a:t>ip</a:t>
-            </a:r>
-            <a:r>
-              <a:rPr lang="en-US" altLang="ko-Kore-KR" sz="800" b="0" dirty="0">
-                <a:effectLst/>
-                <a:latin typeface="Menlo" panose="020B0609030804020204" pitchFamily="49" charset="0"/>
-              </a:rPr>
-              <a:t> = ["192.168.1.245"]</a:t>
-            </a:r>
-          </a:p>
-          <a:p>
-            <a:br>
-              <a:rPr lang="en-US" altLang="ko-Kore-KR" sz="800" b="0" dirty="0">
-                <a:effectLst/>
-                <a:latin typeface="Menlo" panose="020B0609030804020204" pitchFamily="49" charset="0"/>
-              </a:rPr>
-            </a:br>
-            <a:r>
-              <a:rPr lang="en-US" altLang="ko-Kore-KR" sz="800" b="0" dirty="0">
-                <a:effectLst/>
-                <a:latin typeface="Menlo" panose="020B0609030804020204" pitchFamily="49" charset="0"/>
-              </a:rPr>
-              <a:t>…</a:t>
-            </a:r>
-          </a:p>
-        </p:txBody>
-      </p:sp>
-      <p:sp>
-        <p:nvSpPr>
-          <p:cNvPr id="45" name="TextBox 44">
-            <a:extLst>
-              <a:ext uri="{FF2B5EF4-FFF2-40B4-BE49-F238E27FC236}">
-                <a16:creationId xmlns:a16="http://schemas.microsoft.com/office/drawing/2014/main" id="{2760D37C-F010-8248-A02B-E80D3719B7F2}"/>
-              </a:ext>
-            </a:extLst>
-          </p:cNvPr>
-          <p:cNvSpPr txBox="1"/>
-          <p:nvPr/>
-        </p:nvSpPr>
-        <p:spPr>
-          <a:xfrm>
-            <a:off x="5424505" y="1067420"/>
-            <a:ext cx="3825847" cy="2554545"/>
-          </a:xfrm>
-          <a:prstGeom prst="rect">
-            <a:avLst/>
-          </a:prstGeom>
-          <a:noFill/>
-          <a:ln>
-            <a:solidFill>
-              <a:schemeClr val="tx1"/>
-            </a:solidFill>
-          </a:ln>
-        </p:spPr>
-        <p:txBody>
-          <a:bodyPr wrap="square">
-            <a:spAutoFit/>
-          </a:bodyPr>
-          <a:lstStyle/>
-          <a:p>
-            <a:r>
-              <a:rPr lang="en-US" altLang="ko-Kore-KR" sz="800" dirty="0">
-                <a:latin typeface="Menlo" panose="020B0609030804020204" pitchFamily="49" charset="0"/>
-              </a:rPr>
-              <a:t># Inventory create by cube</a:t>
-            </a:r>
-          </a:p>
-          <a:p>
-            <a:endParaRPr lang="en-US" altLang="ko-Kore-KR" sz="800" dirty="0">
-              <a:latin typeface="Menlo" panose="020B0609030804020204" pitchFamily="49" charset="0"/>
-            </a:endParaRPr>
-          </a:p>
-          <a:p>
-            <a:r>
-              <a:rPr lang="en-US" altLang="ko-Kore-KR" sz="800" dirty="0">
-                <a:latin typeface="Menlo" panose="020B0609030804020204" pitchFamily="49" charset="0"/>
-              </a:rPr>
-              <a:t>master-192.168.117.182 </a:t>
-            </a:r>
-            <a:r>
-              <a:rPr lang="en-US" altLang="ko-Kore-KR" sz="800" dirty="0" err="1">
-                <a:latin typeface="Menlo" panose="020B0609030804020204" pitchFamily="49" charset="0"/>
-              </a:rPr>
-              <a:t>ansible_ssh_host</a:t>
-            </a:r>
-            <a:r>
-              <a:rPr lang="en-US" altLang="ko-Kore-KR" sz="800" dirty="0">
-                <a:latin typeface="Menlo" panose="020B0609030804020204" pitchFamily="49" charset="0"/>
-              </a:rPr>
-              <a:t>=192.168.117.182 </a:t>
-            </a:r>
-            <a:r>
-              <a:rPr lang="en-US" altLang="ko-Kore-KR" sz="800" dirty="0" err="1">
-                <a:latin typeface="Menlo" panose="020B0609030804020204" pitchFamily="49" charset="0"/>
-              </a:rPr>
-              <a:t>ip</a:t>
-            </a:r>
-            <a:r>
-              <a:rPr lang="en-US" altLang="ko-Kore-KR" sz="800" dirty="0">
-                <a:latin typeface="Menlo" panose="020B0609030804020204" pitchFamily="49" charset="0"/>
-              </a:rPr>
-              <a:t>=192.168.117.182 </a:t>
-            </a:r>
-            <a:r>
-              <a:rPr lang="en-US" altLang="ko-Kore-KR" sz="800" dirty="0" err="1">
-                <a:latin typeface="Menlo" panose="020B0609030804020204" pitchFamily="49" charset="0"/>
-              </a:rPr>
-              <a:t>ansible_port</a:t>
-            </a:r>
-            <a:r>
-              <a:rPr lang="en-US" altLang="ko-Kore-KR" sz="800" dirty="0">
-                <a:latin typeface="Menlo" panose="020B0609030804020204" pitchFamily="49" charset="0"/>
-              </a:rPr>
-              <a:t>=22</a:t>
-            </a:r>
-          </a:p>
-          <a:p>
-            <a:r>
-              <a:rPr lang="en-US" altLang="ko-Kore-KR" sz="800" dirty="0">
-                <a:latin typeface="Menlo" panose="020B0609030804020204" pitchFamily="49" charset="0"/>
-              </a:rPr>
-              <a:t>etcd-192.168.117.182 </a:t>
-            </a:r>
-            <a:r>
-              <a:rPr lang="en-US" altLang="ko-Kore-KR" sz="800" dirty="0" err="1">
-                <a:latin typeface="Menlo" panose="020B0609030804020204" pitchFamily="49" charset="0"/>
-              </a:rPr>
-              <a:t>ansible_ssh_host</a:t>
-            </a:r>
-            <a:r>
-              <a:rPr lang="en-US" altLang="ko-Kore-KR" sz="800" dirty="0">
-                <a:latin typeface="Menlo" panose="020B0609030804020204" pitchFamily="49" charset="0"/>
-              </a:rPr>
-              <a:t>=192.168.117.182 </a:t>
-            </a:r>
-            <a:r>
-              <a:rPr lang="en-US" altLang="ko-Kore-KR" sz="800" dirty="0" err="1">
-                <a:latin typeface="Menlo" panose="020B0609030804020204" pitchFamily="49" charset="0"/>
-              </a:rPr>
-              <a:t>ip</a:t>
-            </a:r>
-            <a:r>
-              <a:rPr lang="en-US" altLang="ko-Kore-KR" sz="800" dirty="0">
-                <a:latin typeface="Menlo" panose="020B0609030804020204" pitchFamily="49" charset="0"/>
-              </a:rPr>
-              <a:t>=192.168.117.182 </a:t>
-            </a:r>
-            <a:r>
-              <a:rPr lang="en-US" altLang="ko-Kore-KR" sz="800" dirty="0" err="1">
-                <a:latin typeface="Menlo" panose="020B0609030804020204" pitchFamily="49" charset="0"/>
-              </a:rPr>
-              <a:t>ansible_port</a:t>
-            </a:r>
-            <a:r>
-              <a:rPr lang="en-US" altLang="ko-Kore-KR" sz="800" dirty="0">
-                <a:latin typeface="Menlo" panose="020B0609030804020204" pitchFamily="49" charset="0"/>
-              </a:rPr>
-              <a:t>=22</a:t>
-            </a:r>
-          </a:p>
-          <a:p>
-            <a:r>
-              <a:rPr lang="en-US" altLang="ko-Kore-KR" sz="800" dirty="0">
-                <a:latin typeface="Menlo" panose="020B0609030804020204" pitchFamily="49" charset="0"/>
-              </a:rPr>
-              <a:t>edge-192.168.117.182 </a:t>
-            </a:r>
-            <a:r>
-              <a:rPr lang="en-US" altLang="ko-Kore-KR" sz="800" dirty="0" err="1">
-                <a:latin typeface="Menlo" panose="020B0609030804020204" pitchFamily="49" charset="0"/>
-              </a:rPr>
-              <a:t>ansible_ssh_host</a:t>
-            </a:r>
-            <a:r>
-              <a:rPr lang="en-US" altLang="ko-Kore-KR" sz="800" dirty="0">
-                <a:latin typeface="Menlo" panose="020B0609030804020204" pitchFamily="49" charset="0"/>
-              </a:rPr>
-              <a:t>=192.168.117.182 </a:t>
-            </a:r>
-            <a:r>
-              <a:rPr lang="en-US" altLang="ko-Kore-KR" sz="800" dirty="0" err="1">
-                <a:latin typeface="Menlo" panose="020B0609030804020204" pitchFamily="49" charset="0"/>
-              </a:rPr>
-              <a:t>ip</a:t>
-            </a:r>
-            <a:r>
-              <a:rPr lang="en-US" altLang="ko-Kore-KR" sz="800" dirty="0">
-                <a:latin typeface="Menlo" panose="020B0609030804020204" pitchFamily="49" charset="0"/>
-              </a:rPr>
-              <a:t>=192.168.117.182 </a:t>
-            </a:r>
-            <a:r>
-              <a:rPr lang="en-US" altLang="ko-Kore-KR" sz="800" dirty="0" err="1">
-                <a:latin typeface="Menlo" panose="020B0609030804020204" pitchFamily="49" charset="0"/>
-              </a:rPr>
-              <a:t>ansible_port</a:t>
-            </a:r>
-            <a:r>
-              <a:rPr lang="en-US" altLang="ko-Kore-KR" sz="800" dirty="0">
-                <a:latin typeface="Menlo" panose="020B0609030804020204" pitchFamily="49" charset="0"/>
-              </a:rPr>
-              <a:t>=22</a:t>
-            </a:r>
-          </a:p>
-          <a:p>
-            <a:r>
-              <a:rPr lang="en-US" altLang="ko-Kore-KR" sz="800" dirty="0">
-                <a:latin typeface="Menlo" panose="020B0609030804020204" pitchFamily="49" charset="0"/>
-              </a:rPr>
-              <a:t>registry-192.168.117.190 </a:t>
-            </a:r>
-            <a:r>
-              <a:rPr lang="en-US" altLang="ko-Kore-KR" sz="800" dirty="0" err="1">
-                <a:latin typeface="Menlo" panose="020B0609030804020204" pitchFamily="49" charset="0"/>
-              </a:rPr>
-              <a:t>ansible_ssh_host</a:t>
-            </a:r>
-            <a:r>
-              <a:rPr lang="en-US" altLang="ko-Kore-KR" sz="800" dirty="0">
-                <a:latin typeface="Menlo" panose="020B0609030804020204" pitchFamily="49" charset="0"/>
-              </a:rPr>
-              <a:t>=192.168.117.190 </a:t>
-            </a:r>
-            <a:r>
-              <a:rPr lang="en-US" altLang="ko-Kore-KR" sz="800" dirty="0" err="1">
-                <a:latin typeface="Menlo" panose="020B0609030804020204" pitchFamily="49" charset="0"/>
-              </a:rPr>
-              <a:t>ip</a:t>
-            </a:r>
-            <a:r>
-              <a:rPr lang="en-US" altLang="ko-Kore-KR" sz="800" dirty="0">
-                <a:latin typeface="Menlo" panose="020B0609030804020204" pitchFamily="49" charset="0"/>
-              </a:rPr>
-              <a:t>=192.168.117.190 </a:t>
-            </a:r>
-            <a:r>
-              <a:rPr lang="en-US" altLang="ko-Kore-KR" sz="800" dirty="0" err="1">
-                <a:latin typeface="Menlo" panose="020B0609030804020204" pitchFamily="49" charset="0"/>
-              </a:rPr>
-              <a:t>ansible_port</a:t>
-            </a:r>
-            <a:r>
-              <a:rPr lang="en-US" altLang="ko-Kore-KR" sz="800" dirty="0">
-                <a:latin typeface="Menlo" panose="020B0609030804020204" pitchFamily="49" charset="0"/>
-              </a:rPr>
-              <a:t>=22</a:t>
-            </a:r>
-          </a:p>
-          <a:p>
-            <a:endParaRPr lang="en-US" altLang="ko-Kore-KR" sz="800" dirty="0">
-              <a:latin typeface="Menlo" panose="020B0609030804020204" pitchFamily="49" charset="0"/>
-            </a:endParaRPr>
-          </a:p>
-          <a:p>
-            <a:r>
-              <a:rPr lang="en-US" altLang="ko-Kore-KR" sz="800" dirty="0">
-                <a:latin typeface="Menlo" panose="020B0609030804020204" pitchFamily="49" charset="0"/>
-              </a:rPr>
-              <a:t>[</a:t>
-            </a:r>
-            <a:r>
-              <a:rPr lang="en-US" altLang="ko-Kore-KR" sz="800" dirty="0" err="1">
-                <a:latin typeface="Menlo" panose="020B0609030804020204" pitchFamily="49" charset="0"/>
-              </a:rPr>
-              <a:t>etcd</a:t>
-            </a:r>
-            <a:r>
-              <a:rPr lang="en-US" altLang="ko-Kore-KR" sz="800" dirty="0">
-                <a:latin typeface="Menlo" panose="020B0609030804020204" pitchFamily="49" charset="0"/>
-              </a:rPr>
-              <a:t>]</a:t>
-            </a:r>
-          </a:p>
-          <a:p>
-            <a:r>
-              <a:rPr lang="en-US" altLang="ko-Kore-KR" sz="800" dirty="0">
-                <a:latin typeface="Menlo" panose="020B0609030804020204" pitchFamily="49" charset="0"/>
-              </a:rPr>
-              <a:t>etcd-192.168.117.182</a:t>
-            </a:r>
-          </a:p>
-          <a:p>
-            <a:endParaRPr lang="en-US" altLang="ko-Kore-KR" sz="800" dirty="0">
-              <a:latin typeface="Menlo" panose="020B0609030804020204" pitchFamily="49" charset="0"/>
-            </a:endParaRPr>
-          </a:p>
-          <a:p>
-            <a:r>
-              <a:rPr lang="en-US" altLang="ko-Kore-KR" sz="800" dirty="0">
-                <a:latin typeface="Menlo" panose="020B0609030804020204" pitchFamily="49" charset="0"/>
-              </a:rPr>
-              <a:t>[</a:t>
-            </a:r>
-            <a:r>
-              <a:rPr lang="en-US" altLang="ko-Kore-KR" sz="800" dirty="0" err="1">
-                <a:latin typeface="Menlo" panose="020B0609030804020204" pitchFamily="49" charset="0"/>
-              </a:rPr>
-              <a:t>etcd</a:t>
-            </a:r>
-            <a:r>
-              <a:rPr lang="en-US" altLang="ko-Kore-KR" sz="800" dirty="0">
-                <a:latin typeface="Menlo" panose="020B0609030804020204" pitchFamily="49" charset="0"/>
-              </a:rPr>
-              <a:t>-private]</a:t>
-            </a:r>
-          </a:p>
-          <a:p>
-            <a:r>
-              <a:rPr lang="en-US" altLang="ko-Kore-KR" sz="800" dirty="0">
-                <a:latin typeface="Menlo" panose="020B0609030804020204" pitchFamily="49" charset="0"/>
-              </a:rPr>
-              <a:t>etcd-192.168.117.182</a:t>
-            </a:r>
-          </a:p>
-          <a:p>
-            <a:endParaRPr lang="en-US" altLang="ko-Kore-KR" sz="800" dirty="0">
-              <a:latin typeface="Menlo" panose="020B0609030804020204" pitchFamily="49" charset="0"/>
-            </a:endParaRPr>
-          </a:p>
-          <a:p>
-            <a:r>
-              <a:rPr lang="en-US" altLang="ko-Kore-KR" sz="800" dirty="0">
-                <a:latin typeface="Menlo" panose="020B0609030804020204" pitchFamily="49" charset="0"/>
-              </a:rPr>
-              <a:t>[masters]</a:t>
-            </a:r>
-          </a:p>
-          <a:p>
-            <a:r>
-              <a:rPr lang="en-US" altLang="ko-Kore-KR" sz="800" dirty="0">
-                <a:latin typeface="Menlo" panose="020B0609030804020204" pitchFamily="49" charset="0"/>
-              </a:rPr>
-              <a:t>master-192.168.117.182</a:t>
-            </a:r>
-          </a:p>
-          <a:p>
-            <a:r>
-              <a:rPr lang="en-US" altLang="ko-Kore-KR" sz="800" dirty="0">
-                <a:latin typeface="Menlo" panose="020B0609030804020204" pitchFamily="49" charset="0"/>
-              </a:rPr>
-              <a:t>…</a:t>
-            </a:r>
-            <a:endParaRPr lang="en-US" altLang="ko-Kore-KR" sz="800" b="0" dirty="0">
-              <a:effectLst/>
-              <a:latin typeface="Menlo" panose="020B0609030804020204" pitchFamily="49" charset="0"/>
-            </a:endParaRPr>
-          </a:p>
-        </p:txBody>
-      </p:sp>
-      <p:sp>
-        <p:nvSpPr>
-          <p:cNvPr id="46" name="오른쪽 화살표 365">
-            <a:extLst>
-              <a:ext uri="{FF2B5EF4-FFF2-40B4-BE49-F238E27FC236}">
-                <a16:creationId xmlns:a16="http://schemas.microsoft.com/office/drawing/2014/main" id="{CA207FCA-8048-654D-BA59-2EAA3E075083}"/>
-              </a:ext>
-            </a:extLst>
-          </p:cNvPr>
-          <p:cNvSpPr/>
-          <p:nvPr/>
-        </p:nvSpPr>
-        <p:spPr>
-          <a:xfrm>
-            <a:off x="4467100" y="3387910"/>
-            <a:ext cx="818340" cy="468110"/>
-          </a:xfrm>
-          <a:prstGeom prst="rightArrow">
-            <a:avLst>
-              <a:gd name="adj1" fmla="val 26212"/>
-              <a:gd name="adj2" fmla="val 37801"/>
-            </a:avLst>
-          </a:prstGeom>
-          <a:solidFill>
-            <a:schemeClr val="bg1">
-              <a:lumMod val="65000"/>
-            </a:schemeClr>
-          </a:solidFill>
-          <a:ln w="12700" cap="flat" cmpd="sng" algn="ctr">
-            <a:noFill/>
-            <a:prstDash val="solid"/>
-            <a:miter lim="800000"/>
-          </a:ln>
-          <a:effectLst/>
-        </p:spPr>
-        <p:txBody>
-          <a:bodyPr lIns="0" tIns="0" rIns="0" bIns="0" rtlCol="0" anchor="ctr"/>
-          <a:lstStyle/>
-          <a:p>
-            <a:pPr algn="ctr" fontAlgn="base" latinLnBrk="0">
-              <a:spcAft>
-                <a:spcPct val="0"/>
-              </a:spcAft>
-            </a:pPr>
-            <a:endParaRPr kumimoji="1" lang="ko-KR" altLang="en-US" sz="1400" kern="0">
-              <a:solidFill>
-                <a:prstClr val="black"/>
-              </a:solidFill>
-              <a:latin typeface="맑은 고딕" panose="020B0503020000020004" pitchFamily="50" charset="-127"/>
-            </a:endParaRPr>
-          </a:p>
-        </p:txBody>
-      </p:sp>
-      <p:sp>
-        <p:nvSpPr>
-          <p:cNvPr id="47" name="TextBox 46">
-            <a:extLst>
-              <a:ext uri="{FF2B5EF4-FFF2-40B4-BE49-F238E27FC236}">
-                <a16:creationId xmlns:a16="http://schemas.microsoft.com/office/drawing/2014/main" id="{E41949BB-542F-8042-B036-E7DED40BDAE4}"/>
-              </a:ext>
-            </a:extLst>
-          </p:cNvPr>
-          <p:cNvSpPr txBox="1"/>
-          <p:nvPr/>
-        </p:nvSpPr>
-        <p:spPr>
-          <a:xfrm>
-            <a:off x="5424504" y="3923641"/>
-            <a:ext cx="3825847" cy="2800767"/>
-          </a:xfrm>
-          <a:prstGeom prst="rect">
-            <a:avLst/>
-          </a:prstGeom>
-          <a:noFill/>
-          <a:ln>
-            <a:solidFill>
-              <a:schemeClr val="tx1"/>
-            </a:solidFill>
-          </a:ln>
-        </p:spPr>
-        <p:txBody>
-          <a:bodyPr wrap="square">
-            <a:spAutoFit/>
-          </a:bodyPr>
-          <a:lstStyle/>
-          <a:p>
-            <a:r>
-              <a:rPr lang="en-US" altLang="ko-Kore-KR" sz="800" dirty="0">
-                <a:latin typeface="Menlo" panose="020B0609030804020204" pitchFamily="49" charset="0"/>
-              </a:rPr>
-              <a:t>provider: false</a:t>
-            </a:r>
-          </a:p>
-          <a:p>
-            <a:r>
-              <a:rPr lang="en-US" altLang="ko-Kore-KR" sz="800" dirty="0" err="1">
-                <a:latin typeface="Menlo" panose="020B0609030804020204" pitchFamily="49" charset="0"/>
-              </a:rPr>
-              <a:t>closed_network</a:t>
-            </a:r>
-            <a:r>
-              <a:rPr lang="en-US" altLang="ko-Kore-KR" sz="800" dirty="0">
-                <a:latin typeface="Menlo" panose="020B0609030804020204" pitchFamily="49" charset="0"/>
-              </a:rPr>
-              <a:t>: true</a:t>
-            </a:r>
-          </a:p>
-          <a:p>
-            <a:r>
-              <a:rPr lang="en-US" altLang="ko-Kore-KR" sz="800" dirty="0" err="1">
-                <a:latin typeface="Menlo" panose="020B0609030804020204" pitchFamily="49" charset="0"/>
-              </a:rPr>
-              <a:t>release_name</a:t>
-            </a:r>
-            <a:r>
-              <a:rPr lang="en-US" altLang="ko-Kore-KR" sz="800" dirty="0">
-                <a:latin typeface="Menlo" panose="020B0609030804020204" pitchFamily="49" charset="0"/>
-              </a:rPr>
-              <a:t>: cocktail</a:t>
-            </a:r>
-          </a:p>
-          <a:p>
-            <a:r>
-              <a:rPr lang="en-US" altLang="ko-Kore-KR" sz="800" dirty="0" err="1">
-                <a:latin typeface="Menlo" panose="020B0609030804020204" pitchFamily="49" charset="0"/>
-              </a:rPr>
-              <a:t>release_ver</a:t>
-            </a:r>
-            <a:r>
-              <a:rPr lang="en-US" altLang="ko-Kore-KR" sz="800" dirty="0">
-                <a:latin typeface="Menlo" panose="020B0609030804020204" pitchFamily="49" charset="0"/>
-              </a:rPr>
-              <a:t>: ""</a:t>
-            </a:r>
-          </a:p>
-          <a:p>
-            <a:r>
-              <a:rPr lang="en-US" altLang="ko-Kore-KR" sz="800" dirty="0" err="1">
-                <a:latin typeface="Menlo" panose="020B0609030804020204" pitchFamily="49" charset="0"/>
-              </a:rPr>
-              <a:t>cloud_provider</a:t>
-            </a:r>
-            <a:r>
-              <a:rPr lang="en-US" altLang="ko-Kore-KR" sz="800" dirty="0">
-                <a:latin typeface="Menlo" panose="020B0609030804020204" pitchFamily="49" charset="0"/>
-              </a:rPr>
-              <a:t>: </a:t>
-            </a:r>
-            <a:r>
-              <a:rPr lang="en-US" altLang="ko-Kore-KR" sz="800" dirty="0" err="1">
-                <a:latin typeface="Menlo" panose="020B0609030804020204" pitchFamily="49" charset="0"/>
-              </a:rPr>
-              <a:t>onpremise</a:t>
-            </a:r>
-            <a:endParaRPr lang="en-US" altLang="ko-Kore-KR" sz="800" dirty="0">
-              <a:latin typeface="Menlo" panose="020B0609030804020204" pitchFamily="49" charset="0"/>
-            </a:endParaRPr>
-          </a:p>
-          <a:p>
-            <a:r>
-              <a:rPr lang="en-US" altLang="ko-Kore-KR" sz="800" dirty="0" err="1">
-                <a:latin typeface="Menlo" panose="020B0609030804020204" pitchFamily="49" charset="0"/>
-              </a:rPr>
-              <a:t>kube_config_dir</a:t>
-            </a:r>
-            <a:r>
-              <a:rPr lang="en-US" altLang="ko-Kore-KR" sz="800" dirty="0">
-                <a:latin typeface="Menlo" panose="020B0609030804020204" pitchFamily="49" charset="0"/>
-              </a:rPr>
-              <a:t>: /</a:t>
-            </a:r>
-            <a:r>
-              <a:rPr lang="en-US" altLang="ko-Kore-KR" sz="800" dirty="0" err="1">
-                <a:latin typeface="Menlo" panose="020B0609030804020204" pitchFamily="49" charset="0"/>
-              </a:rPr>
-              <a:t>etc</a:t>
-            </a:r>
-            <a:r>
-              <a:rPr lang="en-US" altLang="ko-Kore-KR" sz="800" dirty="0">
-                <a:latin typeface="Menlo" panose="020B0609030804020204" pitchFamily="49" charset="0"/>
-              </a:rPr>
-              <a:t>/</a:t>
-            </a:r>
-            <a:r>
-              <a:rPr lang="en-US" altLang="ko-Kore-KR" sz="800" dirty="0" err="1">
-                <a:latin typeface="Menlo" panose="020B0609030804020204" pitchFamily="49" charset="0"/>
-              </a:rPr>
-              <a:t>kubernetes</a:t>
-            </a:r>
-            <a:endParaRPr lang="en-US" altLang="ko-Kore-KR" sz="800" dirty="0">
-              <a:latin typeface="Menlo" panose="020B0609030804020204" pitchFamily="49" charset="0"/>
-            </a:endParaRPr>
-          </a:p>
-          <a:p>
-            <a:r>
-              <a:rPr lang="en-US" altLang="ko-Kore-KR" sz="800" dirty="0" err="1">
-                <a:latin typeface="Menlo" panose="020B0609030804020204" pitchFamily="49" charset="0"/>
-              </a:rPr>
-              <a:t>manifest_config_dir</a:t>
-            </a:r>
-            <a:r>
-              <a:rPr lang="en-US" altLang="ko-Kore-KR" sz="800" dirty="0">
-                <a:latin typeface="Menlo" panose="020B0609030804020204" pitchFamily="49" charset="0"/>
-              </a:rPr>
-              <a:t>: /</a:t>
-            </a:r>
-            <a:r>
-              <a:rPr lang="en-US" altLang="ko-Kore-KR" sz="800" dirty="0" err="1">
-                <a:latin typeface="Menlo" panose="020B0609030804020204" pitchFamily="49" charset="0"/>
-              </a:rPr>
-              <a:t>etc</a:t>
-            </a:r>
-            <a:r>
-              <a:rPr lang="en-US" altLang="ko-Kore-KR" sz="800" dirty="0">
-                <a:latin typeface="Menlo" panose="020B0609030804020204" pitchFamily="49" charset="0"/>
-              </a:rPr>
-              <a:t>/</a:t>
-            </a:r>
-            <a:r>
-              <a:rPr lang="en-US" altLang="ko-Kore-KR" sz="800" dirty="0" err="1">
-                <a:latin typeface="Menlo" panose="020B0609030804020204" pitchFamily="49" charset="0"/>
-              </a:rPr>
-              <a:t>kubernetes</a:t>
-            </a:r>
-            <a:r>
-              <a:rPr lang="en-US" altLang="ko-Kore-KR" sz="800" dirty="0">
-                <a:latin typeface="Menlo" panose="020B0609030804020204" pitchFamily="49" charset="0"/>
-              </a:rPr>
-              <a:t>/manifests</a:t>
-            </a:r>
-          </a:p>
-          <a:p>
-            <a:r>
-              <a:rPr lang="en-US" altLang="ko-Kore-KR" sz="800" dirty="0" err="1">
-                <a:latin typeface="Menlo" panose="020B0609030804020204" pitchFamily="49" charset="0"/>
-              </a:rPr>
-              <a:t>cert_dir</a:t>
-            </a:r>
-            <a:r>
-              <a:rPr lang="en-US" altLang="ko-Kore-KR" sz="800" dirty="0">
-                <a:latin typeface="Menlo" panose="020B0609030804020204" pitchFamily="49" charset="0"/>
-              </a:rPr>
-              <a:t>: /</a:t>
-            </a:r>
-            <a:r>
-              <a:rPr lang="en-US" altLang="ko-Kore-KR" sz="800" dirty="0" err="1">
-                <a:latin typeface="Menlo" panose="020B0609030804020204" pitchFamily="49" charset="0"/>
-              </a:rPr>
-              <a:t>etc</a:t>
-            </a:r>
-            <a:r>
-              <a:rPr lang="en-US" altLang="ko-Kore-KR" sz="800" dirty="0">
-                <a:latin typeface="Menlo" panose="020B0609030804020204" pitchFamily="49" charset="0"/>
-              </a:rPr>
-              <a:t>/</a:t>
-            </a:r>
-            <a:r>
-              <a:rPr lang="en-US" altLang="ko-Kore-KR" sz="800" dirty="0" err="1">
-                <a:latin typeface="Menlo" panose="020B0609030804020204" pitchFamily="49" charset="0"/>
-              </a:rPr>
-              <a:t>kubernetes</a:t>
-            </a:r>
-            <a:r>
-              <a:rPr lang="en-US" altLang="ko-Kore-KR" sz="800" dirty="0">
-                <a:latin typeface="Menlo" panose="020B0609030804020204" pitchFamily="49" charset="0"/>
-              </a:rPr>
-              <a:t>/</a:t>
-            </a:r>
-            <a:r>
-              <a:rPr lang="en-US" altLang="ko-Kore-KR" sz="800" dirty="0" err="1">
-                <a:latin typeface="Menlo" panose="020B0609030804020204" pitchFamily="49" charset="0"/>
-              </a:rPr>
-              <a:t>pki</a:t>
-            </a:r>
-            <a:endParaRPr lang="en-US" altLang="ko-Kore-KR" sz="800" dirty="0">
-              <a:latin typeface="Menlo" panose="020B0609030804020204" pitchFamily="49" charset="0"/>
-            </a:endParaRPr>
-          </a:p>
-          <a:p>
-            <a:r>
-              <a:rPr lang="en-US" altLang="ko-Kore-KR" sz="800" dirty="0" err="1">
-                <a:latin typeface="Menlo" panose="020B0609030804020204" pitchFamily="49" charset="0"/>
-              </a:rPr>
-              <a:t>master_cert_dir</a:t>
-            </a:r>
-            <a:r>
-              <a:rPr lang="en-US" altLang="ko-Kore-KR" sz="800" dirty="0">
-                <a:latin typeface="Menlo" panose="020B0609030804020204" pitchFamily="49" charset="0"/>
-              </a:rPr>
-              <a:t>: /opt/</a:t>
-            </a:r>
-            <a:r>
-              <a:rPr lang="en-US" altLang="ko-Kore-KR" sz="800" dirty="0" err="1">
-                <a:latin typeface="Menlo" panose="020B0609030804020204" pitchFamily="49" charset="0"/>
-              </a:rPr>
-              <a:t>kubernetes</a:t>
-            </a:r>
-            <a:r>
-              <a:rPr lang="en-US" altLang="ko-Kore-KR" sz="800" dirty="0">
-                <a:latin typeface="Menlo" panose="020B0609030804020204" pitchFamily="49" charset="0"/>
-              </a:rPr>
-              <a:t>/</a:t>
-            </a:r>
-            <a:r>
-              <a:rPr lang="en-US" altLang="ko-Kore-KR" sz="800" dirty="0" err="1">
-                <a:latin typeface="Menlo" panose="020B0609030804020204" pitchFamily="49" charset="0"/>
-              </a:rPr>
-              <a:t>pki</a:t>
-            </a:r>
-            <a:endParaRPr lang="en-US" altLang="ko-Kore-KR" sz="800" dirty="0">
-              <a:latin typeface="Menlo" panose="020B0609030804020204" pitchFamily="49" charset="0"/>
-            </a:endParaRPr>
-          </a:p>
-          <a:p>
-            <a:r>
-              <a:rPr lang="en-US" altLang="ko-Kore-KR" sz="800" dirty="0" err="1">
-                <a:latin typeface="Menlo" panose="020B0609030804020204" pitchFamily="49" charset="0"/>
-              </a:rPr>
-              <a:t>kube_addon_dir</a:t>
-            </a:r>
-            <a:r>
-              <a:rPr lang="en-US" altLang="ko-Kore-KR" sz="800" dirty="0">
-                <a:latin typeface="Menlo" panose="020B0609030804020204" pitchFamily="49" charset="0"/>
-              </a:rPr>
-              <a:t>: /</a:t>
-            </a:r>
-            <a:r>
-              <a:rPr lang="en-US" altLang="ko-Kore-KR" sz="800" dirty="0" err="1">
-                <a:latin typeface="Menlo" panose="020B0609030804020204" pitchFamily="49" charset="0"/>
-              </a:rPr>
-              <a:t>etc</a:t>
-            </a:r>
-            <a:r>
-              <a:rPr lang="en-US" altLang="ko-Kore-KR" sz="800" dirty="0">
-                <a:latin typeface="Menlo" panose="020B0609030804020204" pitchFamily="49" charset="0"/>
-              </a:rPr>
-              <a:t>/</a:t>
-            </a:r>
-            <a:r>
-              <a:rPr lang="en-US" altLang="ko-Kore-KR" sz="800" dirty="0" err="1">
-                <a:latin typeface="Menlo" panose="020B0609030804020204" pitchFamily="49" charset="0"/>
-              </a:rPr>
-              <a:t>kubernetes</a:t>
-            </a:r>
-            <a:r>
-              <a:rPr lang="en-US" altLang="ko-Kore-KR" sz="800" dirty="0">
-                <a:latin typeface="Menlo" panose="020B0609030804020204" pitchFamily="49" charset="0"/>
-              </a:rPr>
-              <a:t>/addon</a:t>
-            </a:r>
-          </a:p>
-          <a:p>
-            <a:r>
-              <a:rPr lang="en-US" altLang="ko-Kore-KR" sz="800" dirty="0" err="1">
-                <a:latin typeface="Menlo" panose="020B0609030804020204" pitchFamily="49" charset="0"/>
-              </a:rPr>
-              <a:t>data_root_dir</a:t>
-            </a:r>
-            <a:r>
-              <a:rPr lang="en-US" altLang="ko-Kore-KR" sz="800" dirty="0">
-                <a:latin typeface="Menlo" panose="020B0609030804020204" pitchFamily="49" charset="0"/>
-              </a:rPr>
-              <a:t>: /data</a:t>
-            </a:r>
-          </a:p>
-          <a:p>
-            <a:r>
-              <a:rPr lang="en-US" altLang="ko-Kore-KR" sz="800" dirty="0">
-                <a:latin typeface="Menlo" panose="020B0609030804020204" pitchFamily="49" charset="0"/>
-              </a:rPr>
-              <a:t>k8s_version: 1.18.4</a:t>
-            </a:r>
-          </a:p>
-          <a:p>
-            <a:r>
-              <a:rPr lang="en-US" altLang="ko-Kore-KR" sz="800" dirty="0" err="1">
-                <a:latin typeface="Menlo" panose="020B0609030804020204" pitchFamily="49" charset="0"/>
-              </a:rPr>
-              <a:t>api_image</a:t>
-            </a:r>
-            <a:r>
-              <a:rPr lang="en-US" altLang="ko-Kore-KR" sz="800" dirty="0">
-                <a:latin typeface="Menlo" panose="020B0609030804020204" pitchFamily="49" charset="0"/>
-              </a:rPr>
-              <a:t>: 192.168.117.190/</a:t>
-            </a:r>
-            <a:r>
-              <a:rPr lang="en-US" altLang="ko-Kore-KR" sz="800" dirty="0" err="1">
-                <a:latin typeface="Menlo" panose="020B0609030804020204" pitchFamily="49" charset="0"/>
-              </a:rPr>
-              <a:t>google_containers</a:t>
-            </a:r>
-            <a:r>
-              <a:rPr lang="en-US" altLang="ko-Kore-KR" sz="800" dirty="0">
-                <a:latin typeface="Menlo" panose="020B0609030804020204" pitchFamily="49" charset="0"/>
-              </a:rPr>
-              <a:t>/kube-apiserver-amd64:1.18.4</a:t>
-            </a:r>
-          </a:p>
-          <a:p>
-            <a:r>
-              <a:rPr lang="en-US" altLang="ko-Kore-KR" sz="800" dirty="0" err="1">
-                <a:latin typeface="Menlo" panose="020B0609030804020204" pitchFamily="49" charset="0"/>
-              </a:rPr>
-              <a:t>controller_image</a:t>
-            </a:r>
-            <a:r>
-              <a:rPr lang="en-US" altLang="ko-Kore-KR" sz="800" dirty="0">
-                <a:latin typeface="Menlo" panose="020B0609030804020204" pitchFamily="49" charset="0"/>
-              </a:rPr>
-              <a:t>: 192.168.117.190/</a:t>
-            </a:r>
-            <a:r>
-              <a:rPr lang="en-US" altLang="ko-Kore-KR" sz="800" dirty="0" err="1">
-                <a:latin typeface="Menlo" panose="020B0609030804020204" pitchFamily="49" charset="0"/>
-              </a:rPr>
-              <a:t>google_containers</a:t>
-            </a:r>
-            <a:r>
-              <a:rPr lang="en-US" altLang="ko-Kore-KR" sz="800" dirty="0">
-                <a:latin typeface="Menlo" panose="020B0609030804020204" pitchFamily="49" charset="0"/>
-              </a:rPr>
-              <a:t>/kube-controller-manager-amd64:1.18.4</a:t>
-            </a:r>
-          </a:p>
-          <a:p>
-            <a:r>
-              <a:rPr lang="en-US" altLang="ko-Kore-KR" sz="800" dirty="0" err="1">
-                <a:latin typeface="Menlo" panose="020B0609030804020204" pitchFamily="49" charset="0"/>
-              </a:rPr>
-              <a:t>scheduler_image</a:t>
-            </a:r>
-            <a:r>
-              <a:rPr lang="en-US" altLang="ko-Kore-KR" sz="800" dirty="0">
-                <a:latin typeface="Menlo" panose="020B0609030804020204" pitchFamily="49" charset="0"/>
-              </a:rPr>
-              <a:t>: 192.168.117.190/</a:t>
-            </a:r>
-            <a:r>
-              <a:rPr lang="en-US" altLang="ko-Kore-KR" sz="800" dirty="0" err="1">
-                <a:latin typeface="Menlo" panose="020B0609030804020204" pitchFamily="49" charset="0"/>
-              </a:rPr>
-              <a:t>google_containers</a:t>
-            </a:r>
-            <a:r>
-              <a:rPr lang="en-US" altLang="ko-Kore-KR" sz="800" dirty="0">
-                <a:latin typeface="Menlo" panose="020B0609030804020204" pitchFamily="49" charset="0"/>
-              </a:rPr>
-              <a:t>/kube-scheduler-amd64:1.18.4</a:t>
-            </a:r>
-          </a:p>
-          <a:p>
-            <a:r>
-              <a:rPr lang="en-US" altLang="ko-Kore-KR" sz="800" dirty="0" err="1">
-                <a:latin typeface="Menlo" panose="020B0609030804020204" pitchFamily="49" charset="0"/>
-              </a:rPr>
-              <a:t>cluster_id</a:t>
-            </a:r>
-            <a:r>
-              <a:rPr lang="en-US" altLang="ko-Kore-KR" sz="800" dirty="0">
-                <a:latin typeface="Menlo" panose="020B0609030804020204" pitchFamily="49" charset="0"/>
-              </a:rPr>
-              <a:t>: lab01-cluster</a:t>
-            </a:r>
-          </a:p>
-          <a:p>
-            <a:r>
-              <a:rPr lang="en-US" altLang="ko-Kore-KR" sz="800" dirty="0" err="1">
-                <a:latin typeface="Menlo" panose="020B0609030804020204" pitchFamily="49" charset="0"/>
-              </a:rPr>
-              <a:t>service_ip_range</a:t>
-            </a:r>
-            <a:r>
-              <a:rPr lang="en-US" altLang="ko-Kore-KR" sz="800" dirty="0">
-                <a:latin typeface="Menlo" panose="020B0609030804020204" pitchFamily="49" charset="0"/>
-              </a:rPr>
-              <a:t>: 10.96.0.0/12</a:t>
-            </a:r>
-          </a:p>
-          <a:p>
-            <a:r>
-              <a:rPr lang="en-US" altLang="ko-Kore-KR" sz="800" dirty="0" err="1">
-                <a:latin typeface="Menlo" panose="020B0609030804020204" pitchFamily="49" charset="0"/>
-              </a:rPr>
-              <a:t>pod_ip_range</a:t>
-            </a:r>
-            <a:r>
-              <a:rPr lang="en-US" altLang="ko-Kore-KR" sz="800" dirty="0">
-                <a:latin typeface="Menlo" panose="020B0609030804020204" pitchFamily="49" charset="0"/>
-              </a:rPr>
-              <a:t>: 10.32.0.0/12</a:t>
-            </a:r>
-          </a:p>
-          <a:p>
-            <a:r>
-              <a:rPr lang="en-US" altLang="ko-Kore-KR" sz="800" dirty="0">
-                <a:latin typeface="Menlo" panose="020B0609030804020204" pitchFamily="49" charset="0"/>
-              </a:rPr>
-              <a:t>…</a:t>
-            </a:r>
-          </a:p>
-        </p:txBody>
-      </p:sp>
-      <p:sp>
-        <p:nvSpPr>
-          <p:cNvPr id="48" name="TextBox 47">
-            <a:extLst>
-              <a:ext uri="{FF2B5EF4-FFF2-40B4-BE49-F238E27FC236}">
-                <a16:creationId xmlns:a16="http://schemas.microsoft.com/office/drawing/2014/main" id="{7FFD267E-A409-2F4B-87D4-3FF674386BC7}"/>
-              </a:ext>
-            </a:extLst>
-          </p:cNvPr>
-          <p:cNvSpPr txBox="1"/>
-          <p:nvPr/>
-        </p:nvSpPr>
-        <p:spPr>
-          <a:xfrm>
-            <a:off x="728758" y="732254"/>
-            <a:ext cx="2468353" cy="276999"/>
-          </a:xfrm>
-          <a:prstGeom prst="rect">
-            <a:avLst/>
-          </a:prstGeom>
-          <a:noFill/>
-        </p:spPr>
-        <p:txBody>
-          <a:bodyPr wrap="square" rtlCol="0">
-            <a:spAutoFit/>
-          </a:bodyPr>
-          <a:lstStyle/>
-          <a:p>
-            <a:r>
-              <a:rPr kumimoji="1" lang="en-US" altLang="ko-KR" sz="1200" dirty="0" err="1">
-                <a:latin typeface="+mn-ea"/>
-              </a:rPr>
-              <a:t>cube.toml</a:t>
-            </a:r>
-            <a:r>
-              <a:rPr kumimoji="1" lang="ko-KR" altLang="en-US" sz="1200" dirty="0">
-                <a:latin typeface="+mn-ea"/>
-              </a:rPr>
-              <a:t> 예</a:t>
-            </a:r>
-            <a:endParaRPr kumimoji="1" lang="en-US" altLang="ko-KR" sz="1200" dirty="0">
-              <a:latin typeface="+mn-ea"/>
-            </a:endParaRPr>
-          </a:p>
-        </p:txBody>
-      </p:sp>
-      <p:sp>
-        <p:nvSpPr>
-          <p:cNvPr id="49" name="TextBox 48">
-            <a:extLst>
-              <a:ext uri="{FF2B5EF4-FFF2-40B4-BE49-F238E27FC236}">
-                <a16:creationId xmlns:a16="http://schemas.microsoft.com/office/drawing/2014/main" id="{3A05D84A-3EC7-6440-89EB-C051FA08CB58}"/>
-              </a:ext>
-            </a:extLst>
-          </p:cNvPr>
-          <p:cNvSpPr txBox="1"/>
-          <p:nvPr/>
-        </p:nvSpPr>
-        <p:spPr>
-          <a:xfrm>
-            <a:off x="5748442" y="778083"/>
-            <a:ext cx="2468353" cy="276999"/>
-          </a:xfrm>
-          <a:prstGeom prst="rect">
-            <a:avLst/>
-          </a:prstGeom>
-          <a:noFill/>
-        </p:spPr>
-        <p:txBody>
-          <a:bodyPr wrap="square" rtlCol="0">
-            <a:spAutoFit/>
-          </a:bodyPr>
-          <a:lstStyle/>
-          <a:p>
-            <a:r>
-              <a:rPr kumimoji="1" lang="en-US" altLang="ko-KR" sz="1200" dirty="0">
-                <a:latin typeface="+mn-ea"/>
-              </a:rPr>
-              <a:t>inventory </a:t>
-            </a:r>
-            <a:r>
-              <a:rPr kumimoji="1" lang="ko-KR" altLang="en-US" sz="1200" dirty="0">
-                <a:latin typeface="+mn-ea"/>
-              </a:rPr>
-              <a:t>생성</a:t>
-            </a:r>
-            <a:endParaRPr kumimoji="1" lang="en-US" altLang="ko-KR" sz="1200" dirty="0">
-              <a:latin typeface="+mn-ea"/>
-            </a:endParaRPr>
-          </a:p>
-        </p:txBody>
-      </p:sp>
-      <p:sp>
-        <p:nvSpPr>
-          <p:cNvPr id="51" name="TextBox 50">
-            <a:extLst>
-              <a:ext uri="{FF2B5EF4-FFF2-40B4-BE49-F238E27FC236}">
-                <a16:creationId xmlns:a16="http://schemas.microsoft.com/office/drawing/2014/main" id="{7CA5A96B-E91B-7549-AFEE-75FC309C6F01}"/>
-              </a:ext>
-            </a:extLst>
-          </p:cNvPr>
-          <p:cNvSpPr txBox="1"/>
-          <p:nvPr/>
-        </p:nvSpPr>
-        <p:spPr>
-          <a:xfrm>
-            <a:off x="5624549" y="3646642"/>
-            <a:ext cx="2468353" cy="276999"/>
-          </a:xfrm>
-          <a:prstGeom prst="rect">
-            <a:avLst/>
-          </a:prstGeom>
-          <a:noFill/>
-        </p:spPr>
-        <p:txBody>
-          <a:bodyPr wrap="square" rtlCol="0">
-            <a:spAutoFit/>
-          </a:bodyPr>
-          <a:lstStyle/>
-          <a:p>
-            <a:r>
-              <a:rPr kumimoji="1" lang="en-US" altLang="ko-KR" sz="1200" dirty="0">
-                <a:latin typeface="+mn-ea"/>
-              </a:rPr>
-              <a:t>ansible </a:t>
-            </a:r>
-            <a:r>
-              <a:rPr kumimoji="1" lang="ko-KR" altLang="en-US" sz="1200" dirty="0">
-                <a:latin typeface="+mn-ea"/>
-              </a:rPr>
-              <a:t>변수 </a:t>
-            </a:r>
-            <a:r>
-              <a:rPr kumimoji="1" lang="en-US" altLang="ko-KR" sz="1200" dirty="0">
-                <a:latin typeface="+mn-ea"/>
-              </a:rPr>
-              <a:t>file(</a:t>
-            </a:r>
-            <a:r>
-              <a:rPr kumimoji="1" lang="en-US" altLang="ko-KR" sz="1200" dirty="0" err="1">
-                <a:latin typeface="+mn-ea"/>
-              </a:rPr>
-              <a:t>all.yaml</a:t>
-            </a:r>
-            <a:r>
-              <a:rPr kumimoji="1" lang="en-US" altLang="ko-KR" sz="1200" dirty="0">
-                <a:latin typeface="+mn-ea"/>
-              </a:rPr>
-              <a:t>) </a:t>
-            </a:r>
-            <a:r>
-              <a:rPr kumimoji="1" lang="ko-KR" altLang="en-US" sz="1200" dirty="0">
-                <a:latin typeface="+mn-ea"/>
-              </a:rPr>
-              <a:t>생성</a:t>
-            </a:r>
-            <a:endParaRPr kumimoji="1" lang="en-US" altLang="ko-KR" sz="1200" dirty="0">
-              <a:latin typeface="+mn-ea"/>
-            </a:endParaRPr>
-          </a:p>
-        </p:txBody>
-      </p:sp>
-    </p:spTree>
-    <p:extLst>
-      <p:ext uri="{BB962C8B-B14F-4D97-AF65-F5344CB8AC3E}">
-        <p14:creationId xmlns:p14="http://schemas.microsoft.com/office/powerpoint/2010/main" val="3430804914"/>
-      </p:ext>
-    </p:extLst>
-  </p:cSld>
-  <p:clrMapOvr>
-    <a:masterClrMapping/>
-  </p:clrMapOvr>
-  <p:transition/>
-</p:sld>
-</file>
-
-<file path=ppt/slides/slide4.xml><?xml version="1.0" encoding="utf-8"?>
-<p:sld xmlns:a="http://schemas.openxmlformats.org/drawingml/2006/main" xmlns:r="http://schemas.openxmlformats.org/officeDocument/2006/relationships" xmlns:p="http://schemas.openxmlformats.org/presentationml/2006/main">
-  <p:cSld>
-    <p:spTree>
-      <p:nvGrpSpPr>
-        <p:cNvPr id="1" name=""/>
-        <p:cNvGrpSpPr/>
-        <p:nvPr/>
-      </p:nvGrpSpPr>
-      <p:grpSpPr>
-        <a:xfrm>
-          <a:off x="0" y="0"/>
-          <a:ext cx="0" cy="0"/>
-          <a:chOff x="0" y="0"/>
-          <a:chExt cx="0" cy="0"/>
-        </a:xfrm>
-      </p:grpSpPr>
-      <p:sp>
-        <p:nvSpPr>
-          <p:cNvPr id="2" name="제목 1">
-            <a:extLst>
-              <a:ext uri="{FF2B5EF4-FFF2-40B4-BE49-F238E27FC236}">
-                <a16:creationId xmlns:a16="http://schemas.microsoft.com/office/drawing/2014/main" id="{71AD2D92-4BF1-F248-8EA6-039E6B17E1EC}"/>
-              </a:ext>
-            </a:extLst>
-          </p:cNvPr>
-          <p:cNvSpPr>
-            <a:spLocks noGrp="1"/>
-          </p:cNvSpPr>
-          <p:nvPr>
-            <p:ph type="title"/>
-          </p:nvPr>
-        </p:nvSpPr>
-        <p:spPr>
-          <a:xfrm>
-            <a:off x="576146" y="0"/>
-            <a:ext cx="7604468" cy="695577"/>
-          </a:xfrm>
-        </p:spPr>
-        <p:txBody>
-          <a:bodyPr>
-            <a:normAutofit/>
-          </a:bodyPr>
-          <a:lstStyle/>
-          <a:p>
-            <a:r>
-              <a:rPr kumimoji="1" lang="ko-KR" altLang="en-US" dirty="0"/>
-              <a:t>개선점 및 해야 할일</a:t>
-            </a:r>
-          </a:p>
-        </p:txBody>
-      </p:sp>
-      <p:sp>
-        <p:nvSpPr>
-          <p:cNvPr id="20" name="텍스트 개체 틀 2">
-            <a:extLst>
-              <a:ext uri="{FF2B5EF4-FFF2-40B4-BE49-F238E27FC236}">
-                <a16:creationId xmlns:a16="http://schemas.microsoft.com/office/drawing/2014/main" id="{5C7F4271-B352-EC4F-8C69-B8896385F961}"/>
-              </a:ext>
-            </a:extLst>
-          </p:cNvPr>
-          <p:cNvSpPr txBox="1">
-            <a:spLocks/>
-          </p:cNvSpPr>
-          <p:nvPr/>
-        </p:nvSpPr>
-        <p:spPr>
-          <a:xfrm>
-            <a:off x="452405" y="857232"/>
-            <a:ext cx="8958295" cy="5289568"/>
-          </a:xfrm>
-          <a:prstGeom prst="rect">
-            <a:avLst/>
-          </a:prstGeom>
-        </p:spPr>
-        <p:txBody>
-          <a:bodyPr lIns="90000" tIns="36000" rIns="90000" bIns="36000" anchor="t"/>
-          <a:lstStyle>
-            <a:lvl1pPr marL="0" indent="0">
-              <a:lnSpc>
-                <a:spcPts val="1800"/>
-              </a:lnSpc>
-              <a:buNone/>
-              <a:defRPr sz="1200" b="0">
-                <a:solidFill>
-                  <a:schemeClr val="tx1">
-                    <a:lumMod val="65000"/>
-                    <a:lumOff val="35000"/>
-                  </a:schemeClr>
-                </a:solidFill>
-                <a:latin typeface="YDIYGo530" pitchFamily="18" charset="-127"/>
-                <a:ea typeface="YDIYGo530" pitchFamily="18" charset="-127"/>
-              </a:defRPr>
-            </a:lvl1pPr>
-            <a:lvl2pPr marL="457200" indent="0">
-              <a:buNone/>
-              <a:defRPr sz="2000" b="1"/>
-            </a:lvl2pPr>
-            <a:lvl3pPr marL="914400" indent="0">
-              <a:buNone/>
-              <a:defRPr sz="1800" b="1"/>
-            </a:lvl3pPr>
-            <a:lvl4pPr marL="1371600" indent="0">
-              <a:buNone/>
-              <a:defRPr sz="1600" b="1"/>
-            </a:lvl4pPr>
-            <a:lvl5pPr marL="1828800" indent="0">
-              <a:buNone/>
-              <a:defRPr sz="1600" b="1"/>
-            </a:lvl5pPr>
-            <a:lvl6pPr marL="2286000" indent="0">
-              <a:buNone/>
-              <a:defRPr sz="1600" b="1"/>
-            </a:lvl6pPr>
-            <a:lvl7pPr marL="2743200" indent="0">
-              <a:buNone/>
-              <a:defRPr sz="1600" b="1"/>
-            </a:lvl7pPr>
-            <a:lvl8pPr marL="3200400" indent="0">
-              <a:buNone/>
-              <a:defRPr sz="1600" b="1"/>
-            </a:lvl8pPr>
-            <a:lvl9pPr marL="3657600" indent="0">
-              <a:buNone/>
-              <a:defRPr sz="1600" b="1"/>
-            </a:lvl9pPr>
-          </a:lstStyle>
-          <a:p>
-            <a:pPr algn="just" eaLnBrk="0" hangingPunct="0">
-              <a:spcBef>
-                <a:spcPct val="20000"/>
-              </a:spcBef>
-              <a:buSzPct val="70000"/>
-              <a:defRPr/>
-            </a:pPr>
-            <a:r>
-              <a:rPr kumimoji="1" lang="en-US" altLang="ko-KR" sz="1400" kern="0" dirty="0">
-                <a:solidFill>
-                  <a:schemeClr val="tx1"/>
-                </a:solidFill>
-                <a:latin typeface="+mn-ea"/>
-                <a:ea typeface="+mn-ea"/>
-              </a:rPr>
-              <a:t>1. </a:t>
-            </a:r>
-            <a:r>
-              <a:rPr kumimoji="1" lang="en-US" altLang="ko-KR" sz="1400" kern="0" dirty="0" err="1">
-                <a:solidFill>
-                  <a:schemeClr val="tx1"/>
-                </a:solidFill>
-                <a:latin typeface="+mn-ea"/>
-                <a:ea typeface="+mn-ea"/>
-              </a:rPr>
-              <a:t>toml</a:t>
-            </a:r>
-            <a:r>
-              <a:rPr kumimoji="1" lang="ko-KR" altLang="en-US" sz="1400" kern="0" dirty="0">
-                <a:solidFill>
-                  <a:schemeClr val="tx1"/>
-                </a:solidFill>
-                <a:latin typeface="+mn-ea"/>
-                <a:ea typeface="+mn-ea"/>
-              </a:rPr>
-              <a:t>파일에서 </a:t>
-            </a:r>
-            <a:r>
-              <a:rPr kumimoji="1" lang="en-US" altLang="ko-KR" sz="1400" kern="0" dirty="0">
-                <a:solidFill>
-                  <a:schemeClr val="tx1"/>
-                </a:solidFill>
-                <a:latin typeface="+mn-ea"/>
-                <a:ea typeface="+mn-ea"/>
-              </a:rPr>
-              <a:t>ansible </a:t>
-            </a:r>
-            <a:r>
-              <a:rPr kumimoji="1" lang="ko-KR" altLang="en-US" sz="1400" kern="0" dirty="0">
-                <a:solidFill>
-                  <a:schemeClr val="tx1"/>
-                </a:solidFill>
-                <a:latin typeface="+mn-ea"/>
-                <a:ea typeface="+mn-ea"/>
-              </a:rPr>
-              <a:t>에서 사용하는 파일로 </a:t>
-            </a:r>
-            <a:r>
-              <a:rPr kumimoji="1" lang="en-US" altLang="ko-KR" sz="1400" kern="0" dirty="0">
-                <a:solidFill>
-                  <a:schemeClr val="tx1"/>
-                </a:solidFill>
-                <a:latin typeface="+mn-ea"/>
-                <a:ea typeface="+mn-ea"/>
-              </a:rPr>
-              <a:t>mapping</a:t>
-            </a:r>
-            <a:r>
-              <a:rPr kumimoji="1" lang="ko-KR" altLang="en-US" sz="1400" kern="0" dirty="0">
-                <a:solidFill>
-                  <a:schemeClr val="tx1"/>
-                </a:solidFill>
-                <a:latin typeface="+mn-ea"/>
-                <a:ea typeface="+mn-ea"/>
-              </a:rPr>
-              <a:t>과정이 있어 필드 추가</a:t>
-            </a:r>
-            <a:r>
-              <a:rPr kumimoji="1" lang="en-US" altLang="ko-KR" sz="1400" kern="0" dirty="0">
-                <a:solidFill>
-                  <a:schemeClr val="tx1"/>
-                </a:solidFill>
-                <a:latin typeface="+mn-ea"/>
-                <a:ea typeface="+mn-ea"/>
-              </a:rPr>
-              <a:t>/</a:t>
-            </a:r>
-            <a:r>
-              <a:rPr kumimoji="1" lang="ko-KR" altLang="en-US" sz="1400" kern="0" dirty="0" err="1">
-                <a:solidFill>
-                  <a:schemeClr val="tx1"/>
-                </a:solidFill>
-                <a:latin typeface="+mn-ea"/>
-                <a:ea typeface="+mn-ea"/>
-              </a:rPr>
-              <a:t>삭제시</a:t>
-            </a:r>
-            <a:r>
-              <a:rPr kumimoji="1" lang="ko-KR" altLang="en-US" sz="1400" kern="0" dirty="0">
-                <a:solidFill>
-                  <a:schemeClr val="tx1"/>
-                </a:solidFill>
-                <a:latin typeface="+mn-ea"/>
-                <a:ea typeface="+mn-ea"/>
-              </a:rPr>
-              <a:t> </a:t>
-            </a:r>
-            <a:r>
-              <a:rPr kumimoji="1" lang="en-US" altLang="ko-KR" sz="1400" kern="0" dirty="0">
-                <a:solidFill>
-                  <a:schemeClr val="tx1"/>
-                </a:solidFill>
-                <a:latin typeface="+mn-ea"/>
-                <a:ea typeface="+mn-ea"/>
-              </a:rPr>
-              <a:t>cli</a:t>
-            </a:r>
-            <a:r>
-              <a:rPr kumimoji="1" lang="ko-KR" altLang="en-US" sz="1400" kern="0" dirty="0">
-                <a:solidFill>
-                  <a:schemeClr val="tx1"/>
-                </a:solidFill>
-                <a:latin typeface="+mn-ea"/>
-                <a:ea typeface="+mn-ea"/>
-              </a:rPr>
-              <a:t>와 </a:t>
-            </a:r>
-            <a:r>
-              <a:rPr kumimoji="1" lang="en-US" altLang="ko-KR" sz="1400" kern="0" dirty="0">
-                <a:solidFill>
-                  <a:schemeClr val="tx1"/>
-                </a:solidFill>
-                <a:latin typeface="+mn-ea"/>
-                <a:ea typeface="+mn-ea"/>
-              </a:rPr>
-              <a:t>ansible script</a:t>
-            </a:r>
-            <a:r>
-              <a:rPr kumimoji="1" lang="ko-KR" altLang="en-US" sz="1400" kern="0" dirty="0">
-                <a:solidFill>
-                  <a:schemeClr val="tx1"/>
-                </a:solidFill>
-                <a:latin typeface="+mn-ea"/>
-                <a:ea typeface="+mn-ea"/>
-              </a:rPr>
-              <a:t> 모두 수정해야 함</a:t>
-            </a:r>
-            <a:r>
-              <a:rPr kumimoji="1" lang="en-US" altLang="ko-KR" sz="1400" kern="0" dirty="0">
-                <a:solidFill>
-                  <a:schemeClr val="tx1"/>
-                </a:solidFill>
-                <a:latin typeface="+mn-ea"/>
-                <a:ea typeface="+mn-ea"/>
-              </a:rPr>
-              <a:t>.</a:t>
-            </a:r>
-          </a:p>
-          <a:p>
-            <a:pPr algn="just" eaLnBrk="0" hangingPunct="0">
-              <a:spcBef>
-                <a:spcPct val="20000"/>
-              </a:spcBef>
-              <a:buSzPct val="70000"/>
-              <a:defRPr/>
-            </a:pPr>
-            <a:r>
-              <a:rPr kumimoji="1" lang="en-US" altLang="ko-KR" sz="1400" kern="0" dirty="0">
-                <a:solidFill>
-                  <a:schemeClr val="tx1"/>
-                </a:solidFill>
-                <a:latin typeface="+mn-ea"/>
-                <a:ea typeface="+mn-ea"/>
-              </a:rPr>
-              <a:t>=&gt;</a:t>
-            </a:r>
-            <a:r>
-              <a:rPr kumimoji="1" lang="ko-KR" altLang="en-US" sz="1400" kern="0" dirty="0">
-                <a:solidFill>
-                  <a:schemeClr val="tx1"/>
-                </a:solidFill>
-                <a:latin typeface="+mn-ea"/>
-                <a:ea typeface="+mn-ea"/>
-              </a:rPr>
-              <a:t> </a:t>
-            </a:r>
-            <a:r>
-              <a:rPr kumimoji="1" lang="en-US" altLang="ko-KR" sz="1400" kern="0" dirty="0">
-                <a:solidFill>
-                  <a:schemeClr val="tx1"/>
-                </a:solidFill>
-                <a:latin typeface="+mn-ea"/>
-                <a:ea typeface="+mn-ea"/>
-              </a:rPr>
-              <a:t>ansible inventory, variable </a:t>
-            </a:r>
-            <a:r>
-              <a:rPr kumimoji="1" lang="ko-KR" altLang="en-US" sz="1400" kern="0" dirty="0">
-                <a:solidFill>
-                  <a:schemeClr val="tx1"/>
-                </a:solidFill>
-                <a:latin typeface="+mn-ea"/>
-                <a:ea typeface="+mn-ea"/>
-              </a:rPr>
-              <a:t>파일을 공통으로 사용하도록 개선</a:t>
-            </a:r>
-            <a:endParaRPr kumimoji="1" lang="en-US" altLang="ko-KR" sz="1400" kern="0" dirty="0">
-              <a:solidFill>
-                <a:schemeClr val="tx1"/>
-              </a:solidFill>
-              <a:latin typeface="+mn-ea"/>
-              <a:ea typeface="+mn-ea"/>
-            </a:endParaRPr>
-          </a:p>
-          <a:p>
-            <a:pPr algn="just" eaLnBrk="0" hangingPunct="0">
-              <a:spcBef>
-                <a:spcPct val="20000"/>
-              </a:spcBef>
-              <a:buSzPct val="70000"/>
-              <a:defRPr/>
-            </a:pPr>
-            <a:endParaRPr kumimoji="1" lang="en-US" altLang="ko-KR" sz="1400" kern="0" dirty="0">
-              <a:solidFill>
-                <a:schemeClr val="tx1"/>
-              </a:solidFill>
-              <a:latin typeface="+mn-ea"/>
-            </a:endParaRPr>
-          </a:p>
-          <a:p>
-            <a:pPr algn="just" eaLnBrk="0" hangingPunct="0">
-              <a:spcBef>
-                <a:spcPct val="20000"/>
-              </a:spcBef>
-              <a:buSzPct val="70000"/>
-              <a:defRPr/>
-            </a:pPr>
-            <a:r>
-              <a:rPr kumimoji="1" lang="en-US" altLang="ko-KR" sz="1400" kern="0" dirty="0">
-                <a:solidFill>
-                  <a:schemeClr val="tx1"/>
-                </a:solidFill>
-                <a:latin typeface="+mn-ea"/>
-              </a:rPr>
-              <a:t>2. Ansible Task</a:t>
-            </a:r>
-            <a:r>
-              <a:rPr kumimoji="1" lang="ko-KR" altLang="en-US" sz="1400" kern="0" dirty="0" err="1">
-                <a:solidFill>
-                  <a:schemeClr val="tx1"/>
-                </a:solidFill>
-                <a:latin typeface="+mn-ea"/>
-              </a:rPr>
-              <a:t>를</a:t>
-            </a:r>
-            <a:r>
-              <a:rPr kumimoji="1" lang="ko-KR" altLang="en-US" sz="1400" kern="0" dirty="0">
-                <a:solidFill>
-                  <a:schemeClr val="tx1"/>
-                </a:solidFill>
-                <a:latin typeface="+mn-ea"/>
-              </a:rPr>
-              <a:t> 디버깅</a:t>
-            </a:r>
-            <a:r>
-              <a:rPr kumimoji="1" lang="en-US" altLang="ko-KR" sz="1400" kern="0" dirty="0">
-                <a:solidFill>
-                  <a:schemeClr val="tx1"/>
-                </a:solidFill>
-                <a:latin typeface="+mn-ea"/>
-              </a:rPr>
-              <a:t>(step by step)</a:t>
-            </a:r>
-            <a:r>
-              <a:rPr kumimoji="1" lang="ko-KR" altLang="en-US" sz="1400" kern="0" dirty="0">
-                <a:solidFill>
-                  <a:schemeClr val="tx1"/>
-                </a:solidFill>
-                <a:latin typeface="+mn-ea"/>
-              </a:rPr>
-              <a:t>할 수 있는 기능 추가 필요</a:t>
-            </a:r>
-            <a:r>
-              <a:rPr kumimoji="1" lang="en-US" altLang="ko-KR" sz="1400" kern="0" dirty="0">
-                <a:solidFill>
-                  <a:schemeClr val="tx1"/>
-                </a:solidFill>
-                <a:latin typeface="+mn-ea"/>
-              </a:rPr>
-              <a:t>.</a:t>
-            </a:r>
-          </a:p>
-          <a:p>
-            <a:pPr algn="just" eaLnBrk="0" hangingPunct="0">
-              <a:spcBef>
-                <a:spcPct val="20000"/>
-              </a:spcBef>
-              <a:buSzPct val="70000"/>
-              <a:defRPr/>
-            </a:pPr>
-            <a:endParaRPr kumimoji="1" lang="en-US" altLang="ko-KR" sz="1400" kern="0" dirty="0">
-              <a:solidFill>
-                <a:schemeClr val="tx1"/>
-              </a:solidFill>
-              <a:latin typeface="+mn-ea"/>
-            </a:endParaRPr>
-          </a:p>
-          <a:p>
-            <a:pPr algn="just" eaLnBrk="0" hangingPunct="0">
-              <a:spcBef>
-                <a:spcPct val="20000"/>
-              </a:spcBef>
-              <a:buSzPct val="70000"/>
-              <a:defRPr/>
-            </a:pPr>
-            <a:r>
-              <a:rPr kumimoji="1" lang="en-US" altLang="ko-KR" sz="1400" kern="0" dirty="0">
-                <a:solidFill>
-                  <a:schemeClr val="tx1"/>
-                </a:solidFill>
-                <a:latin typeface="+mn-ea"/>
-              </a:rPr>
-              <a:t>3.</a:t>
-            </a:r>
-            <a:r>
-              <a:rPr kumimoji="1" lang="ko-KR" altLang="en-US" sz="1400" kern="0" dirty="0">
-                <a:solidFill>
-                  <a:schemeClr val="tx1"/>
-                </a:solidFill>
-                <a:latin typeface="+mn-ea"/>
-              </a:rPr>
-              <a:t> </a:t>
-            </a:r>
-            <a:r>
-              <a:rPr kumimoji="1" lang="en-US" altLang="ko-KR" sz="1400" kern="0" dirty="0" err="1">
-                <a:solidFill>
-                  <a:schemeClr val="tx1"/>
-                </a:solidFill>
-                <a:latin typeface="+mn-ea"/>
-              </a:rPr>
-              <a:t>edge_cubesvc</a:t>
-            </a:r>
-            <a:r>
-              <a:rPr kumimoji="1" lang="ko-KR" altLang="en-US" sz="1400" kern="0" dirty="0">
-                <a:solidFill>
-                  <a:schemeClr val="tx1"/>
-                </a:solidFill>
-                <a:latin typeface="+mn-ea"/>
-              </a:rPr>
-              <a:t> 제거</a:t>
-            </a:r>
-            <a:endParaRPr kumimoji="1" lang="en-US" altLang="ko-KR" sz="1400" kern="0" dirty="0">
-              <a:solidFill>
-                <a:schemeClr val="tx1"/>
-              </a:solidFill>
-              <a:latin typeface="+mn-ea"/>
-            </a:endParaRPr>
-          </a:p>
-          <a:p>
-            <a:pPr algn="just" eaLnBrk="0" hangingPunct="0">
-              <a:spcBef>
-                <a:spcPct val="20000"/>
-              </a:spcBef>
-              <a:buSzPct val="70000"/>
-              <a:defRPr/>
-            </a:pPr>
-            <a:endParaRPr kumimoji="1" lang="en-US" altLang="ko-KR" sz="1400" kern="0" dirty="0">
-              <a:solidFill>
-                <a:schemeClr val="tx1"/>
-              </a:solidFill>
-              <a:latin typeface="+mn-ea"/>
-            </a:endParaRPr>
-          </a:p>
-          <a:p>
-            <a:pPr algn="just" eaLnBrk="0" hangingPunct="0">
-              <a:spcBef>
-                <a:spcPct val="20000"/>
-              </a:spcBef>
-              <a:buSzPct val="70000"/>
-              <a:defRPr/>
-            </a:pPr>
-            <a:r>
-              <a:rPr kumimoji="1" lang="en-US" altLang="ko-KR" sz="1400" kern="0" dirty="0">
-                <a:solidFill>
-                  <a:schemeClr val="tx1"/>
-                </a:solidFill>
-                <a:latin typeface="+mn-ea"/>
-              </a:rPr>
-              <a:t>4. </a:t>
-            </a:r>
-            <a:r>
-              <a:rPr kumimoji="1" lang="ko-KR" altLang="en-US" sz="1400" kern="0" dirty="0">
-                <a:solidFill>
-                  <a:schemeClr val="tx1"/>
-                </a:solidFill>
-                <a:latin typeface="+mn-ea"/>
-              </a:rPr>
-              <a:t>기존 </a:t>
-            </a:r>
-            <a:r>
-              <a:rPr kumimoji="1" lang="en-US" altLang="ko-KR" sz="1400" kern="0" dirty="0" err="1">
-                <a:solidFill>
-                  <a:schemeClr val="tx1"/>
-                </a:solidFill>
-                <a:latin typeface="+mn-ea"/>
-              </a:rPr>
-              <a:t>cmd</a:t>
-            </a:r>
-            <a:r>
-              <a:rPr kumimoji="1" lang="en-US" altLang="ko-KR" sz="1400" kern="0" dirty="0">
-                <a:solidFill>
-                  <a:schemeClr val="tx1"/>
-                </a:solidFill>
-                <a:latin typeface="+mn-ea"/>
-              </a:rPr>
-              <a:t> package</a:t>
-            </a:r>
-            <a:r>
-              <a:rPr kumimoji="1" lang="ko-KR" altLang="en-US" sz="1400" kern="0" dirty="0">
-                <a:solidFill>
-                  <a:schemeClr val="tx1"/>
-                </a:solidFill>
-                <a:latin typeface="+mn-ea"/>
-              </a:rPr>
-              <a:t>에서 사용하지 않는 코드 정리 필요</a:t>
-            </a:r>
-            <a:r>
-              <a:rPr kumimoji="1" lang="en-US" altLang="ko-KR" sz="1400" kern="0" dirty="0">
-                <a:solidFill>
-                  <a:schemeClr val="tx1"/>
-                </a:solidFill>
-                <a:latin typeface="+mn-ea"/>
-              </a:rPr>
-              <a:t>.</a:t>
-            </a:r>
-          </a:p>
-          <a:p>
-            <a:pPr algn="just" eaLnBrk="0" hangingPunct="0">
-              <a:spcBef>
-                <a:spcPct val="20000"/>
-              </a:spcBef>
-              <a:buSzPct val="70000"/>
-              <a:defRPr/>
-            </a:pPr>
-            <a:endParaRPr kumimoji="1" lang="en-US" altLang="ko-KR" sz="1400" kern="0" dirty="0">
-              <a:solidFill>
-                <a:schemeClr val="tx1"/>
-              </a:solidFill>
-              <a:latin typeface="+mn-ea"/>
-            </a:endParaRPr>
-          </a:p>
-          <a:p>
-            <a:pPr algn="just" eaLnBrk="0" hangingPunct="0">
-              <a:spcBef>
-                <a:spcPct val="20000"/>
-              </a:spcBef>
-              <a:buSzPct val="70000"/>
-              <a:defRPr/>
-            </a:pPr>
-            <a:endParaRPr kumimoji="1" lang="en-US" altLang="ko-KR" sz="1400" kern="0" dirty="0">
-              <a:solidFill>
-                <a:schemeClr val="tx1"/>
-              </a:solidFill>
-              <a:latin typeface="+mn-ea"/>
-              <a:ea typeface="+mn-ea"/>
-            </a:endParaRPr>
-          </a:p>
-        </p:txBody>
-      </p:sp>
-    </p:spTree>
-    <p:extLst>
-      <p:ext uri="{BB962C8B-B14F-4D97-AF65-F5344CB8AC3E}">
-        <p14:creationId xmlns:p14="http://schemas.microsoft.com/office/powerpoint/2010/main" val="409456306"/>
-      </p:ext>
-    </p:extLst>
-  </p:cSld>
-  <p:clrMapOvr>
-    <a:masterClrMapping/>
-  </p:clrMapOvr>
-  <p:transition/>
-</p:sld>
-</file>
-
-<file path=ppt/slides/slide5.xml><?xml version="1.0" encoding="utf-8"?>
-<p:sld xmlns:a="http://schemas.openxmlformats.org/drawingml/2006/main" xmlns:r="http://schemas.openxmlformats.org/officeDocument/2006/relationships" xmlns:p="http://schemas.openxmlformats.org/presentationml/2006/main">
-  <p:cSld>
-    <p:spTree>
-      <p:nvGrpSpPr>
-        <p:cNvPr id="1" name=""/>
-        <p:cNvGrpSpPr/>
-        <p:nvPr/>
-      </p:nvGrpSpPr>
-      <p:grpSpPr>
-        <a:xfrm>
-          <a:off x="0" y="0"/>
-          <a:ext cx="0" cy="0"/>
-          <a:chOff x="0" y="0"/>
-          <a:chExt cx="0" cy="0"/>
-        </a:xfrm>
-      </p:grpSpPr>
-      <p:sp>
-        <p:nvSpPr>
-          <p:cNvPr id="2" name="제목 1">
-            <a:extLst>
-              <a:ext uri="{FF2B5EF4-FFF2-40B4-BE49-F238E27FC236}">
-                <a16:creationId xmlns:a16="http://schemas.microsoft.com/office/drawing/2014/main" id="{71AD2D92-4BF1-F248-8EA6-039E6B17E1EC}"/>
-              </a:ext>
-            </a:extLst>
-          </p:cNvPr>
-          <p:cNvSpPr>
-            <a:spLocks noGrp="1"/>
-          </p:cNvSpPr>
-          <p:nvPr>
-            <p:ph type="title"/>
-          </p:nvPr>
-        </p:nvSpPr>
-        <p:spPr>
-          <a:xfrm>
-            <a:off x="576146" y="0"/>
-            <a:ext cx="7604468" cy="695577"/>
-          </a:xfrm>
-        </p:spPr>
-        <p:txBody>
-          <a:bodyPr>
-            <a:normAutofit/>
-          </a:bodyPr>
-          <a:lstStyle/>
-          <a:p>
-            <a:r>
-              <a:rPr kumimoji="1" lang="en-US" altLang="ko-KR" dirty="0"/>
-              <a:t>TO-BE</a:t>
-            </a:r>
-            <a:endParaRPr kumimoji="1" lang="ko-KR" altLang="en-US" dirty="0"/>
-          </a:p>
-        </p:txBody>
-      </p:sp>
-      <p:sp>
-        <p:nvSpPr>
-          <p:cNvPr id="64" name="TextBox 63">
-            <a:extLst>
-              <a:ext uri="{FF2B5EF4-FFF2-40B4-BE49-F238E27FC236}">
-                <a16:creationId xmlns:a16="http://schemas.microsoft.com/office/drawing/2014/main" id="{A6DA7F70-E8AC-FE42-AE2D-EA86038FFF2D}"/>
-              </a:ext>
-            </a:extLst>
-          </p:cNvPr>
-          <p:cNvSpPr txBox="1"/>
-          <p:nvPr/>
-        </p:nvSpPr>
-        <p:spPr>
-          <a:xfrm>
-            <a:off x="351891" y="845019"/>
-            <a:ext cx="2888049" cy="1200329"/>
-          </a:xfrm>
-          <a:prstGeom prst="rect">
-            <a:avLst/>
-          </a:prstGeom>
-          <a:noFill/>
-        </p:spPr>
-        <p:txBody>
-          <a:bodyPr wrap="square" rtlCol="0">
-            <a:spAutoFit/>
-          </a:bodyPr>
-          <a:lstStyle/>
-          <a:p>
-            <a:r>
-              <a:rPr lang="en-US" altLang="ko-Kore-KR" dirty="0"/>
-              <a:t>$ </a:t>
-            </a:r>
-            <a:r>
-              <a:rPr lang="en-US" altLang="ko-Kore-KR" dirty="0" err="1"/>
-              <a:t>edgectl</a:t>
-            </a:r>
-            <a:r>
-              <a:rPr lang="en-US" altLang="ko-Kore-KR" dirty="0"/>
-              <a:t> config</a:t>
-            </a:r>
-          </a:p>
-          <a:p>
-            <a:r>
-              <a:rPr lang="en-US" altLang="ko-Kore-KR" dirty="0"/>
-              <a:t>$ </a:t>
-            </a:r>
-            <a:r>
-              <a:rPr lang="en-US" altLang="ko-Kore-KR" dirty="0" err="1"/>
-              <a:t>edgectl</a:t>
-            </a:r>
-            <a:r>
-              <a:rPr lang="en-US" altLang="ko-Kore-KR" dirty="0"/>
-              <a:t> prepare</a:t>
-            </a:r>
-          </a:p>
-          <a:p>
-            <a:r>
-              <a:rPr lang="en-US" altLang="ko-Kore-KR" dirty="0"/>
-              <a:t>$ </a:t>
-            </a:r>
-            <a:r>
-              <a:rPr lang="en-US" altLang="ko-Kore-KR" dirty="0" err="1"/>
-              <a:t>edgectl</a:t>
-            </a:r>
-            <a:r>
-              <a:rPr lang="en-US" altLang="ko-Kore-KR" dirty="0"/>
-              <a:t> apply</a:t>
-            </a:r>
-          </a:p>
-          <a:p>
-            <a:r>
-              <a:rPr lang="en-US" altLang="ko-Kore-KR" dirty="0"/>
-              <a:t>$ </a:t>
-            </a:r>
-            <a:r>
-              <a:rPr lang="en-US" altLang="ko-Kore-KR" dirty="0" err="1"/>
-              <a:t>edgectl</a:t>
-            </a:r>
-            <a:r>
-              <a:rPr lang="en-US" altLang="ko-Kore-KR" dirty="0"/>
-              <a:t> destroy</a:t>
-            </a:r>
-          </a:p>
-        </p:txBody>
-      </p:sp>
-      <p:sp>
-        <p:nvSpPr>
-          <p:cNvPr id="20" name="직사각형 19">
-            <a:extLst>
-              <a:ext uri="{FF2B5EF4-FFF2-40B4-BE49-F238E27FC236}">
-                <a16:creationId xmlns:a16="http://schemas.microsoft.com/office/drawing/2014/main" id="{6E61E083-B549-7840-8404-0F668CBFC551}"/>
-              </a:ext>
-            </a:extLst>
-          </p:cNvPr>
-          <p:cNvSpPr/>
-          <p:nvPr/>
-        </p:nvSpPr>
-        <p:spPr>
-          <a:xfrm>
-            <a:off x="1309428" y="2286710"/>
-            <a:ext cx="2132259" cy="761700"/>
-          </a:xfrm>
-          <a:prstGeom prst="rect">
-            <a:avLst/>
-          </a:prstGeom>
-          <a:solidFill>
-            <a:schemeClr val="bg1"/>
-          </a:solidFill>
-          <a:ln w="9525" algn="ctr">
-            <a:solidFill>
-              <a:schemeClr val="bg1">
-                <a:lumMod val="50000"/>
-              </a:schemeClr>
-            </a:solidFill>
-            <a:miter lim="800000"/>
-            <a:headEnd/>
-            <a:tailEnd/>
-          </a:ln>
-          <a:effectLst>
-            <a:outerShdw blurRad="50800" dist="38100" dir="2700000" algn="tl" rotWithShape="0">
-              <a:prstClr val="black">
-                <a:alpha val="40000"/>
-              </a:prstClr>
-            </a:outerShdw>
-          </a:effectLst>
-        </p:spPr>
-        <p:txBody>
-          <a:bodyPr lIns="36000" tIns="0" rIns="36000" bIns="0" anchor="ctr"/>
-          <a:lstStyle/>
-          <a:p>
-            <a:pPr algn="ctr" fontAlgn="base" latinLnBrk="0"/>
-            <a:r>
-              <a:rPr kumimoji="1" lang="en-US" altLang="ko-KR" sz="1200" dirty="0">
-                <a:latin typeface="맑은 고딕" pitchFamily="50" charset="-127"/>
-                <a:ea typeface="맑은 고딕" pitchFamily="50" charset="-127"/>
-              </a:rPr>
-              <a:t>CMD</a:t>
-            </a:r>
-            <a:endParaRPr kumimoji="1" lang="ko-KR" altLang="en-US" sz="1200" dirty="0">
-              <a:latin typeface="맑은 고딕" pitchFamily="50" charset="-127"/>
-              <a:ea typeface="맑은 고딕" pitchFamily="50" charset="-127"/>
-            </a:endParaRPr>
-          </a:p>
-        </p:txBody>
-      </p:sp>
-      <p:sp>
-        <p:nvSpPr>
-          <p:cNvPr id="21" name="직사각형 20">
-            <a:extLst>
-              <a:ext uri="{FF2B5EF4-FFF2-40B4-BE49-F238E27FC236}">
-                <a16:creationId xmlns:a16="http://schemas.microsoft.com/office/drawing/2014/main" id="{D7524BF9-1C96-2845-BEDD-3D47BF854070}"/>
-              </a:ext>
-            </a:extLst>
-          </p:cNvPr>
-          <p:cNvSpPr/>
-          <p:nvPr/>
-        </p:nvSpPr>
-        <p:spPr>
-          <a:xfrm>
-            <a:off x="6579121" y="2274010"/>
-            <a:ext cx="2132259" cy="761700"/>
-          </a:xfrm>
-          <a:prstGeom prst="rect">
-            <a:avLst/>
-          </a:prstGeom>
-          <a:solidFill>
-            <a:schemeClr val="bg1"/>
-          </a:solidFill>
-          <a:ln w="9525" algn="ctr">
-            <a:solidFill>
-              <a:schemeClr val="bg1">
-                <a:lumMod val="50000"/>
-              </a:schemeClr>
-            </a:solidFill>
-            <a:miter lim="800000"/>
-            <a:headEnd/>
-            <a:tailEnd/>
-          </a:ln>
-          <a:effectLst>
-            <a:outerShdw blurRad="50800" dist="38100" dir="2700000" algn="tl" rotWithShape="0">
-              <a:prstClr val="black">
-                <a:alpha val="40000"/>
-              </a:prstClr>
-            </a:outerShdw>
-          </a:effectLst>
-        </p:spPr>
-        <p:txBody>
-          <a:bodyPr lIns="36000" tIns="0" rIns="36000" bIns="0" anchor="ctr"/>
-          <a:lstStyle/>
-          <a:p>
-            <a:pPr algn="ctr" fontAlgn="base" latinLnBrk="0"/>
-            <a:r>
-              <a:rPr kumimoji="1" lang="en-US" altLang="ko-KR" sz="1200" dirty="0">
-                <a:latin typeface="맑은 고딕" pitchFamily="50" charset="-127"/>
-                <a:ea typeface="맑은 고딕" pitchFamily="50" charset="-127"/>
-              </a:rPr>
-              <a:t>Docker Container</a:t>
-            </a:r>
-          </a:p>
-          <a:p>
-            <a:pPr algn="ctr" fontAlgn="base" latinLnBrk="0"/>
-            <a:r>
-              <a:rPr kumimoji="1" lang="en-US" altLang="ko-KR" sz="1200" dirty="0">
-                <a:latin typeface="맑은 고딕" pitchFamily="50" charset="-127"/>
-                <a:ea typeface="맑은 고딕" pitchFamily="50" charset="-127"/>
-              </a:rPr>
-              <a:t>(ansible-playbook, scripts)</a:t>
-            </a:r>
-          </a:p>
-        </p:txBody>
-      </p:sp>
-      <p:cxnSp>
-        <p:nvCxnSpPr>
-          <p:cNvPr id="22" name="꺾인 연결선 106">
-            <a:extLst>
-              <a:ext uri="{FF2B5EF4-FFF2-40B4-BE49-F238E27FC236}">
-                <a16:creationId xmlns:a16="http://schemas.microsoft.com/office/drawing/2014/main" id="{D999DAA8-0C0E-9749-8E74-17D7632FCE07}"/>
-              </a:ext>
-            </a:extLst>
-          </p:cNvPr>
-          <p:cNvCxnSpPr>
-            <a:cxnSpLocks/>
-            <a:stCxn id="20" idx="3"/>
-            <a:endCxn id="21" idx="1"/>
-          </p:cNvCxnSpPr>
-          <p:nvPr/>
-        </p:nvCxnSpPr>
-        <p:spPr>
-          <a:xfrm flipV="1">
-            <a:off x="3441687" y="2654860"/>
-            <a:ext cx="3137434" cy="12700"/>
-          </a:xfrm>
-          <a:prstGeom prst="bentConnector3">
-            <a:avLst>
-              <a:gd name="adj1" fmla="val 50000"/>
-            </a:avLst>
-          </a:prstGeom>
-          <a:noFill/>
-          <a:ln w="15875">
-            <a:solidFill>
-              <a:schemeClr val="tx1">
-                <a:lumMod val="50000"/>
-                <a:lumOff val="50000"/>
-              </a:schemeClr>
-            </a:solidFill>
-            <a:round/>
-            <a:headEnd type="none"/>
-            <a:tailEnd type="arrow"/>
-          </a:ln>
-        </p:spPr>
-      </p:cxnSp>
-      <p:sp>
-        <p:nvSpPr>
-          <p:cNvPr id="25" name="TextBox 24">
-            <a:extLst>
-              <a:ext uri="{FF2B5EF4-FFF2-40B4-BE49-F238E27FC236}">
-                <a16:creationId xmlns:a16="http://schemas.microsoft.com/office/drawing/2014/main" id="{841B7C59-3963-B94E-9620-722166F89276}"/>
-              </a:ext>
-            </a:extLst>
-          </p:cNvPr>
-          <p:cNvSpPr txBox="1"/>
-          <p:nvPr/>
-        </p:nvSpPr>
-        <p:spPr>
-          <a:xfrm>
-            <a:off x="248695" y="3403861"/>
-            <a:ext cx="5050892" cy="1200329"/>
-          </a:xfrm>
-          <a:prstGeom prst="rect">
-            <a:avLst/>
-          </a:prstGeom>
-          <a:noFill/>
-        </p:spPr>
-        <p:txBody>
-          <a:bodyPr wrap="square" rtlCol="0">
-            <a:spAutoFit/>
-          </a:bodyPr>
-          <a:lstStyle/>
-          <a:p>
-            <a:pPr marL="228600" indent="-228600">
-              <a:buAutoNum type="arabicPeriod"/>
-            </a:pPr>
-            <a:r>
-              <a:rPr kumimoji="1" lang="en-US" altLang="ko-KR" sz="1200" dirty="0" err="1">
-                <a:latin typeface="+mn-ea"/>
-              </a:rPr>
-              <a:t>edgectl</a:t>
-            </a:r>
-            <a:r>
-              <a:rPr kumimoji="1" lang="en-US" altLang="ko-KR" sz="1200" dirty="0">
-                <a:latin typeface="+mn-ea"/>
-              </a:rPr>
-              <a:t> config</a:t>
-            </a:r>
-            <a:r>
-              <a:rPr kumimoji="1" lang="ko-KR" altLang="en-US" sz="1200" dirty="0">
-                <a:latin typeface="+mn-ea"/>
-              </a:rPr>
-              <a:t>로 </a:t>
-            </a:r>
-            <a:r>
-              <a:rPr kumimoji="1" lang="en-US" altLang="ko-KR" sz="1200" dirty="0" err="1">
-                <a:latin typeface="+mn-ea"/>
-              </a:rPr>
-              <a:t>inventory.ini</a:t>
-            </a:r>
-            <a:r>
-              <a:rPr kumimoji="1" lang="en-US" altLang="ko-KR" sz="1200" dirty="0">
-                <a:latin typeface="+mn-ea"/>
-              </a:rPr>
-              <a:t>, </a:t>
-            </a:r>
-            <a:r>
-              <a:rPr kumimoji="1" lang="en-US" altLang="ko-KR" sz="1200" dirty="0" err="1">
-                <a:latin typeface="+mn-ea"/>
-              </a:rPr>
-              <a:t>basic.yaml</a:t>
-            </a:r>
-            <a:r>
-              <a:rPr kumimoji="1" lang="en-US" altLang="ko-KR" sz="1200" dirty="0">
-                <a:latin typeface="+mn-ea"/>
-              </a:rPr>
-              <a:t>, </a:t>
-            </a:r>
-            <a:r>
-              <a:rPr kumimoji="1" lang="en-US" altLang="ko-KR" sz="1200" dirty="0" err="1">
-                <a:latin typeface="+mn-ea"/>
-              </a:rPr>
-              <a:t>expert.yaml</a:t>
-            </a:r>
-            <a:r>
-              <a:rPr kumimoji="1" lang="ko-KR" altLang="en-US" sz="1200" dirty="0">
-                <a:latin typeface="+mn-ea"/>
-              </a:rPr>
-              <a:t> 파일을 저장하여 수정함</a:t>
-            </a:r>
-            <a:r>
-              <a:rPr kumimoji="1" lang="en-US" altLang="ko-KR" sz="1200" dirty="0">
-                <a:latin typeface="+mn-ea"/>
-              </a:rPr>
-              <a:t>.</a:t>
-            </a:r>
-          </a:p>
-          <a:p>
-            <a:pPr marL="228600" indent="-228600">
-              <a:buAutoNum type="arabicPeriod"/>
-            </a:pPr>
-            <a:r>
-              <a:rPr kumimoji="1" lang="en-US" altLang="ko-KR" sz="1200" dirty="0" err="1">
-                <a:latin typeface="+mn-ea"/>
-              </a:rPr>
-              <a:t>edgectl</a:t>
-            </a:r>
-            <a:r>
-              <a:rPr kumimoji="1" lang="en-US" altLang="ko-KR" sz="1200" dirty="0">
-                <a:latin typeface="+mn-ea"/>
-              </a:rPr>
-              <a:t> prepare</a:t>
-            </a:r>
-            <a:r>
-              <a:rPr kumimoji="1" lang="ko-KR" altLang="en-US" sz="1200" dirty="0">
-                <a:latin typeface="+mn-ea"/>
-              </a:rPr>
-              <a:t>로 </a:t>
-            </a:r>
-            <a:r>
-              <a:rPr kumimoji="1" lang="ko-KR" altLang="en-US" sz="1200" dirty="0" err="1">
-                <a:latin typeface="+mn-ea"/>
-              </a:rPr>
-              <a:t>폐쇄망을</a:t>
-            </a:r>
-            <a:r>
-              <a:rPr kumimoji="1" lang="ko-KR" altLang="en-US" sz="1200" dirty="0">
-                <a:latin typeface="+mn-ea"/>
-              </a:rPr>
-              <a:t> 위한 </a:t>
-            </a:r>
-            <a:r>
-              <a:rPr kumimoji="1" lang="en-US" altLang="ko-KR" sz="1200" dirty="0">
-                <a:latin typeface="+mn-ea"/>
-              </a:rPr>
-              <a:t>repository, harbor </a:t>
-            </a:r>
-            <a:r>
-              <a:rPr kumimoji="1" lang="ko-KR" altLang="en-US" sz="1200" dirty="0">
-                <a:latin typeface="+mn-ea"/>
-              </a:rPr>
-              <a:t>백업 파일 다운로드</a:t>
-            </a:r>
-            <a:endParaRPr kumimoji="1" lang="en-US" altLang="ko-KR" sz="1200" dirty="0">
-              <a:latin typeface="+mn-ea"/>
-            </a:endParaRPr>
-          </a:p>
-          <a:p>
-            <a:pPr marL="228600" indent="-228600">
-              <a:buAutoNum type="arabicPeriod"/>
-            </a:pPr>
-            <a:r>
-              <a:rPr kumimoji="1" lang="en-US" altLang="ko-KR" sz="1200" dirty="0" err="1">
-                <a:latin typeface="+mn-ea"/>
-              </a:rPr>
-              <a:t>edgectl</a:t>
-            </a:r>
-            <a:r>
-              <a:rPr kumimoji="1" lang="en-US" altLang="ko-KR" sz="1200" dirty="0">
-                <a:latin typeface="+mn-ea"/>
-              </a:rPr>
-              <a:t> apply</a:t>
-            </a:r>
-            <a:r>
-              <a:rPr kumimoji="1" lang="ko-KR" altLang="en-US" sz="1200" dirty="0">
-                <a:latin typeface="+mn-ea"/>
-              </a:rPr>
-              <a:t>로 </a:t>
-            </a:r>
-            <a:r>
-              <a:rPr kumimoji="1" lang="en-US" altLang="ko-KR" sz="1200" dirty="0">
-                <a:latin typeface="+mn-ea"/>
-              </a:rPr>
-              <a:t>cluster</a:t>
-            </a:r>
-            <a:r>
-              <a:rPr kumimoji="1" lang="ko-KR" altLang="en-US" sz="1200" dirty="0">
-                <a:latin typeface="+mn-ea"/>
-              </a:rPr>
-              <a:t> 생성</a:t>
-            </a:r>
-            <a:r>
-              <a:rPr kumimoji="1" lang="en-US" altLang="ko-KR" sz="1200" dirty="0">
-                <a:latin typeface="+mn-ea"/>
-              </a:rPr>
-              <a:t>,</a:t>
-            </a:r>
-            <a:r>
-              <a:rPr kumimoji="1" lang="ko-KR" altLang="en-US" sz="1200" dirty="0">
-                <a:latin typeface="+mn-ea"/>
-              </a:rPr>
-              <a:t> </a:t>
-            </a:r>
-            <a:r>
-              <a:rPr kumimoji="1" lang="en-US" altLang="ko-KR" sz="1200" dirty="0">
-                <a:latin typeface="+mn-ea"/>
-              </a:rPr>
-              <a:t>node </a:t>
-            </a:r>
-            <a:r>
-              <a:rPr kumimoji="1" lang="ko-KR" altLang="en-US" sz="1200" dirty="0">
-                <a:latin typeface="+mn-ea"/>
-              </a:rPr>
-              <a:t>추가</a:t>
-            </a:r>
-            <a:r>
-              <a:rPr kumimoji="1" lang="en-US" altLang="ko-KR" sz="1200" dirty="0">
-                <a:latin typeface="+mn-ea"/>
-              </a:rPr>
-              <a:t>,</a:t>
-            </a:r>
-            <a:r>
-              <a:rPr kumimoji="1" lang="ko-KR" altLang="en-US" sz="1200" dirty="0">
-                <a:latin typeface="+mn-ea"/>
-              </a:rPr>
-              <a:t>삭제</a:t>
-            </a:r>
-            <a:r>
-              <a:rPr kumimoji="1" lang="en-US" altLang="ko-KR" sz="1200" dirty="0">
-                <a:latin typeface="+mn-ea"/>
-              </a:rPr>
-              <a:t>,</a:t>
-            </a:r>
-            <a:r>
-              <a:rPr kumimoji="1" lang="ko-KR" altLang="en-US" sz="1200" dirty="0">
-                <a:latin typeface="+mn-ea"/>
-              </a:rPr>
-              <a:t> </a:t>
-            </a:r>
-            <a:r>
-              <a:rPr kumimoji="1" lang="en-US" altLang="ko-KR" sz="1200" dirty="0">
-                <a:latin typeface="+mn-ea"/>
-              </a:rPr>
-              <a:t>cluster upgrade</a:t>
-            </a:r>
-            <a:r>
-              <a:rPr kumimoji="1" lang="ko-KR" altLang="en-US" sz="1200" dirty="0">
-                <a:latin typeface="+mn-ea"/>
-              </a:rPr>
-              <a:t> 실행 </a:t>
-            </a:r>
-            <a:endParaRPr kumimoji="1" lang="en-US" altLang="ko-KR" sz="1200" dirty="0">
-              <a:latin typeface="+mn-ea"/>
-            </a:endParaRPr>
-          </a:p>
-          <a:p>
-            <a:pPr marL="228600" indent="-228600">
-              <a:buAutoNum type="arabicPeriod"/>
-            </a:pPr>
-            <a:r>
-              <a:rPr kumimoji="1" lang="en-US" altLang="ko-KR" sz="1200" dirty="0" err="1">
-                <a:latin typeface="+mn-ea"/>
-              </a:rPr>
-              <a:t>edgectl</a:t>
-            </a:r>
-            <a:r>
-              <a:rPr kumimoji="1" lang="en-US" altLang="ko-KR" sz="1200" dirty="0">
-                <a:latin typeface="+mn-ea"/>
-              </a:rPr>
-              <a:t> destroy</a:t>
-            </a:r>
-            <a:r>
-              <a:rPr kumimoji="1" lang="ko-KR" altLang="en-US" sz="1200" dirty="0">
-                <a:latin typeface="+mn-ea"/>
-              </a:rPr>
-              <a:t>로 </a:t>
-            </a:r>
-            <a:r>
-              <a:rPr kumimoji="1" lang="en-US" altLang="ko-KR" sz="1200" dirty="0">
-                <a:latin typeface="+mn-ea"/>
-              </a:rPr>
-              <a:t>cluster</a:t>
-            </a:r>
-            <a:r>
-              <a:rPr kumimoji="1" lang="ko-KR" altLang="en-US" sz="1200" dirty="0">
-                <a:latin typeface="+mn-ea"/>
-              </a:rPr>
-              <a:t> 삭제</a:t>
-            </a:r>
-            <a:endParaRPr kumimoji="1" lang="en-US" altLang="ko-KR" sz="1200" dirty="0">
-              <a:latin typeface="+mn-ea"/>
-            </a:endParaRPr>
-          </a:p>
-        </p:txBody>
-      </p:sp>
-      <p:sp>
-        <p:nvSpPr>
-          <p:cNvPr id="30" name="TextBox 29">
-            <a:extLst>
-              <a:ext uri="{FF2B5EF4-FFF2-40B4-BE49-F238E27FC236}">
-                <a16:creationId xmlns:a16="http://schemas.microsoft.com/office/drawing/2014/main" id="{911F5BD5-9275-7848-BF77-C72DCDBA13E2}"/>
-              </a:ext>
-            </a:extLst>
-          </p:cNvPr>
-          <p:cNvSpPr txBox="1"/>
-          <p:nvPr/>
-        </p:nvSpPr>
-        <p:spPr>
-          <a:xfrm>
-            <a:off x="1639959" y="5178583"/>
-            <a:ext cx="6786286" cy="461665"/>
-          </a:xfrm>
-          <a:prstGeom prst="rect">
-            <a:avLst/>
-          </a:prstGeom>
-          <a:noFill/>
-        </p:spPr>
-        <p:txBody>
-          <a:bodyPr wrap="square" rtlCol="0">
-            <a:spAutoFit/>
-          </a:bodyPr>
-          <a:lstStyle/>
-          <a:p>
-            <a:r>
-              <a:rPr kumimoji="1" lang="en-US" altLang="ko-KR" sz="1200" dirty="0">
-                <a:latin typeface="+mn-ea"/>
-              </a:rPr>
-              <a:t>* </a:t>
-            </a:r>
-            <a:r>
-              <a:rPr kumimoji="1" lang="ko-KR" altLang="en-US" sz="1200" dirty="0">
-                <a:latin typeface="+mn-ea"/>
-              </a:rPr>
-              <a:t>작업 로그는 </a:t>
-            </a:r>
-            <a:r>
-              <a:rPr kumimoji="1" lang="en-US" altLang="ko-KR" sz="1200" dirty="0">
-                <a:latin typeface="+mn-ea"/>
-              </a:rPr>
-              <a:t>ansible playbook</a:t>
-            </a:r>
-            <a:r>
-              <a:rPr kumimoji="1" lang="ko-KR" altLang="en-US" sz="1200" dirty="0">
-                <a:latin typeface="+mn-ea"/>
-              </a:rPr>
-              <a:t> </a:t>
-            </a:r>
-            <a:r>
-              <a:rPr kumimoji="1" lang="ko-KR" altLang="en-US" sz="1200" dirty="0" err="1">
-                <a:latin typeface="+mn-ea"/>
-              </a:rPr>
-              <a:t>실행내용을</a:t>
-            </a:r>
-            <a:r>
-              <a:rPr kumimoji="1" lang="ko-KR" altLang="en-US" sz="1200" dirty="0">
-                <a:latin typeface="+mn-ea"/>
-              </a:rPr>
-              <a:t> 그대로 출력</a:t>
-            </a:r>
-            <a:endParaRPr kumimoji="1" lang="en-US" altLang="ko-KR" sz="1200" dirty="0">
-              <a:latin typeface="+mn-ea"/>
-            </a:endParaRPr>
-          </a:p>
-          <a:p>
-            <a:r>
-              <a:rPr kumimoji="1" lang="ko-KR" altLang="en-US" sz="1200" dirty="0">
-                <a:latin typeface="+mn-ea"/>
-              </a:rPr>
-              <a:t>* </a:t>
-            </a:r>
-            <a:r>
-              <a:rPr kumimoji="1" lang="en-US" altLang="ko-KR" sz="1200" dirty="0">
-                <a:latin typeface="+mn-ea"/>
-              </a:rPr>
-              <a:t>ansible-playbook</a:t>
-            </a:r>
-            <a:r>
-              <a:rPr kumimoji="1" lang="ko-KR" altLang="en-US" sz="1200" dirty="0">
-                <a:latin typeface="+mn-ea"/>
-              </a:rPr>
-              <a:t>의 옵션 </a:t>
-            </a:r>
-            <a:r>
-              <a:rPr kumimoji="1" lang="en-US" altLang="ko-KR" sz="1200" dirty="0">
-                <a:latin typeface="+mn-ea"/>
-              </a:rPr>
-              <a:t>(--dry-run, --step, --diff)</a:t>
-            </a:r>
-            <a:r>
-              <a:rPr kumimoji="1" lang="ko-KR" altLang="en-US" sz="1200" dirty="0">
-                <a:latin typeface="+mn-ea"/>
-              </a:rPr>
-              <a:t>와 </a:t>
-            </a:r>
-            <a:r>
-              <a:rPr kumimoji="1" lang="en-US" altLang="ko-KR" sz="1200" dirty="0">
-                <a:latin typeface="+mn-ea"/>
-              </a:rPr>
-              <a:t>ansible ad-hoc command </a:t>
-            </a:r>
-            <a:r>
-              <a:rPr kumimoji="1" lang="ko-KR" altLang="en-US" sz="1200" dirty="0">
-                <a:latin typeface="+mn-ea"/>
-              </a:rPr>
-              <a:t>지원</a:t>
-            </a:r>
-            <a:endParaRPr kumimoji="1" lang="en-US" altLang="ko-KR" sz="1200" dirty="0">
-              <a:latin typeface="+mn-ea"/>
-            </a:endParaRPr>
-          </a:p>
-        </p:txBody>
-      </p:sp>
-    </p:spTree>
-    <p:extLst>
-      <p:ext uri="{BB962C8B-B14F-4D97-AF65-F5344CB8AC3E}">
-        <p14:creationId xmlns:p14="http://schemas.microsoft.com/office/powerpoint/2010/main" val="1085437597"/>
       </p:ext>
     </p:extLst>
   </p:cSld>
